--- a/model/model-workflow.pptx
+++ b/model/model-workflow.pptx
@@ -6,11 +6,8 @@
   </p:sldMasterIdLst>
   <p:sldIdLst>
     <p:sldId id="256" r:id="rId2"/>
-    <p:sldId id="262" r:id="rId3"/>
+    <p:sldId id="267" r:id="rId3"/>
     <p:sldId id="263" r:id="rId4"/>
-    <p:sldId id="265" r:id="rId5"/>
-    <p:sldId id="258" r:id="rId6"/>
-    <p:sldId id="264" r:id="rId7"/>
   </p:sldIdLst>
   <p:sldSz cx="12192000" cy="6858000"/>
   <p:notesSz cx="6858000" cy="9144000"/>
@@ -115,15 +112,8 @@
         <p14:section name="Default Section" id="{50E4E77F-32C5-C94C-9F2A-9D603BDD0F56}">
           <p14:sldIdLst>
             <p14:sldId id="256"/>
-            <p14:sldId id="262"/>
+            <p14:sldId id="267"/>
             <p14:sldId id="263"/>
-            <p14:sldId id="265"/>
-            <p14:sldId id="258"/>
-          </p14:sldIdLst>
-        </p14:section>
-        <p14:section name="Misc" id="{CC876B1B-1B32-6B48-B383-8926FD84BECB}">
-          <p14:sldIdLst>
-            <p14:sldId id="264"/>
           </p14:sldIdLst>
         </p14:section>
       </p14:sectionLst>
@@ -136,15 +126,15 @@
 </file>
 
 <file path=ppt/diagrams/colors1.xml><?xml version="1.0" encoding="utf-8"?>
-<dgm:colorsDef xmlns:dgm="http://schemas.openxmlformats.org/drawingml/2006/diagram" xmlns:a="http://schemas.openxmlformats.org/drawingml/2006/main" uniqueId="urn:microsoft.com/office/officeart/2005/8/colors/accent1_2">
+<dgm:colorsDef xmlns:dgm="http://schemas.openxmlformats.org/drawingml/2006/diagram" xmlns:a="http://schemas.openxmlformats.org/drawingml/2006/main" uniqueId="urn:microsoft.com/office/officeart/2005/8/colors/accent5_2">
   <dgm:title val=""/>
   <dgm:desc val=""/>
   <dgm:catLst>
-    <dgm:cat type="accent1" pri="11200"/>
+    <dgm:cat type="accent5" pri="11200"/>
   </dgm:catLst>
   <dgm:styleLbl name="node0">
     <dgm:fillClrLst meth="repeat">
-      <a:schemeClr val="accent1"/>
+      <a:schemeClr val="accent5"/>
     </dgm:fillClrLst>
     <dgm:linClrLst meth="repeat">
       <a:schemeClr val="lt1"/>
@@ -154,21 +144,9 @@
     <dgm:txFillClrLst/>
     <dgm:txEffectClrLst/>
   </dgm:styleLbl>
-  <dgm:styleLbl name="alignNode1">
-    <dgm:fillClrLst meth="repeat">
-      <a:schemeClr val="accent1"/>
-    </dgm:fillClrLst>
-    <dgm:linClrLst meth="repeat">
-      <a:schemeClr val="accent1"/>
-    </dgm:linClrLst>
-    <dgm:effectClrLst/>
-    <dgm:txLinClrLst/>
-    <dgm:txFillClrLst/>
-    <dgm:txEffectClrLst/>
-  </dgm:styleLbl>
   <dgm:styleLbl name="node1">
     <dgm:fillClrLst meth="repeat">
-      <a:schemeClr val="accent1"/>
+      <a:schemeClr val="accent5"/>
     </dgm:fillClrLst>
     <dgm:linClrLst meth="repeat">
       <a:schemeClr val="lt1"/>
@@ -178,9 +156,21 @@
     <dgm:txFillClrLst/>
     <dgm:txEffectClrLst/>
   </dgm:styleLbl>
+  <dgm:styleLbl name="alignNode1">
+    <dgm:fillClrLst meth="repeat">
+      <a:schemeClr val="accent5"/>
+    </dgm:fillClrLst>
+    <dgm:linClrLst meth="repeat">
+      <a:schemeClr val="accent5"/>
+    </dgm:linClrLst>
+    <dgm:effectClrLst/>
+    <dgm:txLinClrLst/>
+    <dgm:txFillClrLst/>
+    <dgm:txEffectClrLst/>
+  </dgm:styleLbl>
   <dgm:styleLbl name="lnNode1">
     <dgm:fillClrLst meth="repeat">
-      <a:schemeClr val="accent1"/>
+      <a:schemeClr val="accent5"/>
     </dgm:fillClrLst>
     <dgm:linClrLst meth="repeat">
       <a:schemeClr val="lt1"/>
@@ -192,7 +182,7 @@
   </dgm:styleLbl>
   <dgm:styleLbl name="vennNode1">
     <dgm:fillClrLst meth="repeat">
-      <a:schemeClr val="accent1">
+      <a:schemeClr val="accent5">
         <a:alpha val="50000"/>
       </a:schemeClr>
     </dgm:fillClrLst>
@@ -206,7 +196,7 @@
   </dgm:styleLbl>
   <dgm:styleLbl name="node2">
     <dgm:fillClrLst meth="repeat">
-      <a:schemeClr val="accent1"/>
+      <a:schemeClr val="accent5"/>
     </dgm:fillClrLst>
     <dgm:linClrLst meth="repeat">
       <a:schemeClr val="lt1"/>
@@ -218,7 +208,7 @@
   </dgm:styleLbl>
   <dgm:styleLbl name="node3">
     <dgm:fillClrLst meth="repeat">
-      <a:schemeClr val="accent1"/>
+      <a:schemeClr val="accent5"/>
     </dgm:fillClrLst>
     <dgm:linClrLst meth="repeat">
       <a:schemeClr val="lt1"/>
@@ -230,7 +220,7 @@
   </dgm:styleLbl>
   <dgm:styleLbl name="node4">
     <dgm:fillClrLst meth="repeat">
-      <a:schemeClr val="accent1"/>
+      <a:schemeClr val="accent5"/>
     </dgm:fillClrLst>
     <dgm:linClrLst meth="repeat">
       <a:schemeClr val="lt1"/>
@@ -242,7 +232,7 @@
   </dgm:styleLbl>
   <dgm:styleLbl name="fgImgPlace1">
     <dgm:fillClrLst meth="repeat">
-      <a:schemeClr val="accent1">
+      <a:schemeClr val="accent5">
         <a:tint val="50000"/>
       </a:schemeClr>
     </dgm:fillClrLst>
@@ -258,7 +248,7 @@
   </dgm:styleLbl>
   <dgm:styleLbl name="alignImgPlace1">
     <dgm:fillClrLst meth="repeat">
-      <a:schemeClr val="accent1">
+      <a:schemeClr val="accent5">
         <a:tint val="50000"/>
       </a:schemeClr>
     </dgm:fillClrLst>
@@ -274,7 +264,7 @@
   </dgm:styleLbl>
   <dgm:styleLbl name="bgImgPlace1">
     <dgm:fillClrLst meth="repeat">
-      <a:schemeClr val="accent1">
+      <a:schemeClr val="accent5">
         <a:tint val="50000"/>
       </a:schemeClr>
     </dgm:fillClrLst>
@@ -290,12 +280,12 @@
   </dgm:styleLbl>
   <dgm:styleLbl name="sibTrans2D1">
     <dgm:fillClrLst meth="repeat">
-      <a:schemeClr val="accent1">
+      <a:schemeClr val="accent5">
         <a:tint val="60000"/>
       </a:schemeClr>
     </dgm:fillClrLst>
     <dgm:linClrLst meth="repeat">
-      <a:schemeClr val="accent1">
+      <a:schemeClr val="accent5">
         <a:tint val="60000"/>
       </a:schemeClr>
     </dgm:linClrLst>
@@ -306,12 +296,12 @@
   </dgm:styleLbl>
   <dgm:styleLbl name="fgSibTrans2D1">
     <dgm:fillClrLst meth="repeat">
-      <a:schemeClr val="accent1">
+      <a:schemeClr val="accent5">
         <a:tint val="60000"/>
       </a:schemeClr>
     </dgm:fillClrLst>
     <dgm:linClrLst meth="repeat">
-      <a:schemeClr val="accent1">
+      <a:schemeClr val="accent5">
         <a:tint val="60000"/>
       </a:schemeClr>
     </dgm:linClrLst>
@@ -322,12 +312,12 @@
   </dgm:styleLbl>
   <dgm:styleLbl name="bgSibTrans2D1">
     <dgm:fillClrLst meth="repeat">
-      <a:schemeClr val="accent1">
+      <a:schemeClr val="accent5">
         <a:tint val="60000"/>
       </a:schemeClr>
     </dgm:fillClrLst>
     <dgm:linClrLst meth="repeat">
-      <a:schemeClr val="accent1">
+      <a:schemeClr val="accent5">
         <a:tint val="60000"/>
       </a:schemeClr>
     </dgm:linClrLst>
@@ -338,10 +328,10 @@
   </dgm:styleLbl>
   <dgm:styleLbl name="sibTrans1D1">
     <dgm:fillClrLst meth="repeat">
-      <a:schemeClr val="accent1"/>
+      <a:schemeClr val="accent5"/>
     </dgm:fillClrLst>
     <dgm:linClrLst meth="repeat">
-      <a:schemeClr val="accent1"/>
+      <a:schemeClr val="accent5"/>
     </dgm:linClrLst>
     <dgm:effectClrLst/>
     <dgm:txLinClrLst/>
@@ -352,10 +342,10 @@
   </dgm:styleLbl>
   <dgm:styleLbl name="callout">
     <dgm:fillClrLst meth="repeat">
-      <a:schemeClr val="accent1"/>
+      <a:schemeClr val="accent5"/>
     </dgm:fillClrLst>
     <dgm:linClrLst meth="repeat">
-      <a:schemeClr val="accent1">
+      <a:schemeClr val="accent5">
         <a:tint val="50000"/>
       </a:schemeClr>
     </dgm:linClrLst>
@@ -368,7 +358,7 @@
   </dgm:styleLbl>
   <dgm:styleLbl name="asst0">
     <dgm:fillClrLst meth="repeat">
-      <a:schemeClr val="accent1"/>
+      <a:schemeClr val="accent5"/>
     </dgm:fillClrLst>
     <dgm:linClrLst meth="repeat">
       <a:schemeClr val="lt1"/>
@@ -380,7 +370,7 @@
   </dgm:styleLbl>
   <dgm:styleLbl name="asst1">
     <dgm:fillClrLst meth="repeat">
-      <a:schemeClr val="accent1"/>
+      <a:schemeClr val="accent5"/>
     </dgm:fillClrLst>
     <dgm:linClrLst meth="repeat">
       <a:schemeClr val="lt1"/>
@@ -392,7 +382,7 @@
   </dgm:styleLbl>
   <dgm:styleLbl name="asst2">
     <dgm:fillClrLst meth="repeat">
-      <a:schemeClr val="accent1"/>
+      <a:schemeClr val="accent5"/>
     </dgm:fillClrLst>
     <dgm:linClrLst meth="repeat">
       <a:schemeClr val="lt1"/>
@@ -404,7 +394,7 @@
   </dgm:styleLbl>
   <dgm:styleLbl name="asst3">
     <dgm:fillClrLst meth="repeat">
-      <a:schemeClr val="accent1"/>
+      <a:schemeClr val="accent5"/>
     </dgm:fillClrLst>
     <dgm:linClrLst meth="repeat">
       <a:schemeClr val="lt1"/>
@@ -416,7 +406,7 @@
   </dgm:styleLbl>
   <dgm:styleLbl name="asst4">
     <dgm:fillClrLst meth="repeat">
-      <a:schemeClr val="accent1"/>
+      <a:schemeClr val="accent5"/>
     </dgm:fillClrLst>
     <dgm:linClrLst meth="repeat">
       <a:schemeClr val="lt1"/>
@@ -428,12 +418,12 @@
   </dgm:styleLbl>
   <dgm:styleLbl name="parChTrans2D1">
     <dgm:fillClrLst meth="repeat">
-      <a:schemeClr val="accent1">
+      <a:schemeClr val="accent5">
         <a:tint val="60000"/>
       </a:schemeClr>
     </dgm:fillClrLst>
     <dgm:linClrLst meth="repeat">
-      <a:schemeClr val="accent1">
+      <a:schemeClr val="accent5">
         <a:tint val="60000"/>
       </a:schemeClr>
     </dgm:linClrLst>
@@ -446,10 +436,10 @@
   </dgm:styleLbl>
   <dgm:styleLbl name="parChTrans2D2">
     <dgm:fillClrLst meth="repeat">
-      <a:schemeClr val="accent1"/>
+      <a:schemeClr val="accent5"/>
     </dgm:fillClrLst>
     <dgm:linClrLst meth="repeat">
-      <a:schemeClr val="accent1"/>
+      <a:schemeClr val="accent5"/>
     </dgm:linClrLst>
     <dgm:effectClrLst/>
     <dgm:txLinClrLst/>
@@ -460,10 +450,10 @@
   </dgm:styleLbl>
   <dgm:styleLbl name="parChTrans2D3">
     <dgm:fillClrLst meth="repeat">
-      <a:schemeClr val="accent1"/>
+      <a:schemeClr val="accent5"/>
     </dgm:fillClrLst>
     <dgm:linClrLst meth="repeat">
-      <a:schemeClr val="accent1"/>
+      <a:schemeClr val="accent5"/>
     </dgm:linClrLst>
     <dgm:effectClrLst/>
     <dgm:txLinClrLst/>
@@ -474,10 +464,10 @@
   </dgm:styleLbl>
   <dgm:styleLbl name="parChTrans2D4">
     <dgm:fillClrLst meth="repeat">
-      <a:schemeClr val="accent1"/>
+      <a:schemeClr val="accent5"/>
     </dgm:fillClrLst>
     <dgm:linClrLst meth="repeat">
-      <a:schemeClr val="accent1"/>
+      <a:schemeClr val="accent5"/>
     </dgm:linClrLst>
     <dgm:effectClrLst/>
     <dgm:txLinClrLst/>
@@ -488,10 +478,10 @@
   </dgm:styleLbl>
   <dgm:styleLbl name="parChTrans1D1">
     <dgm:fillClrLst meth="repeat">
-      <a:schemeClr val="accent1"/>
+      <a:schemeClr val="accent5"/>
     </dgm:fillClrLst>
     <dgm:linClrLst meth="repeat">
-      <a:schemeClr val="accent1">
+      <a:schemeClr val="accent5">
         <a:shade val="60000"/>
       </a:schemeClr>
     </dgm:linClrLst>
@@ -504,10 +494,10 @@
   </dgm:styleLbl>
   <dgm:styleLbl name="parChTrans1D2">
     <dgm:fillClrLst meth="repeat">
-      <a:schemeClr val="accent1"/>
+      <a:schemeClr val="accent5"/>
     </dgm:fillClrLst>
     <dgm:linClrLst meth="repeat">
-      <a:schemeClr val="accent1">
+      <a:schemeClr val="accent5">
         <a:shade val="60000"/>
       </a:schemeClr>
     </dgm:linClrLst>
@@ -520,10 +510,10 @@
   </dgm:styleLbl>
   <dgm:styleLbl name="parChTrans1D3">
     <dgm:fillClrLst meth="repeat">
-      <a:schemeClr val="accent1"/>
+      <a:schemeClr val="accent5"/>
     </dgm:fillClrLst>
     <dgm:linClrLst meth="repeat">
-      <a:schemeClr val="accent1">
+      <a:schemeClr val="accent5">
         <a:shade val="80000"/>
       </a:schemeClr>
     </dgm:linClrLst>
@@ -536,10 +526,10 @@
   </dgm:styleLbl>
   <dgm:styleLbl name="parChTrans1D4">
     <dgm:fillClrLst meth="repeat">
-      <a:schemeClr val="accent1"/>
+      <a:schemeClr val="accent5"/>
     </dgm:fillClrLst>
     <dgm:linClrLst meth="repeat">
-      <a:schemeClr val="accent1">
+      <a:schemeClr val="accent5">
         <a:shade val="80000"/>
       </a:schemeClr>
     </dgm:linClrLst>
@@ -557,7 +547,7 @@
       </a:schemeClr>
     </dgm:fillClrLst>
     <dgm:linClrLst meth="repeat">
-      <a:schemeClr val="accent1"/>
+      <a:schemeClr val="accent5"/>
     </dgm:linClrLst>
     <dgm:effectClrLst/>
     <dgm:txLinClrLst/>
@@ -573,7 +563,7 @@
       </a:schemeClr>
     </dgm:fillClrLst>
     <dgm:linClrLst meth="repeat">
-      <a:schemeClr val="accent1"/>
+      <a:schemeClr val="accent5"/>
     </dgm:linClrLst>
     <dgm:effectClrLst/>
     <dgm:txLinClrLst/>
@@ -589,7 +579,7 @@
       </a:schemeClr>
     </dgm:fillClrLst>
     <dgm:linClrLst meth="repeat">
-      <a:schemeClr val="accent1"/>
+      <a:schemeClr val="accent5"/>
     </dgm:linClrLst>
     <dgm:effectClrLst/>
     <dgm:txLinClrLst/>
@@ -605,7 +595,7 @@
       </a:schemeClr>
     </dgm:fillClrLst>
     <dgm:linClrLst meth="repeat">
-      <a:schemeClr val="accent1"/>
+      <a:schemeClr val="accent5"/>
     </dgm:linClrLst>
     <dgm:effectClrLst/>
     <dgm:txLinClrLst/>
@@ -621,7 +611,7 @@
       </a:schemeClr>
     </dgm:fillClrLst>
     <dgm:linClrLst meth="repeat">
-      <a:schemeClr val="accent1"/>
+      <a:schemeClr val="accent5"/>
     </dgm:linClrLst>
     <dgm:effectClrLst/>
     <dgm:txLinClrLst/>
@@ -635,7 +625,7 @@
       <a:schemeClr val="lt1"/>
     </dgm:fillClrLst>
     <dgm:linClrLst meth="repeat">
-      <a:schemeClr val="accent1"/>
+      <a:schemeClr val="accent5"/>
     </dgm:linClrLst>
     <dgm:effectClrLst/>
     <dgm:txLinClrLst/>
@@ -649,7 +639,7 @@
       <a:schemeClr val="lt1"/>
     </dgm:fillClrLst>
     <dgm:linClrLst meth="repeat">
-      <a:schemeClr val="accent1"/>
+      <a:schemeClr val="accent5"/>
     </dgm:linClrLst>
     <dgm:effectClrLst/>
     <dgm:txLinClrLst/>
@@ -663,7 +653,7 @@
       <a:schemeClr val="lt1"/>
     </dgm:fillClrLst>
     <dgm:linClrLst meth="repeat">
-      <a:schemeClr val="accent1"/>
+      <a:schemeClr val="accent5"/>
     </dgm:linClrLst>
     <dgm:effectClrLst/>
     <dgm:txLinClrLst/>
@@ -674,13 +664,13 @@
   </dgm:styleLbl>
   <dgm:styleLbl name="fgAccFollowNode1">
     <dgm:fillClrLst meth="repeat">
-      <a:schemeClr val="accent1">
+      <a:schemeClr val="accent5">
         <a:alpha val="90000"/>
         <a:tint val="40000"/>
       </a:schemeClr>
     </dgm:fillClrLst>
     <dgm:linClrLst meth="repeat">
-      <a:schemeClr val="accent1">
+      <a:schemeClr val="accent5">
         <a:alpha val="90000"/>
         <a:tint val="40000"/>
       </a:schemeClr>
@@ -694,13 +684,13 @@
   </dgm:styleLbl>
   <dgm:styleLbl name="alignAccFollowNode1">
     <dgm:fillClrLst meth="repeat">
-      <a:schemeClr val="accent1">
+      <a:schemeClr val="accent5">
         <a:alpha val="90000"/>
         <a:tint val="40000"/>
       </a:schemeClr>
     </dgm:fillClrLst>
     <dgm:linClrLst meth="repeat">
-      <a:schemeClr val="accent1">
+      <a:schemeClr val="accent5">
         <a:alpha val="90000"/>
         <a:tint val="40000"/>
       </a:schemeClr>
@@ -714,13 +704,13 @@
   </dgm:styleLbl>
   <dgm:styleLbl name="bgAccFollowNode1">
     <dgm:fillClrLst meth="repeat">
-      <a:schemeClr val="accent1">
+      <a:schemeClr val="accent5">
         <a:alpha val="90000"/>
         <a:tint val="40000"/>
       </a:schemeClr>
     </dgm:fillClrLst>
     <dgm:linClrLst meth="repeat">
-      <a:schemeClr val="accent1">
+      <a:schemeClr val="accent5">
         <a:alpha val="90000"/>
         <a:tint val="40000"/>
       </a:schemeClr>
@@ -739,7 +729,7 @@
       </a:schemeClr>
     </dgm:fillClrLst>
     <dgm:linClrLst meth="repeat">
-      <a:schemeClr val="accent1"/>
+      <a:schemeClr val="accent5"/>
     </dgm:linClrLst>
     <dgm:effectClrLst/>
     <dgm:txLinClrLst/>
@@ -755,7 +745,7 @@
       </a:schemeClr>
     </dgm:fillClrLst>
     <dgm:linClrLst meth="repeat">
-      <a:schemeClr val="accent1"/>
+      <a:schemeClr val="accent5"/>
     </dgm:linClrLst>
     <dgm:effectClrLst/>
     <dgm:txLinClrLst/>
@@ -771,7 +761,7 @@
       </a:schemeClr>
     </dgm:fillClrLst>
     <dgm:linClrLst meth="repeat">
-      <a:schemeClr val="accent1"/>
+      <a:schemeClr val="accent5"/>
     </dgm:linClrLst>
     <dgm:effectClrLst/>
     <dgm:txLinClrLst/>
@@ -787,7 +777,7 @@
       </a:schemeClr>
     </dgm:fillClrLst>
     <dgm:linClrLst meth="repeat">
-      <a:schemeClr val="accent1"/>
+      <a:schemeClr val="accent5"/>
     </dgm:linClrLst>
     <dgm:effectClrLst/>
     <dgm:txLinClrLst/>
@@ -798,12 +788,12 @@
   </dgm:styleLbl>
   <dgm:styleLbl name="bgShp">
     <dgm:fillClrLst meth="repeat">
-      <a:schemeClr val="accent1">
+      <a:schemeClr val="accent5">
         <a:tint val="40000"/>
       </a:schemeClr>
     </dgm:fillClrLst>
     <dgm:linClrLst meth="repeat">
-      <a:schemeClr val="accent1"/>
+      <a:schemeClr val="accent5"/>
     </dgm:linClrLst>
     <dgm:effectClrLst/>
     <dgm:txLinClrLst/>
@@ -814,12 +804,12 @@
   </dgm:styleLbl>
   <dgm:styleLbl name="dkBgShp">
     <dgm:fillClrLst meth="repeat">
-      <a:schemeClr val="accent1">
+      <a:schemeClr val="accent5">
         <a:shade val="80000"/>
       </a:schemeClr>
     </dgm:fillClrLst>
     <dgm:linClrLst meth="repeat">
-      <a:schemeClr val="accent1"/>
+      <a:schemeClr val="accent5"/>
     </dgm:linClrLst>
     <dgm:effectClrLst/>
     <dgm:txLinClrLst/>
@@ -830,13 +820,13 @@
   </dgm:styleLbl>
   <dgm:styleLbl name="trBgShp">
     <dgm:fillClrLst meth="repeat">
-      <a:schemeClr val="accent1">
+      <a:schemeClr val="accent5">
         <a:tint val="50000"/>
         <a:alpha val="40000"/>
       </a:schemeClr>
     </dgm:fillClrLst>
     <dgm:linClrLst meth="repeat">
-      <a:schemeClr val="accent1"/>
+      <a:schemeClr val="accent5"/>
     </dgm:linClrLst>
     <dgm:effectClrLst/>
     <dgm:txLinClrLst/>
@@ -847,7 +837,7 @@
   </dgm:styleLbl>
   <dgm:styleLbl name="fgShp">
     <dgm:fillClrLst meth="repeat">
-      <a:schemeClr val="accent1">
+      <a:schemeClr val="accent5">
         <a:tint val="60000"/>
       </a:schemeClr>
     </dgm:fillClrLst>
@@ -886,7 +876,7 @@
 <dgm:dataModel xmlns:dgm="http://schemas.openxmlformats.org/drawingml/2006/diagram" xmlns:a="http://schemas.openxmlformats.org/drawingml/2006/main">
   <dgm:ptLst>
     <dgm:pt modelId="{62880DDC-619A-6B45-89A2-DF960F135039}" type="doc">
-      <dgm:prSet loTypeId="urn:microsoft.com/office/officeart/2005/8/layout/gear1" loCatId="" qsTypeId="urn:microsoft.com/office/officeart/2005/8/quickstyle/simple1" qsCatId="simple" csTypeId="urn:microsoft.com/office/officeart/2005/8/colors/accent1_2" csCatId="accent1" phldr="1"/>
+      <dgm:prSet loTypeId="urn:microsoft.com/office/officeart/2005/8/layout/gear1" loCatId="" qsTypeId="urn:microsoft.com/office/officeart/2005/8/quickstyle/simple2" qsCatId="simple" csTypeId="urn:microsoft.com/office/officeart/2005/8/colors/accent5_2" csCatId="accent5" phldr="1"/>
       <dgm:spPr/>
     </dgm:pt>
     <dgm:pt modelId="{DCB736C9-BF0F-B84E-8400-B91E3425CE3E}">
@@ -963,7 +953,7 @@
         </a:p>
       </dgm:t>
     </dgm:pt>
-    <dgm:pt modelId="{F6465698-40B2-F545-B394-C4124B09835C}" type="pres">
+    <dgm:pt modelId="{4176F85A-F4F8-E94F-95D8-50508B7C11CA}" type="pres">
       <dgm:prSet presAssocID="{62880DDC-619A-6B45-89A2-DF960F135039}" presName="composite" presStyleCnt="0">
         <dgm:presLayoutVars>
           <dgm:chMax val="3"/>
@@ -973,7 +963,7 @@
       </dgm:prSet>
       <dgm:spPr/>
     </dgm:pt>
-    <dgm:pt modelId="{F1850091-3844-B94D-ACCA-968F4F69EF9B}" type="pres">
+    <dgm:pt modelId="{ED593EFE-0546-D94C-B25F-CB96E6A3A25A}" type="pres">
       <dgm:prSet presAssocID="{DCB736C9-BF0F-B84E-8400-B91E3425CE3E}" presName="gear1" presStyleLbl="node1" presStyleIdx="0" presStyleCnt="2">
         <dgm:presLayoutVars>
           <dgm:chMax val="1"/>
@@ -982,15 +972,15 @@
       </dgm:prSet>
       <dgm:spPr/>
     </dgm:pt>
-    <dgm:pt modelId="{4BCA217E-EB92-C344-BAB7-F994DBF056C8}" type="pres">
+    <dgm:pt modelId="{5AC85FA5-34FF-0B43-B4FD-D0BF9EBB1277}" type="pres">
       <dgm:prSet presAssocID="{DCB736C9-BF0F-B84E-8400-B91E3425CE3E}" presName="gear1srcNode" presStyleLbl="node1" presStyleIdx="0" presStyleCnt="2"/>
       <dgm:spPr/>
     </dgm:pt>
-    <dgm:pt modelId="{D3AD94F0-D9A9-0941-B892-2284CCDA58A0}" type="pres">
+    <dgm:pt modelId="{D8967FD5-DB5A-1846-80A5-41D60E7AB15F}" type="pres">
       <dgm:prSet presAssocID="{DCB736C9-BF0F-B84E-8400-B91E3425CE3E}" presName="gear1dstNode" presStyleLbl="node1" presStyleIdx="0" presStyleCnt="2"/>
       <dgm:spPr/>
     </dgm:pt>
-    <dgm:pt modelId="{4F3A741B-9DD9-544C-92F5-2612B0881417}" type="pres">
+    <dgm:pt modelId="{2C660D3E-CC9B-6A4C-8121-5D9A760D52AE}" type="pres">
       <dgm:prSet presAssocID="{2B482814-B08C-DD4C-BE55-3A074B66FB5B}" presName="gear2" presStyleLbl="node1" presStyleIdx="1" presStyleCnt="2">
         <dgm:presLayoutVars>
           <dgm:chMax val="1"/>
@@ -999,43 +989,43 @@
       </dgm:prSet>
       <dgm:spPr/>
     </dgm:pt>
-    <dgm:pt modelId="{0976657F-5C45-B74B-996D-DACF784EAFB4}" type="pres">
+    <dgm:pt modelId="{CB190A45-99EB-514C-BD05-B3BAFD07CF8F}" type="pres">
       <dgm:prSet presAssocID="{2B482814-B08C-DD4C-BE55-3A074B66FB5B}" presName="gear2srcNode" presStyleLbl="node1" presStyleIdx="1" presStyleCnt="2"/>
       <dgm:spPr/>
     </dgm:pt>
-    <dgm:pt modelId="{14EAD39A-7983-B849-9CD3-6A93E0B8849F}" type="pres">
+    <dgm:pt modelId="{0D46C144-45F3-2B4E-8D16-E999D4303BAA}" type="pres">
       <dgm:prSet presAssocID="{2B482814-B08C-DD4C-BE55-3A074B66FB5B}" presName="gear2dstNode" presStyleLbl="node1" presStyleIdx="1" presStyleCnt="2"/>
       <dgm:spPr/>
     </dgm:pt>
-    <dgm:pt modelId="{5ED48F68-F1C6-F149-93EF-003EBCF143E2}" type="pres">
+    <dgm:pt modelId="{67C51BC9-0D8F-3645-9134-59B5B688AD29}" type="pres">
       <dgm:prSet presAssocID="{44CEE8AB-8A18-BD46-B5B5-B83C74F319FF}" presName="connector1" presStyleLbl="sibTrans2D1" presStyleIdx="0" presStyleCnt="2"/>
       <dgm:spPr/>
     </dgm:pt>
-    <dgm:pt modelId="{EEEB4340-1FF3-B34F-996E-CF79BFD6C6C8}" type="pres">
+    <dgm:pt modelId="{F9657340-A898-174A-B5A3-82E6686B8C43}" type="pres">
       <dgm:prSet presAssocID="{7738DC2E-B7FA-A248-B0E7-65CE955BB580}" presName="connector2" presStyleLbl="sibTrans2D1" presStyleIdx="1" presStyleCnt="2"/>
       <dgm:spPr/>
     </dgm:pt>
   </dgm:ptLst>
   <dgm:cxnLst>
-    <dgm:cxn modelId="{889EBD06-7702-E240-8864-56EAD73AFDFC}" type="presOf" srcId="{DCB736C9-BF0F-B84E-8400-B91E3425CE3E}" destId="{D3AD94F0-D9A9-0941-B892-2284CCDA58A0}" srcOrd="2" destOrd="0" presId="urn:microsoft.com/office/officeart/2005/8/layout/gear1"/>
-    <dgm:cxn modelId="{E1689D0D-64BB-AA49-96FD-5DA74200D78C}" type="presOf" srcId="{2B482814-B08C-DD4C-BE55-3A074B66FB5B}" destId="{0976657F-5C45-B74B-996D-DACF784EAFB4}" srcOrd="1" destOrd="0" presId="urn:microsoft.com/office/officeart/2005/8/layout/gear1"/>
     <dgm:cxn modelId="{629EE636-88FE-654A-8A99-2086AFDCFE0E}" srcId="{62880DDC-619A-6B45-89A2-DF960F135039}" destId="{2B482814-B08C-DD4C-BE55-3A074B66FB5B}" srcOrd="1" destOrd="0" parTransId="{0E2BE0A2-29CD-D344-9CFA-E8A40D839C5A}" sibTransId="{7738DC2E-B7FA-A248-B0E7-65CE955BB580}"/>
-    <dgm:cxn modelId="{B8BC3968-DE8F-F247-BEE1-F4F14F59E665}" type="presOf" srcId="{7738DC2E-B7FA-A248-B0E7-65CE955BB580}" destId="{EEEB4340-1FF3-B34F-996E-CF79BFD6C6C8}" srcOrd="0" destOrd="0" presId="urn:microsoft.com/office/officeart/2005/8/layout/gear1"/>
-    <dgm:cxn modelId="{842B7C68-D51E-F44C-BA6D-37B26F5E8567}" type="presOf" srcId="{44CEE8AB-8A18-BD46-B5B5-B83C74F319FF}" destId="{5ED48F68-F1C6-F149-93EF-003EBCF143E2}" srcOrd="0" destOrd="0" presId="urn:microsoft.com/office/officeart/2005/8/layout/gear1"/>
-    <dgm:cxn modelId="{B6EB3E94-50E0-B94D-8709-1A2199FC41D9}" type="presOf" srcId="{DCB736C9-BF0F-B84E-8400-B91E3425CE3E}" destId="{4BCA217E-EB92-C344-BAB7-F994DBF056C8}" srcOrd="1" destOrd="0" presId="urn:microsoft.com/office/officeart/2005/8/layout/gear1"/>
-    <dgm:cxn modelId="{87DCBB9D-C2EB-7A44-88CE-C68FCA0DB216}" type="presOf" srcId="{DCB736C9-BF0F-B84E-8400-B91E3425CE3E}" destId="{F1850091-3844-B94D-ACCA-968F4F69EF9B}" srcOrd="0" destOrd="0" presId="urn:microsoft.com/office/officeart/2005/8/layout/gear1"/>
-    <dgm:cxn modelId="{CC6459A3-13D7-0C47-A783-482A1980CFC3}" type="presOf" srcId="{2B482814-B08C-DD4C-BE55-3A074B66FB5B}" destId="{4F3A741B-9DD9-544C-92F5-2612B0881417}" srcOrd="0" destOrd="0" presId="urn:microsoft.com/office/officeart/2005/8/layout/gear1"/>
-    <dgm:cxn modelId="{2F0680A7-3CAB-DD47-B595-140844EAF284}" type="presOf" srcId="{62880DDC-619A-6B45-89A2-DF960F135039}" destId="{F6465698-40B2-F545-B394-C4124B09835C}" srcOrd="0" destOrd="0" presId="urn:microsoft.com/office/officeart/2005/8/layout/gear1"/>
-    <dgm:cxn modelId="{ECFA32AD-56D4-F447-AB0F-CD3B1F20EA36}" type="presOf" srcId="{2B482814-B08C-DD4C-BE55-3A074B66FB5B}" destId="{14EAD39A-7983-B849-9CD3-6A93E0B8849F}" srcOrd="2" destOrd="0" presId="urn:microsoft.com/office/officeart/2005/8/layout/gear1"/>
+    <dgm:cxn modelId="{14ACAE43-3ED1-C342-9768-FEA9D8916758}" type="presOf" srcId="{DCB736C9-BF0F-B84E-8400-B91E3425CE3E}" destId="{5AC85FA5-34FF-0B43-B4FD-D0BF9EBB1277}" srcOrd="1" destOrd="0" presId="urn:microsoft.com/office/officeart/2005/8/layout/gear1"/>
+    <dgm:cxn modelId="{51E6954A-2FA9-5A41-81DA-1EE636D62271}" type="presOf" srcId="{7738DC2E-B7FA-A248-B0E7-65CE955BB580}" destId="{F9657340-A898-174A-B5A3-82E6686B8C43}" srcOrd="0" destOrd="0" presId="urn:microsoft.com/office/officeart/2005/8/layout/gear1"/>
+    <dgm:cxn modelId="{A4D6A954-EDC0-B84C-A8DE-927BA8A71EEA}" type="presOf" srcId="{44CEE8AB-8A18-BD46-B5B5-B83C74F319FF}" destId="{67C51BC9-0D8F-3645-9134-59B5B688AD29}" srcOrd="0" destOrd="0" presId="urn:microsoft.com/office/officeart/2005/8/layout/gear1"/>
+    <dgm:cxn modelId="{9990BC5E-2743-3C4C-A12C-1162AD554595}" type="presOf" srcId="{2B482814-B08C-DD4C-BE55-3A074B66FB5B}" destId="{2C660D3E-CC9B-6A4C-8121-5D9A760D52AE}" srcOrd="0" destOrd="0" presId="urn:microsoft.com/office/officeart/2005/8/layout/gear1"/>
+    <dgm:cxn modelId="{5DC3DC6B-34CD-1643-9A1C-F982ABE7901F}" type="presOf" srcId="{DCB736C9-BF0F-B84E-8400-B91E3425CE3E}" destId="{D8967FD5-DB5A-1846-80A5-41D60E7AB15F}" srcOrd="2" destOrd="0" presId="urn:microsoft.com/office/officeart/2005/8/layout/gear1"/>
+    <dgm:cxn modelId="{F017207D-A7D9-7E44-B31D-E68FE70D6124}" type="presOf" srcId="{2B482814-B08C-DD4C-BE55-3A074B66FB5B}" destId="{CB190A45-99EB-514C-BD05-B3BAFD07CF8F}" srcOrd="1" destOrd="0" presId="urn:microsoft.com/office/officeart/2005/8/layout/gear1"/>
+    <dgm:cxn modelId="{C0F3C08D-A73A-7040-AD56-790C42C3EB0F}" type="presOf" srcId="{62880DDC-619A-6B45-89A2-DF960F135039}" destId="{4176F85A-F4F8-E94F-95D8-50508B7C11CA}" srcOrd="0" destOrd="0" presId="urn:microsoft.com/office/officeart/2005/8/layout/gear1"/>
+    <dgm:cxn modelId="{7B9918B7-CB29-3C45-85F7-3D092CA14B81}" type="presOf" srcId="{2B482814-B08C-DD4C-BE55-3A074B66FB5B}" destId="{0D46C144-45F3-2B4E-8D16-E999D4303BAA}" srcOrd="2" destOrd="0" presId="urn:microsoft.com/office/officeart/2005/8/layout/gear1"/>
     <dgm:cxn modelId="{102FF3C5-FDF7-1941-8372-EA164694C55A}" srcId="{62880DDC-619A-6B45-89A2-DF960F135039}" destId="{DCB736C9-BF0F-B84E-8400-B91E3425CE3E}" srcOrd="0" destOrd="0" parTransId="{3AB9EE8C-58A1-E749-9CDC-3F1BF6A42D57}" sibTransId="{44CEE8AB-8A18-BD46-B5B5-B83C74F319FF}"/>
-    <dgm:cxn modelId="{22006A84-D2BF-E944-B5EF-9A992D06D165}" type="presParOf" srcId="{F6465698-40B2-F545-B394-C4124B09835C}" destId="{F1850091-3844-B94D-ACCA-968F4F69EF9B}" srcOrd="0" destOrd="0" presId="urn:microsoft.com/office/officeart/2005/8/layout/gear1"/>
-    <dgm:cxn modelId="{44598FE6-5213-0C4C-9846-EE46432EED04}" type="presParOf" srcId="{F6465698-40B2-F545-B394-C4124B09835C}" destId="{4BCA217E-EB92-C344-BAB7-F994DBF056C8}" srcOrd="1" destOrd="0" presId="urn:microsoft.com/office/officeart/2005/8/layout/gear1"/>
-    <dgm:cxn modelId="{369D8C12-75A2-AA49-B7F9-CFEC8EC5F094}" type="presParOf" srcId="{F6465698-40B2-F545-B394-C4124B09835C}" destId="{D3AD94F0-D9A9-0941-B892-2284CCDA58A0}" srcOrd="2" destOrd="0" presId="urn:microsoft.com/office/officeart/2005/8/layout/gear1"/>
-    <dgm:cxn modelId="{B06C2B1D-2B76-0041-9C83-A7053304BB06}" type="presParOf" srcId="{F6465698-40B2-F545-B394-C4124B09835C}" destId="{4F3A741B-9DD9-544C-92F5-2612B0881417}" srcOrd="3" destOrd="0" presId="urn:microsoft.com/office/officeart/2005/8/layout/gear1"/>
-    <dgm:cxn modelId="{040CCF7E-3A8B-864D-B704-1A90635FB7F8}" type="presParOf" srcId="{F6465698-40B2-F545-B394-C4124B09835C}" destId="{0976657F-5C45-B74B-996D-DACF784EAFB4}" srcOrd="4" destOrd="0" presId="urn:microsoft.com/office/officeart/2005/8/layout/gear1"/>
-    <dgm:cxn modelId="{1425403A-7BAB-D44E-947A-07EDB8FC15AF}" type="presParOf" srcId="{F6465698-40B2-F545-B394-C4124B09835C}" destId="{14EAD39A-7983-B849-9CD3-6A93E0B8849F}" srcOrd="5" destOrd="0" presId="urn:microsoft.com/office/officeart/2005/8/layout/gear1"/>
-    <dgm:cxn modelId="{10588A49-E53E-4742-84AF-BB03FCBA8F5A}" type="presParOf" srcId="{F6465698-40B2-F545-B394-C4124B09835C}" destId="{5ED48F68-F1C6-F149-93EF-003EBCF143E2}" srcOrd="6" destOrd="0" presId="urn:microsoft.com/office/officeart/2005/8/layout/gear1"/>
-    <dgm:cxn modelId="{0072B87A-6DF7-894E-B43E-FC695E43C0BD}" type="presParOf" srcId="{F6465698-40B2-F545-B394-C4124B09835C}" destId="{EEEB4340-1FF3-B34F-996E-CF79BFD6C6C8}" srcOrd="7" destOrd="0" presId="urn:microsoft.com/office/officeart/2005/8/layout/gear1"/>
+    <dgm:cxn modelId="{6298C9C6-E59E-7E4D-A7A5-C9B49EF2F3AB}" type="presOf" srcId="{DCB736C9-BF0F-B84E-8400-B91E3425CE3E}" destId="{ED593EFE-0546-D94C-B25F-CB96E6A3A25A}" srcOrd="0" destOrd="0" presId="urn:microsoft.com/office/officeart/2005/8/layout/gear1"/>
+    <dgm:cxn modelId="{4C9F26BF-000B-1C40-91A9-42474542BC6B}" type="presParOf" srcId="{4176F85A-F4F8-E94F-95D8-50508B7C11CA}" destId="{ED593EFE-0546-D94C-B25F-CB96E6A3A25A}" srcOrd="0" destOrd="0" presId="urn:microsoft.com/office/officeart/2005/8/layout/gear1"/>
+    <dgm:cxn modelId="{C8425665-E0EB-7640-BEDB-2EA71CFA3D4D}" type="presParOf" srcId="{4176F85A-F4F8-E94F-95D8-50508B7C11CA}" destId="{5AC85FA5-34FF-0B43-B4FD-D0BF9EBB1277}" srcOrd="1" destOrd="0" presId="urn:microsoft.com/office/officeart/2005/8/layout/gear1"/>
+    <dgm:cxn modelId="{F130A238-30FA-4D49-B95A-F463857BD972}" type="presParOf" srcId="{4176F85A-F4F8-E94F-95D8-50508B7C11CA}" destId="{D8967FD5-DB5A-1846-80A5-41D60E7AB15F}" srcOrd="2" destOrd="0" presId="urn:microsoft.com/office/officeart/2005/8/layout/gear1"/>
+    <dgm:cxn modelId="{7E7F8D51-342D-DB4E-8724-29B23DDA6A43}" type="presParOf" srcId="{4176F85A-F4F8-E94F-95D8-50508B7C11CA}" destId="{2C660D3E-CC9B-6A4C-8121-5D9A760D52AE}" srcOrd="3" destOrd="0" presId="urn:microsoft.com/office/officeart/2005/8/layout/gear1"/>
+    <dgm:cxn modelId="{D1B2EAD0-4126-FB4B-B8AD-2794B925F561}" type="presParOf" srcId="{4176F85A-F4F8-E94F-95D8-50508B7C11CA}" destId="{CB190A45-99EB-514C-BD05-B3BAFD07CF8F}" srcOrd="4" destOrd="0" presId="urn:microsoft.com/office/officeart/2005/8/layout/gear1"/>
+    <dgm:cxn modelId="{71954179-3E62-EF49-83F8-41EC7DE2420B}" type="presParOf" srcId="{4176F85A-F4F8-E94F-95D8-50508B7C11CA}" destId="{0D46C144-45F3-2B4E-8D16-E999D4303BAA}" srcOrd="5" destOrd="0" presId="urn:microsoft.com/office/officeart/2005/8/layout/gear1"/>
+    <dgm:cxn modelId="{F98FDA25-A260-2249-9578-04DC3037F0A4}" type="presParOf" srcId="{4176F85A-F4F8-E94F-95D8-50508B7C11CA}" destId="{67C51BC9-0D8F-3645-9134-59B5B688AD29}" srcOrd="6" destOrd="0" presId="urn:microsoft.com/office/officeart/2005/8/layout/gear1"/>
+    <dgm:cxn modelId="{15B2701F-1FB7-3A4F-A6D0-43792515B402}" type="presParOf" srcId="{4176F85A-F4F8-E94F-95D8-50508B7C11CA}" destId="{F9657340-A898-174A-B5A3-82E6686B8C43}" srcOrd="7" destOrd="0" presId="urn:microsoft.com/office/officeart/2005/8/layout/gear1"/>
   </dgm:cxnLst>
   <dgm:bg/>
   <dgm:whole/>
@@ -1055,7 +1045,7 @@
       <dsp:cNvGrpSpPr/>
     </dsp:nvGrpSpPr>
     <dsp:grpSpPr/>
-    <dsp:sp modelId="{F1850091-3844-B94D-ACCA-968F4F69EF9B}">
+    <dsp:sp modelId="{ED593EFE-0546-D94C-B25F-CB96E6A3A25A}">
       <dsp:nvSpPr>
         <dsp:cNvPr id="0" name=""/>
         <dsp:cNvSpPr/>
@@ -1069,14 +1059,14 @@
           <a:avLst/>
         </a:prstGeom>
         <a:solidFill>
-          <a:schemeClr val="accent1">
+          <a:schemeClr val="accent5">
             <a:hueOff val="0"/>
             <a:satOff val="0"/>
             <a:lumOff val="0"/>
             <a:alphaOff val="0"/>
           </a:schemeClr>
         </a:solidFill>
-        <a:ln w="12700" cap="flat" cmpd="sng" algn="ctr">
+        <a:ln w="19050" cap="flat" cmpd="sng" algn="ctr">
           <a:solidFill>
             <a:schemeClr val="lt1">
               <a:hueOff val="0"/>
@@ -1091,13 +1081,13 @@
         <a:effectLst/>
       </dsp:spPr>
       <dsp:style>
-        <a:lnRef idx="2">
+        <a:lnRef idx="3">
           <a:scrgbClr r="0" g="0" b="0"/>
         </a:lnRef>
         <a:fillRef idx="1">
           <a:scrgbClr r="0" g="0" b="0"/>
         </a:fillRef>
-        <a:effectRef idx="0">
+        <a:effectRef idx="1">
           <a:scrgbClr r="0" g="0" b="0"/>
         </a:effectRef>
         <a:fontRef idx="minor">
@@ -1134,7 +1124,7 @@
         <a:ext cx="601756" cy="517327"/>
       </dsp:txXfrm>
     </dsp:sp>
-    <dsp:sp modelId="{4F3A741B-9DD9-544C-92F5-2612B0881417}">
+    <dsp:sp modelId="{2C660D3E-CC9B-6A4C-8121-5D9A760D52AE}">
       <dsp:nvSpPr>
         <dsp:cNvPr id="0" name=""/>
         <dsp:cNvSpPr/>
@@ -1148,14 +1138,14 @@
           <a:avLst/>
         </a:prstGeom>
         <a:solidFill>
-          <a:schemeClr val="accent1">
+          <a:schemeClr val="accent5">
             <a:hueOff val="0"/>
             <a:satOff val="0"/>
             <a:lumOff val="0"/>
             <a:alphaOff val="0"/>
           </a:schemeClr>
         </a:solidFill>
-        <a:ln w="12700" cap="flat" cmpd="sng" algn="ctr">
+        <a:ln w="19050" cap="flat" cmpd="sng" algn="ctr">
           <a:solidFill>
             <a:schemeClr val="lt1">
               <a:hueOff val="0"/>
@@ -1170,13 +1160,13 @@
         <a:effectLst/>
       </dsp:spPr>
       <dsp:style>
-        <a:lnRef idx="2">
+        <a:lnRef idx="3">
           <a:scrgbClr r="0" g="0" b="0"/>
         </a:lnRef>
         <a:fillRef idx="1">
           <a:scrgbClr r="0" g="0" b="0"/>
         </a:fillRef>
-        <a:effectRef idx="0">
+        <a:effectRef idx="1">
           <a:scrgbClr r="0" g="0" b="0"/>
         </a:effectRef>
         <a:fontRef idx="minor">
@@ -1213,7 +1203,7 @@
         <a:ext cx="363409" cy="361181"/>
       </dsp:txXfrm>
     </dsp:sp>
-    <dsp:sp modelId="{5ED48F68-F1C6-F149-93EF-003EBCF143E2}">
+    <dsp:sp modelId="{67C51BC9-0D8F-3645-9134-59B5B688AD29}">
       <dsp:nvSpPr>
         <dsp:cNvPr id="0" name=""/>
         <dsp:cNvSpPr/>
@@ -1233,7 +1223,7 @@
           </a:avLst>
         </a:prstGeom>
         <a:solidFill>
-          <a:schemeClr val="accent1">
+          <a:schemeClr val="accent5">
             <a:tint val="60000"/>
             <a:hueOff val="0"/>
             <a:satOff val="0"/>
@@ -1253,7 +1243,7 @@
         <a:fillRef idx="1">
           <a:scrgbClr r="0" g="0" b="0"/>
         </a:fillRef>
-        <a:effectRef idx="0">
+        <a:effectRef idx="1">
           <a:scrgbClr r="0" g="0" b="0"/>
         </a:effectRef>
         <a:fontRef idx="minor">
@@ -1261,7 +1251,7 @@
         </a:fontRef>
       </dsp:style>
     </dsp:sp>
-    <dsp:sp modelId="{EEEB4340-1FF3-B34F-996E-CF79BFD6C6C8}">
+    <dsp:sp modelId="{F9657340-A898-174A-B5A3-82E6686B8C43}">
       <dsp:nvSpPr>
         <dsp:cNvPr id="0" name=""/>
         <dsp:cNvSpPr/>
@@ -1281,7 +1271,7 @@
           </a:avLst>
         </a:prstGeom>
         <a:solidFill>
-          <a:schemeClr val="accent1">
+          <a:schemeClr val="accent5">
             <a:tint val="60000"/>
             <a:hueOff val="0"/>
             <a:satOff val="0"/>
@@ -1301,7 +1291,7 @@
         <a:fillRef idx="1">
           <a:scrgbClr r="0" g="0" b="0"/>
         </a:fillRef>
-        <a:effectRef idx="0">
+        <a:effectRef idx="1">
           <a:scrgbClr r="0" g="0" b="0"/>
         </a:effectRef>
         <a:fontRef idx="minor">
@@ -1787,11 +1777,11 @@
 </file>
 
 <file path=ppt/diagrams/quickStyle1.xml><?xml version="1.0" encoding="utf-8"?>
-<dgm:styleDef xmlns:dgm="http://schemas.openxmlformats.org/drawingml/2006/diagram" xmlns:a="http://schemas.openxmlformats.org/drawingml/2006/main" uniqueId="urn:microsoft.com/office/officeart/2005/8/quickstyle/simple1">
+<dgm:styleDef xmlns:dgm="http://schemas.openxmlformats.org/drawingml/2006/diagram" xmlns:a="http://schemas.openxmlformats.org/drawingml/2006/main" uniqueId="urn:microsoft.com/office/officeart/2005/8/quickstyle/simple2">
   <dgm:title val=""/>
   <dgm:desc val=""/>
   <dgm:catLst>
-    <dgm:cat type="simple" pri="10100"/>
+    <dgm:cat type="simple" pri="10200"/>
   </dgm:catLst>
   <dgm:scene3d>
     <a:camera prst="orthographicFront"/>
@@ -1805,13 +1795,13 @@
     <dgm:sp3d/>
     <dgm:txPr/>
     <dgm:style>
-      <a:lnRef idx="2">
+      <a:lnRef idx="3">
         <a:scrgbClr r="0" g="0" b="0"/>
       </a:lnRef>
       <a:fillRef idx="1">
         <a:scrgbClr r="0" g="0" b="0"/>
       </a:fillRef>
-      <a:effectRef idx="0">
+      <a:effectRef idx="1">
         <a:scrgbClr r="0" g="0" b="0"/>
       </a:effectRef>
       <a:fontRef idx="minor">
@@ -1827,13 +1817,13 @@
     <dgm:sp3d/>
     <dgm:txPr/>
     <dgm:style>
-      <a:lnRef idx="2">
+      <a:lnRef idx="3">
         <a:scrgbClr r="0" g="0" b="0"/>
       </a:lnRef>
       <a:fillRef idx="1">
         <a:scrgbClr r="0" g="0" b="0"/>
       </a:fillRef>
-      <a:effectRef idx="0">
+      <a:effectRef idx="1">
         <a:scrgbClr r="0" g="0" b="0"/>
       </a:effectRef>
       <a:fontRef idx="minor">
@@ -1849,7 +1839,7 @@
     <dgm:sp3d/>
     <dgm:txPr/>
     <dgm:style>
-      <a:lnRef idx="2">
+      <a:lnRef idx="3">
         <a:scrgbClr r="0" g="0" b="0"/>
       </a:lnRef>
       <a:fillRef idx="1">
@@ -1877,7 +1867,7 @@
       <a:fillRef idx="1">
         <a:scrgbClr r="0" g="0" b="0"/>
       </a:fillRef>
-      <a:effectRef idx="0">
+      <a:effectRef idx="1">
         <a:scrgbClr r="0" g="0" b="0"/>
       </a:effectRef>
       <a:fontRef idx="minor">
@@ -1893,13 +1883,13 @@
     <dgm:sp3d/>
     <dgm:txPr/>
     <dgm:style>
-      <a:lnRef idx="2">
+      <a:lnRef idx="3">
         <a:scrgbClr r="0" g="0" b="0"/>
       </a:lnRef>
       <a:fillRef idx="1">
         <a:scrgbClr r="0" g="0" b="0"/>
       </a:fillRef>
-      <a:effectRef idx="0">
+      <a:effectRef idx="1">
         <a:scrgbClr r="0" g="0" b="0"/>
       </a:effectRef>
       <a:fontRef idx="minor">
@@ -1915,13 +1905,13 @@
     <dgm:sp3d/>
     <dgm:txPr/>
     <dgm:style>
-      <a:lnRef idx="2">
+      <a:lnRef idx="3">
         <a:scrgbClr r="0" g="0" b="0"/>
       </a:lnRef>
       <a:fillRef idx="1">
         <a:scrgbClr r="0" g="0" b="0"/>
       </a:fillRef>
-      <a:effectRef idx="0">
+      <a:effectRef idx="1">
         <a:scrgbClr r="0" g="0" b="0"/>
       </a:effectRef>
       <a:fontRef idx="minor">
@@ -1937,13 +1927,13 @@
     <dgm:sp3d/>
     <dgm:txPr/>
     <dgm:style>
-      <a:lnRef idx="2">
+      <a:lnRef idx="3">
         <a:scrgbClr r="0" g="0" b="0"/>
       </a:lnRef>
       <a:fillRef idx="1">
         <a:scrgbClr r="0" g="0" b="0"/>
       </a:fillRef>
-      <a:effectRef idx="0">
+      <a:effectRef idx="1">
         <a:scrgbClr r="0" g="0" b="0"/>
       </a:effectRef>
       <a:fontRef idx="minor">
@@ -1959,13 +1949,13 @@
     <dgm:sp3d/>
     <dgm:txPr/>
     <dgm:style>
-      <a:lnRef idx="2">
+      <a:lnRef idx="3">
         <a:scrgbClr r="0" g="0" b="0"/>
       </a:lnRef>
       <a:fillRef idx="1">
         <a:scrgbClr r="0" g="0" b="0"/>
       </a:fillRef>
-      <a:effectRef idx="0">
+      <a:effectRef idx="1">
         <a:scrgbClr r="0" g="0" b="0"/>
       </a:effectRef>
       <a:fontRef idx="minor">
@@ -1981,13 +1971,13 @@
     <dgm:sp3d/>
     <dgm:txPr/>
     <dgm:style>
-      <a:lnRef idx="2">
+      <a:lnRef idx="3">
         <a:scrgbClr r="0" g="0" b="0"/>
       </a:lnRef>
       <a:fillRef idx="1">
         <a:scrgbClr r="0" g="0" b="0"/>
       </a:fillRef>
-      <a:effectRef idx="0">
+      <a:effectRef idx="1">
         <a:scrgbClr r="0" g="0" b="0"/>
       </a:effectRef>
       <a:fontRef idx="minor"/>
@@ -2001,13 +1991,13 @@
     <dgm:sp3d/>
     <dgm:txPr/>
     <dgm:style>
-      <a:lnRef idx="2">
+      <a:lnRef idx="3">
         <a:scrgbClr r="0" g="0" b="0"/>
       </a:lnRef>
       <a:fillRef idx="1">
         <a:scrgbClr r="0" g="0" b="0"/>
       </a:fillRef>
-      <a:effectRef idx="0">
+      <a:effectRef idx="1">
         <a:scrgbClr r="0" g="0" b="0"/>
       </a:effectRef>
       <a:fontRef idx="minor"/>
@@ -2021,13 +2011,13 @@
     <dgm:sp3d/>
     <dgm:txPr/>
     <dgm:style>
-      <a:lnRef idx="2">
+      <a:lnRef idx="3">
         <a:scrgbClr r="0" g="0" b="0"/>
       </a:lnRef>
       <a:fillRef idx="1">
         <a:scrgbClr r="0" g="0" b="0"/>
       </a:fillRef>
-      <a:effectRef idx="0">
+      <a:effectRef idx="1">
         <a:scrgbClr r="0" g="0" b="0"/>
       </a:effectRef>
       <a:fontRef idx="minor"/>
@@ -2047,7 +2037,7 @@
       <a:fillRef idx="1">
         <a:scrgbClr r="0" g="0" b="0"/>
       </a:fillRef>
-      <a:effectRef idx="0">
+      <a:effectRef idx="1">
         <a:scrgbClr r="0" g="0" b="0"/>
       </a:effectRef>
       <a:fontRef idx="minor">
@@ -2069,7 +2059,7 @@
       <a:fillRef idx="1">
         <a:scrgbClr r="0" g="0" b="0"/>
       </a:fillRef>
-      <a:effectRef idx="0">
+      <a:effectRef idx="1">
         <a:scrgbClr r="0" g="0" b="0"/>
       </a:effectRef>
       <a:fontRef idx="minor">
@@ -2091,7 +2081,7 @@
       <a:fillRef idx="1">
         <a:scrgbClr r="0" g="0" b="0"/>
       </a:fillRef>
-      <a:effectRef idx="0">
+      <a:effectRef idx="1">
         <a:scrgbClr r="0" g="0" b="0"/>
       </a:effectRef>
       <a:fontRef idx="minor">
@@ -2133,7 +2123,7 @@
       <a:fillRef idx="1">
         <a:scrgbClr r="0" g="0" b="0"/>
       </a:fillRef>
-      <a:effectRef idx="0">
+      <a:effectRef idx="1">
         <a:scrgbClr r="0" g="0" b="0"/>
       </a:effectRef>
       <a:fontRef idx="minor"/>
@@ -2147,13 +2137,13 @@
     <dgm:sp3d/>
     <dgm:txPr/>
     <dgm:style>
-      <a:lnRef idx="2">
+      <a:lnRef idx="3">
         <a:scrgbClr r="0" g="0" b="0"/>
       </a:lnRef>
       <a:fillRef idx="1">
         <a:scrgbClr r="0" g="0" b="0"/>
       </a:fillRef>
-      <a:effectRef idx="0">
+      <a:effectRef idx="1">
         <a:scrgbClr r="0" g="0" b="0"/>
       </a:effectRef>
       <a:fontRef idx="minor">
@@ -2169,13 +2159,13 @@
     <dgm:sp3d/>
     <dgm:txPr/>
     <dgm:style>
-      <a:lnRef idx="2">
+      <a:lnRef idx="3">
         <a:scrgbClr r="0" g="0" b="0"/>
       </a:lnRef>
       <a:fillRef idx="1">
         <a:scrgbClr r="0" g="0" b="0"/>
       </a:fillRef>
-      <a:effectRef idx="0">
+      <a:effectRef idx="1">
         <a:scrgbClr r="0" g="0" b="0"/>
       </a:effectRef>
       <a:fontRef idx="minor">
@@ -2191,13 +2181,13 @@
     <dgm:sp3d/>
     <dgm:txPr/>
     <dgm:style>
-      <a:lnRef idx="2">
+      <a:lnRef idx="3">
         <a:scrgbClr r="0" g="0" b="0"/>
       </a:lnRef>
       <a:fillRef idx="1">
         <a:scrgbClr r="0" g="0" b="0"/>
       </a:fillRef>
-      <a:effectRef idx="0">
+      <a:effectRef idx="1">
         <a:scrgbClr r="0" g="0" b="0"/>
       </a:effectRef>
       <a:fontRef idx="minor">
@@ -2213,13 +2203,13 @@
     <dgm:sp3d/>
     <dgm:txPr/>
     <dgm:style>
-      <a:lnRef idx="2">
+      <a:lnRef idx="3">
         <a:scrgbClr r="0" g="0" b="0"/>
       </a:lnRef>
       <a:fillRef idx="1">
         <a:scrgbClr r="0" g="0" b="0"/>
       </a:fillRef>
-      <a:effectRef idx="0">
+      <a:effectRef idx="1">
         <a:scrgbClr r="0" g="0" b="0"/>
       </a:effectRef>
       <a:fontRef idx="minor">
@@ -2235,13 +2225,13 @@
     <dgm:sp3d/>
     <dgm:txPr/>
     <dgm:style>
-      <a:lnRef idx="2">
+      <a:lnRef idx="3">
         <a:scrgbClr r="0" g="0" b="0"/>
       </a:lnRef>
       <a:fillRef idx="1">
         <a:scrgbClr r="0" g="0" b="0"/>
       </a:fillRef>
-      <a:effectRef idx="0">
+      <a:effectRef idx="1">
         <a:scrgbClr r="0" g="0" b="0"/>
       </a:effectRef>
       <a:fontRef idx="minor">
@@ -2257,13 +2247,13 @@
     <dgm:sp3d/>
     <dgm:txPr/>
     <dgm:style>
-      <a:lnRef idx="2">
+      <a:lnRef idx="3">
         <a:scrgbClr r="0" g="0" b="0"/>
       </a:lnRef>
       <a:fillRef idx="1">
         <a:scrgbClr r="0" g="0" b="0"/>
       </a:fillRef>
-      <a:effectRef idx="0">
+      <a:effectRef idx="1">
         <a:scrgbClr r="0" g="0" b="0"/>
       </a:effectRef>
       <a:fontRef idx="minor">
@@ -2279,13 +2269,13 @@
     <dgm:sp3d/>
     <dgm:txPr/>
     <dgm:style>
-      <a:lnRef idx="2">
+      <a:lnRef idx="3">
         <a:scrgbClr r="0" g="0" b="0"/>
       </a:lnRef>
       <a:fillRef idx="1">
         <a:scrgbClr r="0" g="0" b="0"/>
       </a:fillRef>
-      <a:effectRef idx="0">
+      <a:effectRef idx="1">
         <a:scrgbClr r="0" g="0" b="0"/>
       </a:effectRef>
       <a:fontRef idx="minor">
@@ -2301,13 +2291,13 @@
     <dgm:sp3d/>
     <dgm:txPr/>
     <dgm:style>
-      <a:lnRef idx="2">
+      <a:lnRef idx="3">
         <a:scrgbClr r="0" g="0" b="0"/>
       </a:lnRef>
       <a:fillRef idx="1">
         <a:scrgbClr r="0" g="0" b="0"/>
       </a:fillRef>
-      <a:effectRef idx="0">
+      <a:effectRef idx="1">
         <a:scrgbClr r="0" g="0" b="0"/>
       </a:effectRef>
       <a:fontRef idx="minor">
@@ -2323,13 +2313,13 @@
     <dgm:sp3d/>
     <dgm:txPr/>
     <dgm:style>
-      <a:lnRef idx="2">
+      <a:lnRef idx="3">
         <a:scrgbClr r="0" g="0" b="0"/>
       </a:lnRef>
       <a:fillRef idx="1">
         <a:scrgbClr r="0" g="0" b="0"/>
       </a:fillRef>
-      <a:effectRef idx="0">
+      <a:effectRef idx="1">
         <a:scrgbClr r="0" g="0" b="0"/>
       </a:effectRef>
       <a:fontRef idx="minor">
@@ -2785,13 +2775,13 @@
     <dgm:sp3d/>
     <dgm:txPr/>
     <dgm:style>
-      <a:lnRef idx="2">
+      <a:lnRef idx="3">
         <a:scrgbClr r="0" g="0" b="0"/>
       </a:lnRef>
       <a:fillRef idx="1">
         <a:scrgbClr r="0" g="0" b="0"/>
       </a:fillRef>
-      <a:effectRef idx="0">
+      <a:effectRef idx="1">
         <a:scrgbClr r="0" g="0" b="0"/>
       </a:effectRef>
       <a:fontRef idx="minor"/>
@@ -2967,7 +2957,7 @@
           <a:p>
             <a:fld id="{91AB42B7-A84D-3949-AF21-6FA57600F017}" type="datetimeFigureOut">
               <a:rPr lang="en-US" smtClean="0"/>
-              <a:t>9/12/21</a:t>
+              <a:t>9/13/21</a:t>
             </a:fld>
             <a:endParaRPr lang="en-US"/>
           </a:p>
@@ -3165,7 +3155,7 @@
           <a:p>
             <a:fld id="{91AB42B7-A84D-3949-AF21-6FA57600F017}" type="datetimeFigureOut">
               <a:rPr lang="en-US" smtClean="0"/>
-              <a:t>9/12/21</a:t>
+              <a:t>9/13/21</a:t>
             </a:fld>
             <a:endParaRPr lang="en-US"/>
           </a:p>
@@ -3373,7 +3363,7 @@
           <a:p>
             <a:fld id="{91AB42B7-A84D-3949-AF21-6FA57600F017}" type="datetimeFigureOut">
               <a:rPr lang="en-US" smtClean="0"/>
-              <a:t>9/12/21</a:t>
+              <a:t>9/13/21</a:t>
             </a:fld>
             <a:endParaRPr lang="en-US"/>
           </a:p>
@@ -3571,7 +3561,7 @@
           <a:p>
             <a:fld id="{91AB42B7-A84D-3949-AF21-6FA57600F017}" type="datetimeFigureOut">
               <a:rPr lang="en-US" smtClean="0"/>
-              <a:t>9/12/21</a:t>
+              <a:t>9/13/21</a:t>
             </a:fld>
             <a:endParaRPr lang="en-US"/>
           </a:p>
@@ -3846,7 +3836,7 @@
           <a:p>
             <a:fld id="{91AB42B7-A84D-3949-AF21-6FA57600F017}" type="datetimeFigureOut">
               <a:rPr lang="en-US" smtClean="0"/>
-              <a:t>9/12/21</a:t>
+              <a:t>9/13/21</a:t>
             </a:fld>
             <a:endParaRPr lang="en-US"/>
           </a:p>
@@ -4111,7 +4101,7 @@
           <a:p>
             <a:fld id="{91AB42B7-A84D-3949-AF21-6FA57600F017}" type="datetimeFigureOut">
               <a:rPr lang="en-US" smtClean="0"/>
-              <a:t>9/12/21</a:t>
+              <a:t>9/13/21</a:t>
             </a:fld>
             <a:endParaRPr lang="en-US"/>
           </a:p>
@@ -4523,7 +4513,7 @@
           <a:p>
             <a:fld id="{91AB42B7-A84D-3949-AF21-6FA57600F017}" type="datetimeFigureOut">
               <a:rPr lang="en-US" smtClean="0"/>
-              <a:t>9/12/21</a:t>
+              <a:t>9/13/21</a:t>
             </a:fld>
             <a:endParaRPr lang="en-US"/>
           </a:p>
@@ -4664,7 +4654,7 @@
           <a:p>
             <a:fld id="{91AB42B7-A84D-3949-AF21-6FA57600F017}" type="datetimeFigureOut">
               <a:rPr lang="en-US" smtClean="0"/>
-              <a:t>9/12/21</a:t>
+              <a:t>9/13/21</a:t>
             </a:fld>
             <a:endParaRPr lang="en-US"/>
           </a:p>
@@ -4777,7 +4767,7 @@
           <a:p>
             <a:fld id="{91AB42B7-A84D-3949-AF21-6FA57600F017}" type="datetimeFigureOut">
               <a:rPr lang="en-US" smtClean="0"/>
-              <a:t>9/12/21</a:t>
+              <a:t>9/13/21</a:t>
             </a:fld>
             <a:endParaRPr lang="en-US"/>
           </a:p>
@@ -5088,7 +5078,7 @@
           <a:p>
             <a:fld id="{91AB42B7-A84D-3949-AF21-6FA57600F017}" type="datetimeFigureOut">
               <a:rPr lang="en-US" smtClean="0"/>
-              <a:t>9/12/21</a:t>
+              <a:t>9/13/21</a:t>
             </a:fld>
             <a:endParaRPr lang="en-US"/>
           </a:p>
@@ -5376,7 +5366,7 @@
           <a:p>
             <a:fld id="{91AB42B7-A84D-3949-AF21-6FA57600F017}" type="datetimeFigureOut">
               <a:rPr lang="en-US" smtClean="0"/>
-              <a:t>9/12/21</a:t>
+              <a:t>9/13/21</a:t>
             </a:fld>
             <a:endParaRPr lang="en-US"/>
           </a:p>
@@ -5617,7 +5607,7 @@
           <a:p>
             <a:fld id="{91AB42B7-A84D-3949-AF21-6FA57600F017}" type="datetimeFigureOut">
               <a:rPr lang="en-US" smtClean="0"/>
-              <a:t>9/12/21</a:t>
+              <a:t>9/13/21</a:t>
             </a:fld>
             <a:endParaRPr lang="en-US"/>
           </a:p>
@@ -6132,10 +6122,10 @@
       </p:grpSpPr>
       <p:sp>
         <p:nvSpPr>
-          <p:cNvPr id="6" name="Double Bracket 5">
-            <a:extLst>
-              <a:ext uri="{FF2B5EF4-FFF2-40B4-BE49-F238E27FC236}">
-                <a16:creationId xmlns:a16="http://schemas.microsoft.com/office/drawing/2014/main" id="{13B17934-48F8-6347-9425-A57705C88F57}"/>
+          <p:cNvPr id="25" name="Double Bracket 24">
+            <a:extLst>
+              <a:ext uri="{FF2B5EF4-FFF2-40B4-BE49-F238E27FC236}">
+                <a16:creationId xmlns:a16="http://schemas.microsoft.com/office/drawing/2014/main" id="{966400AD-6EEC-994D-97CF-7BFE3367F9F8}"/>
               </a:ext>
             </a:extLst>
           </p:cNvPr>
@@ -6144,8 +6134,8 @@
         </p:nvSpPr>
         <p:spPr>
           <a:xfrm>
-            <a:off x="2497197" y="2144364"/>
-            <a:ext cx="684827" cy="346552"/>
+            <a:off x="4939861" y="5352481"/>
+            <a:ext cx="1136487" cy="339206"/>
           </a:xfrm>
           <a:prstGeom prst="bracketPair">
             <a:avLst/>
@@ -6177,65 +6167,20 @@
       </p:sp>
       <p:sp>
         <p:nvSpPr>
-          <p:cNvPr id="25" name="Double Bracket 24">
-            <a:extLst>
-              <a:ext uri="{FF2B5EF4-FFF2-40B4-BE49-F238E27FC236}">
-                <a16:creationId xmlns:a16="http://schemas.microsoft.com/office/drawing/2014/main" id="{966400AD-6EEC-994D-97CF-7BFE3367F9F8}"/>
-              </a:ext>
-            </a:extLst>
-          </p:cNvPr>
-          <p:cNvSpPr/>
+          <p:cNvPr id="27" name="TextBox 26">
+            <a:extLst>
+              <a:ext uri="{FF2B5EF4-FFF2-40B4-BE49-F238E27FC236}">
+                <a16:creationId xmlns:a16="http://schemas.microsoft.com/office/drawing/2014/main" id="{5FF16E35-7DA6-674F-9A1E-013B96912B76}"/>
+              </a:ext>
+            </a:extLst>
+          </p:cNvPr>
+          <p:cNvSpPr txBox="1"/>
           <p:nvPr/>
         </p:nvSpPr>
         <p:spPr>
           <a:xfrm>
-            <a:off x="4616613" y="5339781"/>
-            <a:ext cx="1249672" cy="339206"/>
-          </a:xfrm>
-          <a:prstGeom prst="bracketPair">
-            <a:avLst/>
-          </a:prstGeom>
-          <a:ln w="19050"/>
-        </p:spPr>
-        <p:style>
-          <a:lnRef idx="1">
-            <a:schemeClr val="accent1"/>
-          </a:lnRef>
-          <a:fillRef idx="0">
-            <a:schemeClr val="accent1"/>
-          </a:fillRef>
-          <a:effectRef idx="0">
-            <a:schemeClr val="accent1"/>
-          </a:effectRef>
-          <a:fontRef idx="minor">
-            <a:schemeClr val="tx1"/>
-          </a:fontRef>
-        </p:style>
-        <p:txBody>
-          <a:bodyPr rtlCol="0" anchor="ctr"/>
-          <a:lstStyle/>
-          <a:p>
-            <a:pPr algn="ctr"/>
-            <a:endParaRPr lang="en-US"/>
-          </a:p>
-        </p:txBody>
-      </p:sp>
-      <p:sp>
-        <p:nvSpPr>
-          <p:cNvPr id="27" name="TextBox 26">
-            <a:extLst>
-              <a:ext uri="{FF2B5EF4-FFF2-40B4-BE49-F238E27FC236}">
-                <a16:creationId xmlns:a16="http://schemas.microsoft.com/office/drawing/2014/main" id="{5FF16E35-7DA6-674F-9A1E-013B96912B76}"/>
-              </a:ext>
-            </a:extLst>
-          </p:cNvPr>
-          <p:cNvSpPr txBox="1"/>
-          <p:nvPr/>
-        </p:nvSpPr>
-        <p:spPr>
-          <a:xfrm>
-            <a:off x="4688049" y="5401988"/>
-            <a:ext cx="1654076" cy="276999"/>
+            <a:off x="4977961" y="5368469"/>
+            <a:ext cx="1178236" cy="276999"/>
           </a:xfrm>
           <a:prstGeom prst="rect">
             <a:avLst/>
@@ -6250,7 +6195,27 @@
           <a:p>
             <a:r>
               <a:rPr lang="en-US" sz="1200" dirty="0"/>
-              <a:t>P1 , P2 , … , Pj</a:t>
+              <a:t>P</a:t>
+            </a:r>
+            <a:r>
+              <a:rPr lang="en-US" sz="1200" baseline="-25000" dirty="0"/>
+              <a:t>1</a:t>
+            </a:r>
+            <a:r>
+              <a:rPr lang="en-US" sz="1200" dirty="0"/>
+              <a:t> , P</a:t>
+            </a:r>
+            <a:r>
+              <a:rPr lang="en-US" sz="1200" baseline="-25000" dirty="0"/>
+              <a:t>2</a:t>
+            </a:r>
+            <a:r>
+              <a:rPr lang="en-US" sz="1200" dirty="0"/>
+              <a:t> , … , P</a:t>
+            </a:r>
+            <a:r>
+              <a:rPr lang="en-US" sz="1200" baseline="-25000" dirty="0"/>
+              <a:t>15</a:t>
             </a:r>
           </a:p>
         </p:txBody>
@@ -6269,7 +6234,7 @@
         </p:nvSpPr>
         <p:spPr>
           <a:xfrm>
-            <a:off x="4540254" y="5741194"/>
+            <a:off x="4797770" y="5761549"/>
             <a:ext cx="1770300" cy="276999"/>
           </a:xfrm>
           <a:prstGeom prst="rect">
@@ -6304,8 +6269,8 @@
         </p:nvSpPr>
         <p:spPr>
           <a:xfrm>
-            <a:off x="3460400" y="5358136"/>
-            <a:ext cx="1046808" cy="235909"/>
+            <a:off x="3783648" y="5452789"/>
+            <a:ext cx="1046808" cy="113099"/>
           </a:xfrm>
           <a:prstGeom prst="rightArrow">
             <a:avLst>
@@ -6315,117 +6280,17 @@
           </a:prstGeom>
         </p:spPr>
         <p:style>
-          <a:lnRef idx="2">
-            <a:schemeClr val="accent1">
-              <a:shade val="50000"/>
-            </a:schemeClr>
+          <a:lnRef idx="1">
+            <a:schemeClr val="accent1"/>
           </a:lnRef>
-          <a:fillRef idx="1">
+          <a:fillRef idx="2">
             <a:schemeClr val="accent1"/>
           </a:fillRef>
-          <a:effectRef idx="0">
+          <a:effectRef idx="1">
             <a:schemeClr val="accent1"/>
           </a:effectRef>
           <a:fontRef idx="minor">
-            <a:schemeClr val="lt1"/>
-          </a:fontRef>
-        </p:style>
-        <p:txBody>
-          <a:bodyPr rtlCol="0" anchor="ctr"/>
-          <a:lstStyle/>
-          <a:p>
-            <a:pPr algn="ctr"/>
-            <a:endParaRPr lang="en-US"/>
-          </a:p>
-        </p:txBody>
-      </p:sp>
-      <p:sp>
-        <p:nvSpPr>
-          <p:cNvPr id="91" name="Right Arrow 90">
-            <a:extLst>
-              <a:ext uri="{FF2B5EF4-FFF2-40B4-BE49-F238E27FC236}">
-                <a16:creationId xmlns:a16="http://schemas.microsoft.com/office/drawing/2014/main" id="{D4D00D24-A79B-0749-85A5-8EF4230E4FBF}"/>
-              </a:ext>
-            </a:extLst>
-          </p:cNvPr>
-          <p:cNvSpPr/>
-          <p:nvPr/>
-        </p:nvSpPr>
-        <p:spPr>
-          <a:xfrm>
-            <a:off x="3206549" y="2217724"/>
-            <a:ext cx="308026" cy="254823"/>
-          </a:xfrm>
-          <a:prstGeom prst="rightArrow">
-            <a:avLst>
-              <a:gd name="adj1" fmla="val 50000"/>
-              <a:gd name="adj2" fmla="val 53727"/>
-            </a:avLst>
-          </a:prstGeom>
-        </p:spPr>
-        <p:style>
-          <a:lnRef idx="2">
-            <a:schemeClr val="accent1">
-              <a:shade val="50000"/>
-            </a:schemeClr>
-          </a:lnRef>
-          <a:fillRef idx="1">
-            <a:schemeClr val="accent1"/>
-          </a:fillRef>
-          <a:effectRef idx="0">
-            <a:schemeClr val="accent1"/>
-          </a:effectRef>
-          <a:fontRef idx="minor">
-            <a:schemeClr val="lt1"/>
-          </a:fontRef>
-        </p:style>
-        <p:txBody>
-          <a:bodyPr rtlCol="0" anchor="ctr"/>
-          <a:lstStyle/>
-          <a:p>
-            <a:pPr algn="ctr"/>
-            <a:endParaRPr lang="en-US"/>
-          </a:p>
-        </p:txBody>
-      </p:sp>
-      <p:sp>
-        <p:nvSpPr>
-          <p:cNvPr id="92" name="Right Arrow 91">
-            <a:extLst>
-              <a:ext uri="{FF2B5EF4-FFF2-40B4-BE49-F238E27FC236}">
-                <a16:creationId xmlns:a16="http://schemas.microsoft.com/office/drawing/2014/main" id="{1513102C-6A3B-2244-A89A-5DFF0B8EBD57}"/>
-              </a:ext>
-            </a:extLst>
-          </p:cNvPr>
-          <p:cNvSpPr/>
-          <p:nvPr/>
-        </p:nvSpPr>
-        <p:spPr>
-          <a:xfrm rot="1964296">
-            <a:off x="692711" y="4306227"/>
-            <a:ext cx="611201" cy="312046"/>
-          </a:xfrm>
-          <a:prstGeom prst="rightArrow">
-            <a:avLst>
-              <a:gd name="adj1" fmla="val 50658"/>
-              <a:gd name="adj2" fmla="val 49380"/>
-            </a:avLst>
-          </a:prstGeom>
-        </p:spPr>
-        <p:style>
-          <a:lnRef idx="2">
-            <a:schemeClr val="accent1">
-              <a:shade val="50000"/>
-            </a:schemeClr>
-          </a:lnRef>
-          <a:fillRef idx="1">
-            <a:schemeClr val="accent1"/>
-          </a:fillRef>
-          <a:effectRef idx="0">
-            <a:schemeClr val="accent1"/>
-          </a:effectRef>
-          <a:fontRef idx="minor">
-            <a:schemeClr val="lt1"/>
+            <a:schemeClr val="dk1"/>
           </a:fontRef>
         </p:style>
         <p:txBody>
@@ -6450,13 +6315,13 @@
           <p:nvPr>
             <p:extLst>
               <p:ext uri="{D42A27DB-BD31-4B8C-83A1-F6EECF244321}">
-                <p14:modId xmlns:p14="http://schemas.microsoft.com/office/powerpoint/2010/main" val="1529336714"/>
+                <p14:modId xmlns:p14="http://schemas.microsoft.com/office/powerpoint/2010/main" val="3398357684"/>
               </p:ext>
             </p:extLst>
           </p:nvPr>
         </p:nvGraphicFramePr>
         <p:xfrm>
-          <a:off x="1156567" y="4462250"/>
+          <a:off x="1479815" y="4474950"/>
           <a:ext cx="2074730" cy="1829878"/>
         </p:xfrm>
         <a:graphic>
@@ -6479,7 +6344,7 @@
         </p:nvSpPr>
         <p:spPr>
           <a:xfrm>
-            <a:off x="4728685" y="255051"/>
+            <a:off x="5051933" y="267751"/>
             <a:ext cx="3123789" cy="276999"/>
           </a:xfrm>
           <a:prstGeom prst="rect">
@@ -6514,31 +6379,29 @@
         </p:nvSpPr>
         <p:spPr>
           <a:xfrm>
-            <a:off x="6084675" y="2786066"/>
-            <a:ext cx="3707507" cy="2754421"/>
+            <a:off x="6407923" y="2794084"/>
+            <a:ext cx="3720322" cy="2759104"/>
           </a:xfrm>
           <a:prstGeom prst="bentUpArrow">
             <a:avLst>
-              <a:gd name="adj1" fmla="val 4791"/>
-              <a:gd name="adj2" fmla="val 9014"/>
-              <a:gd name="adj3" fmla="val 5767"/>
+              <a:gd name="adj1" fmla="val 1569"/>
+              <a:gd name="adj2" fmla="val 3251"/>
+              <a:gd name="adj3" fmla="val 6228"/>
             </a:avLst>
           </a:prstGeom>
         </p:spPr>
         <p:style>
-          <a:lnRef idx="2">
-            <a:schemeClr val="accent1">
-              <a:shade val="50000"/>
-            </a:schemeClr>
+          <a:lnRef idx="1">
+            <a:schemeClr val="accent1"/>
           </a:lnRef>
-          <a:fillRef idx="1">
+          <a:fillRef idx="2">
             <a:schemeClr val="accent1"/>
           </a:fillRef>
-          <a:effectRef idx="0">
+          <a:effectRef idx="1">
             <a:schemeClr val="accent1"/>
           </a:effectRef>
           <a:fontRef idx="minor">
-            <a:schemeClr val="lt1"/>
+            <a:schemeClr val="dk1"/>
           </a:fontRef>
         </p:style>
         <p:txBody>
@@ -6564,7 +6427,7 @@
         </p:nvSpPr>
         <p:spPr>
           <a:xfrm rot="16200000">
-            <a:off x="10078852" y="2220421"/>
+            <a:off x="10402100" y="2233121"/>
             <a:ext cx="1049292" cy="276999"/>
           </a:xfrm>
           <a:prstGeom prst="rect">
@@ -6585,8 +6448,8 @@
           </a:p>
         </p:txBody>
       </p:sp>
-      <mc:AlternateContent xmlns:mc="http://schemas.openxmlformats.org/markup-compatibility/2006" xmlns:a14="http://schemas.microsoft.com/office/drawing/2010/main">
-        <mc:Choice Requires="a14">
+      <mc:AlternateContent xmlns:mc="http://schemas.openxmlformats.org/markup-compatibility/2006">
+        <mc:Choice xmlns:a14="http://schemas.microsoft.com/office/drawing/2010/main" Requires="a14">
           <p:sp>
             <p:nvSpPr>
               <p:cNvPr id="20" name="TextBox 19">
@@ -6601,7 +6464,7 @@
             </p:nvSpPr>
             <p:spPr>
               <a:xfrm>
-                <a:off x="11502946" y="2250261"/>
+                <a:off x="11762694" y="2262961"/>
                 <a:ext cx="365806" cy="307777"/>
               </a:xfrm>
               <a:prstGeom prst="rect">
@@ -6644,7 +6507,7 @@
             </p:txBody>
           </p:sp>
         </mc:Choice>
-        <mc:Fallback xmlns="">
+        <mc:Fallback>
           <p:sp>
             <p:nvSpPr>
               <p:cNvPr id="20" name="TextBox 19">
@@ -6661,7 +6524,7 @@
             </p:nvSpPr>
             <p:spPr>
               <a:xfrm>
-                <a:off x="11502946" y="2250261"/>
+                <a:off x="11762694" y="2262961"/>
                 <a:ext cx="365806" cy="307777"/>
               </a:xfrm>
               <a:prstGeom prst="rect">
@@ -6670,7 +6533,7 @@
               <a:blipFill>
                 <a:blip r:embed="rId7"/>
                 <a:stretch>
-                  <a:fillRect l="-16667" r="-13333" b="-8000"/>
+                  <a:fillRect l="-16667" r="-16667" b="-8000"/>
                 </a:stretch>
               </a:blipFill>
             </p:spPr>
@@ -6689,47 +6552,12 @@
           </p:sp>
         </mc:Fallback>
       </mc:AlternateContent>
-      <p:sp>
-        <p:nvSpPr>
-          <p:cNvPr id="4" name="TextBox 3">
-            <a:extLst>
-              <a:ext uri="{FF2B5EF4-FFF2-40B4-BE49-F238E27FC236}">
-                <a16:creationId xmlns:a16="http://schemas.microsoft.com/office/drawing/2014/main" id="{9DD7ED00-63A5-3340-B088-1491AA24AD77}"/>
-              </a:ext>
-            </a:extLst>
-          </p:cNvPr>
-          <p:cNvSpPr txBox="1"/>
-          <p:nvPr/>
-        </p:nvSpPr>
-        <p:spPr>
-          <a:xfrm>
-            <a:off x="2485550" y="2133994"/>
-            <a:ext cx="684827" cy="338554"/>
-          </a:xfrm>
-          <a:prstGeom prst="rect">
-            <a:avLst/>
-          </a:prstGeom>
-          <a:noFill/>
-        </p:spPr>
-        <p:txBody>
-          <a:bodyPr wrap="square" rtlCol="0">
-            <a:spAutoFit/>
-          </a:bodyPr>
-          <a:lstStyle/>
-          <a:p>
-            <a:r>
-              <a:rPr lang="en-US" sz="1600" i="1" dirty="0"/>
-              <a:t>M x N</a:t>
-            </a:r>
-          </a:p>
-        </p:txBody>
-      </p:sp>
       <p:pic>
         <p:nvPicPr>
-          <p:cNvPr id="56" name="Picture 55">
-            <a:extLst>
-              <a:ext uri="{FF2B5EF4-FFF2-40B4-BE49-F238E27FC236}">
-                <a16:creationId xmlns:a16="http://schemas.microsoft.com/office/drawing/2014/main" id="{15A43D99-0AEE-2847-B008-1C7B2C21E41D}"/>
+          <p:cNvPr id="21" name="Picture 20">
+            <a:extLst>
+              <a:ext uri="{FF2B5EF4-FFF2-40B4-BE49-F238E27FC236}">
+                <a16:creationId xmlns:a16="http://schemas.microsoft.com/office/drawing/2014/main" id="{ED375F23-3429-EF41-8382-11AA8A701998}"/>
               </a:ext>
             </a:extLst>
           </p:cNvPr>
@@ -6746,8 +6574,8 @@
         </p:blipFill>
         <p:spPr>
           <a:xfrm>
-            <a:off x="1098705" y="661238"/>
-            <a:ext cx="6984271" cy="3668360"/>
+            <a:off x="0" y="3342874"/>
+            <a:ext cx="1112018" cy="1028765"/>
           </a:xfrm>
           <a:prstGeom prst="rect">
             <a:avLst/>
@@ -6768,8 +6596,8 @@
         </p:nvSpPr>
         <p:spPr>
           <a:xfrm>
-            <a:off x="1089514" y="574941"/>
-            <a:ext cx="10068481" cy="3754657"/>
+            <a:off x="1403615" y="585981"/>
+            <a:ext cx="9959486" cy="3754657"/>
           </a:xfrm>
           <a:prstGeom prst="rect">
             <a:avLst/>
@@ -6777,7 +6605,9 @@
           <a:noFill/>
           <a:ln>
             <a:solidFill>
-              <a:schemeClr val="tx1"/>
+              <a:schemeClr val="accent1">
+                <a:lumMod val="75000"/>
+              </a:schemeClr>
             </a:solidFill>
             <a:prstDash val="dash"/>
           </a:ln>
@@ -6807,12 +6637,47 @@
           </a:p>
         </p:txBody>
       </p:sp>
+      <p:sp>
+        <p:nvSpPr>
+          <p:cNvPr id="15" name="TextBox 14">
+            <a:extLst>
+              <a:ext uri="{FF2B5EF4-FFF2-40B4-BE49-F238E27FC236}">
+                <a16:creationId xmlns:a16="http://schemas.microsoft.com/office/drawing/2014/main" id="{EF1C6406-C6B1-684E-B251-3736E9AB5BE1}"/>
+              </a:ext>
+            </a:extLst>
+          </p:cNvPr>
+          <p:cNvSpPr txBox="1"/>
+          <p:nvPr/>
+        </p:nvSpPr>
+        <p:spPr>
+          <a:xfrm>
+            <a:off x="3724" y="4165486"/>
+            <a:ext cx="2335181" cy="230832"/>
+          </a:xfrm>
+          <a:prstGeom prst="rect">
+            <a:avLst/>
+          </a:prstGeom>
+          <a:noFill/>
+        </p:spPr>
+        <p:txBody>
+          <a:bodyPr wrap="square" rtlCol="0">
+            <a:spAutoFit/>
+          </a:bodyPr>
+          <a:lstStyle/>
+          <a:p>
+            <a:r>
+              <a:rPr lang="en-US" sz="900" dirty="0"/>
+              <a:t>p-Phenylenediamine</a:t>
+            </a:r>
+          </a:p>
+        </p:txBody>
+      </p:sp>
       <p:pic>
         <p:nvPicPr>
-          <p:cNvPr id="21" name="Picture 20">
-            <a:extLst>
-              <a:ext uri="{FF2B5EF4-FFF2-40B4-BE49-F238E27FC236}">
-                <a16:creationId xmlns:a16="http://schemas.microsoft.com/office/drawing/2014/main" id="{ED375F23-3429-EF41-8382-11AA8A701998}"/>
+          <p:cNvPr id="26" name="Picture 25">
+            <a:extLst>
+              <a:ext uri="{FF2B5EF4-FFF2-40B4-BE49-F238E27FC236}">
+                <a16:creationId xmlns:a16="http://schemas.microsoft.com/office/drawing/2014/main" id="{478BED14-68FF-944E-BE0F-3C04B26A5ABC}"/>
               </a:ext>
             </a:extLst>
           </p:cNvPr>
@@ -6829,73 +6694,8 @@
         </p:blipFill>
         <p:spPr>
           <a:xfrm>
-            <a:off x="-49633" y="2979277"/>
-            <a:ext cx="1112018" cy="1028765"/>
-          </a:xfrm>
-          <a:prstGeom prst="rect">
-            <a:avLst/>
-          </a:prstGeom>
-        </p:spPr>
-      </p:pic>
-      <p:sp>
-        <p:nvSpPr>
-          <p:cNvPr id="15" name="TextBox 14">
-            <a:extLst>
-              <a:ext uri="{FF2B5EF4-FFF2-40B4-BE49-F238E27FC236}">
-                <a16:creationId xmlns:a16="http://schemas.microsoft.com/office/drawing/2014/main" id="{EF1C6406-C6B1-684E-B251-3736E9AB5BE1}"/>
-              </a:ext>
-            </a:extLst>
-          </p:cNvPr>
-          <p:cNvSpPr txBox="1"/>
-          <p:nvPr/>
-        </p:nvSpPr>
-        <p:spPr>
-          <a:xfrm>
-            <a:off x="-39916" y="3805721"/>
-            <a:ext cx="2335181" cy="230832"/>
-          </a:xfrm>
-          <a:prstGeom prst="rect">
-            <a:avLst/>
-          </a:prstGeom>
-          <a:noFill/>
-        </p:spPr>
-        <p:txBody>
-          <a:bodyPr wrap="square" rtlCol="0">
-            <a:spAutoFit/>
-          </a:bodyPr>
-          <a:lstStyle/>
-          <a:p>
-            <a:r>
-              <a:rPr lang="en-US" sz="900" dirty="0"/>
-              <a:t>p-Phenylenediamine</a:t>
-            </a:r>
-          </a:p>
-        </p:txBody>
-      </p:sp>
-      <p:pic>
-        <p:nvPicPr>
-          <p:cNvPr id="26" name="Picture 25">
-            <a:extLst>
-              <a:ext uri="{FF2B5EF4-FFF2-40B4-BE49-F238E27FC236}">
-                <a16:creationId xmlns:a16="http://schemas.microsoft.com/office/drawing/2014/main" id="{478BED14-68FF-944E-BE0F-3C04B26A5ABC}"/>
-              </a:ext>
-            </a:extLst>
-          </p:cNvPr>
-          <p:cNvPicPr>
-            <a:picLocks noChangeAspect="1"/>
-          </p:cNvPicPr>
-          <p:nvPr/>
-        </p:nvPicPr>
-        <p:blipFill>
-          <a:blip r:embed="rId10"/>
-          <a:stretch>
-            <a:fillRect/>
-          </a:stretch>
-        </p:blipFill>
-        <p:spPr>
-          <a:xfrm>
-            <a:off x="8669755" y="2103699"/>
-            <a:ext cx="1427142" cy="600902"/>
+            <a:off x="9070621" y="2116399"/>
+            <a:ext cx="1349524" cy="600902"/>
           </a:xfrm>
           <a:prstGeom prst="rect">
             <a:avLst/>
@@ -6918,7 +6718,7 @@
         </p:nvCxnSpPr>
         <p:spPr>
           <a:xfrm>
-            <a:off x="7956917" y="2416734"/>
+            <a:off x="8516742" y="2444073"/>
             <a:ext cx="199294" cy="6197"/>
           </a:xfrm>
           <a:prstGeom prst="straightConnector1">
@@ -6957,8 +6757,8 @@
         </p:nvSpPr>
         <p:spPr>
           <a:xfrm>
-            <a:off x="8151293" y="2240422"/>
-            <a:ext cx="199294" cy="369332"/>
+            <a:off x="8645451" y="2271014"/>
+            <a:ext cx="199294" cy="338554"/>
           </a:xfrm>
           <a:prstGeom prst="rect">
             <a:avLst/>
@@ -6972,9 +6772,10 @@
           <a:lstStyle/>
           <a:p>
             <a:r>
-              <a:rPr lang="en-US" dirty="0"/>
+              <a:rPr lang="en-US" sz="1600" dirty="0"/>
               <a:t>M</a:t>
             </a:r>
+            <a:endParaRPr lang="en-US" dirty="0"/>
           </a:p>
         </p:txBody>
       </p:sp>
@@ -6994,7 +6795,7 @@
         </p:nvCxnSpPr>
         <p:spPr>
           <a:xfrm>
-            <a:off x="8499146" y="2431373"/>
+            <a:off x="8928640" y="2460212"/>
             <a:ext cx="199294" cy="6197"/>
           </a:xfrm>
           <a:prstGeom prst="straightConnector1">
@@ -7033,14 +6834,14 @@
         </p:nvSpPr>
         <p:spPr>
           <a:xfrm>
-            <a:off x="10416065" y="1811437"/>
+            <a:off x="10739313" y="1824137"/>
             <a:ext cx="414415" cy="1246067"/>
           </a:xfrm>
           <a:prstGeom prst="rect">
             <a:avLst/>
           </a:prstGeom>
           <a:noFill/>
-          <a:ln w="38100">
+          <a:ln w="28575">
             <a:solidFill>
               <a:schemeClr val="bg2">
                 <a:lumMod val="50000"/>
@@ -7087,7 +6888,7 @@
         </p:nvSpPr>
         <p:spPr>
           <a:xfrm rot="5400000">
-            <a:off x="5780658" y="2035756"/>
+            <a:off x="6103906" y="2048456"/>
             <a:ext cx="281996" cy="646331"/>
           </a:xfrm>
           <a:prstGeom prst="rect">
@@ -7135,28 +6936,26 @@
           <p:nvPr/>
         </p:nvSpPr>
         <p:spPr>
-          <a:xfrm rot="19482954">
-            <a:off x="561596" y="2558869"/>
-            <a:ext cx="559175" cy="301773"/>
+          <a:xfrm rot="18889298" flipV="1">
+            <a:off x="678127" y="3082300"/>
+            <a:ext cx="402249" cy="109374"/>
           </a:xfrm>
           <a:prstGeom prst="rightArrow">
             <a:avLst/>
           </a:prstGeom>
         </p:spPr>
         <p:style>
-          <a:lnRef idx="2">
-            <a:schemeClr val="accent1">
-              <a:shade val="50000"/>
-            </a:schemeClr>
+          <a:lnRef idx="1">
+            <a:schemeClr val="accent1"/>
           </a:lnRef>
-          <a:fillRef idx="1">
+          <a:fillRef idx="2">
             <a:schemeClr val="accent1"/>
           </a:fillRef>
-          <a:effectRef idx="0">
+          <a:effectRef idx="1">
             <a:schemeClr val="accent1"/>
           </a:effectRef>
           <a:fontRef idx="minor">
-            <a:schemeClr val="lt1"/>
+            <a:schemeClr val="dk1"/>
           </a:fontRef>
         </p:style>
         <p:txBody>
@@ -7184,7 +6983,7 @@
         </p:nvCxnSpPr>
         <p:spPr>
           <a:xfrm>
-            <a:off x="10075804" y="2421989"/>
+            <a:off x="10399052" y="2434689"/>
             <a:ext cx="253424" cy="9384"/>
           </a:xfrm>
           <a:prstGeom prst="straightConnector1">
@@ -7225,7 +7024,7 @@
         </p:nvCxnSpPr>
         <p:spPr>
           <a:xfrm flipV="1">
-            <a:off x="10932389" y="2404150"/>
+            <a:off x="11230237" y="2416850"/>
             <a:ext cx="477626" cy="6387"/>
           </a:xfrm>
           <a:prstGeom prst="straightConnector1">
@@ -7264,7 +7063,7 @@
         </p:nvSpPr>
         <p:spPr>
           <a:xfrm rot="16200000">
-            <a:off x="8633755" y="4104730"/>
+            <a:off x="9134312" y="4227923"/>
             <a:ext cx="1499141" cy="276999"/>
           </a:xfrm>
           <a:prstGeom prst="rect">
@@ -7285,10 +7084,214 @@
           </a:p>
         </p:txBody>
       </p:sp>
+      <p:sp>
+        <p:nvSpPr>
+          <p:cNvPr id="30" name="Rectangle 29">
+            <a:extLst>
+              <a:ext uri="{FF2B5EF4-FFF2-40B4-BE49-F238E27FC236}">
+                <a16:creationId xmlns:a16="http://schemas.microsoft.com/office/drawing/2014/main" id="{4751AC20-7463-1A4A-978E-69BEC58EF73D}"/>
+              </a:ext>
+            </a:extLst>
+          </p:cNvPr>
+          <p:cNvSpPr/>
+          <p:nvPr/>
+        </p:nvSpPr>
+        <p:spPr>
+          <a:xfrm>
+            <a:off x="8082563" y="1881418"/>
+            <a:ext cx="414415" cy="1246067"/>
+          </a:xfrm>
+          <a:prstGeom prst="rect">
+            <a:avLst/>
+          </a:prstGeom>
+          <a:noFill/>
+          <a:ln w="28575">
+            <a:solidFill>
+              <a:schemeClr val="bg2">
+                <a:lumMod val="50000"/>
+              </a:schemeClr>
+            </a:solidFill>
+          </a:ln>
+        </p:spPr>
+        <p:style>
+          <a:lnRef idx="2">
+            <a:schemeClr val="accent1">
+              <a:shade val="50000"/>
+            </a:schemeClr>
+          </a:lnRef>
+          <a:fillRef idx="1">
+            <a:schemeClr val="accent1"/>
+          </a:fillRef>
+          <a:effectRef idx="0">
+            <a:schemeClr val="accent1"/>
+          </a:effectRef>
+          <a:fontRef idx="minor">
+            <a:schemeClr val="lt1"/>
+          </a:fontRef>
+        </p:style>
+        <p:txBody>
+          <a:bodyPr rtlCol="0" anchor="ctr"/>
+          <a:lstStyle/>
+          <a:p>
+            <a:pPr algn="ctr"/>
+            <a:endParaRPr lang="en-US"/>
+          </a:p>
+        </p:txBody>
+      </p:sp>
+      <p:sp>
+        <p:nvSpPr>
+          <p:cNvPr id="31" name="TextBox 30">
+            <a:extLst>
+              <a:ext uri="{FF2B5EF4-FFF2-40B4-BE49-F238E27FC236}">
+                <a16:creationId xmlns:a16="http://schemas.microsoft.com/office/drawing/2014/main" id="{B5737EA6-1411-F44C-8B57-1599C41AC944}"/>
+              </a:ext>
+            </a:extLst>
+          </p:cNvPr>
+          <p:cNvSpPr txBox="1"/>
+          <p:nvPr/>
+        </p:nvSpPr>
+        <p:spPr>
+          <a:xfrm rot="16200000">
+            <a:off x="7769279" y="2286816"/>
+            <a:ext cx="1049292" cy="276999"/>
+          </a:xfrm>
+          <a:prstGeom prst="rect">
+            <a:avLst/>
+          </a:prstGeom>
+          <a:noFill/>
+        </p:spPr>
+        <p:txBody>
+          <a:bodyPr wrap="square" rtlCol="0">
+            <a:spAutoFit/>
+          </a:bodyPr>
+          <a:lstStyle/>
+          <a:p>
+            <a:r>
+              <a:rPr lang="en-US" sz="1200" dirty="0"/>
+              <a:t>Dense layer</a:t>
+            </a:r>
+          </a:p>
+        </p:txBody>
+      </p:sp>
+      <p:pic>
+        <p:nvPicPr>
+          <p:cNvPr id="3" name="Picture 2">
+            <a:extLst>
+              <a:ext uri="{FF2B5EF4-FFF2-40B4-BE49-F238E27FC236}">
+                <a16:creationId xmlns:a16="http://schemas.microsoft.com/office/drawing/2014/main" id="{F6D35064-33CB-0649-A33F-77AFF948D71A}"/>
+              </a:ext>
+            </a:extLst>
+          </p:cNvPr>
+          <p:cNvPicPr>
+            <a:picLocks noChangeAspect="1"/>
+          </p:cNvPicPr>
+          <p:nvPr/>
+        </p:nvPicPr>
+        <p:blipFill>
+          <a:blip r:embed="rId10"/>
+          <a:stretch>
+            <a:fillRect/>
+          </a:stretch>
+        </p:blipFill>
+        <p:spPr>
+          <a:xfrm>
+            <a:off x="1439877" y="816379"/>
+            <a:ext cx="6446033" cy="3376147"/>
+          </a:xfrm>
+          <a:prstGeom prst="rect">
+            <a:avLst/>
+          </a:prstGeom>
+        </p:spPr>
+      </p:pic>
+      <p:cxnSp>
+        <p:nvCxnSpPr>
+          <p:cNvPr id="32" name="Straight Arrow Connector 31">
+            <a:extLst>
+              <a:ext uri="{FF2B5EF4-FFF2-40B4-BE49-F238E27FC236}">
+                <a16:creationId xmlns:a16="http://schemas.microsoft.com/office/drawing/2014/main" id="{4F333FF4-31C8-6E43-BEDB-E21F1F9A113F}"/>
+              </a:ext>
+            </a:extLst>
+          </p:cNvPr>
+          <p:cNvCxnSpPr>
+            <a:cxnSpLocks/>
+          </p:cNvCxnSpPr>
+          <p:nvPr/>
+        </p:nvCxnSpPr>
+        <p:spPr>
+          <a:xfrm>
+            <a:off x="7839648" y="2432478"/>
+            <a:ext cx="199294" cy="6197"/>
+          </a:xfrm>
+          <a:prstGeom prst="straightConnector1">
+            <a:avLst/>
+          </a:prstGeom>
+          <a:ln>
+            <a:tailEnd type="triangle"/>
+          </a:ln>
+        </p:spPr>
+        <p:style>
+          <a:lnRef idx="1">
+            <a:schemeClr val="accent1"/>
+          </a:lnRef>
+          <a:fillRef idx="0">
+            <a:schemeClr val="accent1"/>
+          </a:fillRef>
+          <a:effectRef idx="0">
+            <a:schemeClr val="accent1"/>
+          </a:effectRef>
+          <a:fontRef idx="minor">
+            <a:schemeClr val="tx1"/>
+          </a:fontRef>
+        </p:style>
+      </p:cxnSp>
+      <p:sp>
+        <p:nvSpPr>
+          <p:cNvPr id="33" name="Right Arrow 32">
+            <a:extLst>
+              <a:ext uri="{FF2B5EF4-FFF2-40B4-BE49-F238E27FC236}">
+                <a16:creationId xmlns:a16="http://schemas.microsoft.com/office/drawing/2014/main" id="{885D5685-EB21-E243-808B-580157954F39}"/>
+              </a:ext>
+            </a:extLst>
+          </p:cNvPr>
+          <p:cNvSpPr/>
+          <p:nvPr/>
+        </p:nvSpPr>
+        <p:spPr>
+          <a:xfrm rot="2399847">
+            <a:off x="815724" y="4744887"/>
+            <a:ext cx="402249" cy="122284"/>
+          </a:xfrm>
+          <a:prstGeom prst="rightArrow">
+            <a:avLst/>
+          </a:prstGeom>
+        </p:spPr>
+        <p:style>
+          <a:lnRef idx="1">
+            <a:schemeClr val="accent1"/>
+          </a:lnRef>
+          <a:fillRef idx="2">
+            <a:schemeClr val="accent1"/>
+          </a:fillRef>
+          <a:effectRef idx="1">
+            <a:schemeClr val="accent1"/>
+          </a:effectRef>
+          <a:fontRef idx="minor">
+            <a:schemeClr val="dk1"/>
+          </a:fontRef>
+        </p:style>
+        <p:txBody>
+          <a:bodyPr rtlCol="0" anchor="ctr"/>
+          <a:lstStyle/>
+          <a:p>
+            <a:pPr algn="ctr"/>
+            <a:endParaRPr lang="en-US"/>
+          </a:p>
+        </p:txBody>
+      </p:sp>
     </p:spTree>
     <p:extLst>
       <p:ext uri="{BB962C8B-B14F-4D97-AF65-F5344CB8AC3E}">
-        <p14:creationId xmlns:p14="http://schemas.microsoft.com/office/powerpoint/2010/main" val="4187470131"/>
+        <p14:creationId xmlns:p14="http://schemas.microsoft.com/office/powerpoint/2010/main" val="3898990867"/>
       </p:ext>
     </p:extLst>
   </p:cSld>
@@ -7590,3184 +7593,6 @@
     <p:extLst>
       <p:ext uri="{BB962C8B-B14F-4D97-AF65-F5344CB8AC3E}">
         <p14:creationId xmlns:p14="http://schemas.microsoft.com/office/powerpoint/2010/main" val="1598621028"/>
-      </p:ext>
-    </p:extLst>
-  </p:cSld>
-  <p:clrMapOvr>
-    <a:masterClrMapping/>
-  </p:clrMapOvr>
-</p:sld>
-</file>
-
-<file path=ppt/slides/slide4.xml><?xml version="1.0" encoding="utf-8"?>
-<p:sld xmlns:a="http://schemas.openxmlformats.org/drawingml/2006/main" xmlns:r="http://schemas.openxmlformats.org/officeDocument/2006/relationships" xmlns:p="http://schemas.openxmlformats.org/presentationml/2006/main">
-  <p:cSld>
-    <p:spTree>
-      <p:nvGrpSpPr>
-        <p:cNvPr id="1" name=""/>
-        <p:cNvGrpSpPr/>
-        <p:nvPr/>
-      </p:nvGrpSpPr>
-      <p:grpSpPr>
-        <a:xfrm>
-          <a:off x="0" y="0"/>
-          <a:ext cx="0" cy="0"/>
-          <a:chOff x="0" y="0"/>
-          <a:chExt cx="0" cy="0"/>
-        </a:xfrm>
-      </p:grpSpPr>
-      <p:pic>
-        <p:nvPicPr>
-          <p:cNvPr id="4" name="Picture 3">
-            <a:extLst>
-              <a:ext uri="{FF2B5EF4-FFF2-40B4-BE49-F238E27FC236}">
-                <a16:creationId xmlns:a16="http://schemas.microsoft.com/office/drawing/2014/main" id="{665D0F03-9897-BC4F-A377-B9CFF90F8000}"/>
-              </a:ext>
-            </a:extLst>
-          </p:cNvPr>
-          <p:cNvPicPr>
-            <a:picLocks noChangeAspect="1"/>
-          </p:cNvPicPr>
-          <p:nvPr/>
-        </p:nvPicPr>
-        <p:blipFill>
-          <a:blip r:embed="rId2"/>
-          <a:stretch>
-            <a:fillRect/>
-          </a:stretch>
-        </p:blipFill>
-        <p:spPr>
-          <a:xfrm>
-            <a:off x="1030147" y="133386"/>
-            <a:ext cx="10169681" cy="5341439"/>
-          </a:xfrm>
-          <a:prstGeom prst="rect">
-            <a:avLst/>
-          </a:prstGeom>
-        </p:spPr>
-      </p:pic>
-    </p:spTree>
-    <p:extLst>
-      <p:ext uri="{BB962C8B-B14F-4D97-AF65-F5344CB8AC3E}">
-        <p14:creationId xmlns:p14="http://schemas.microsoft.com/office/powerpoint/2010/main" val="860499906"/>
-      </p:ext>
-    </p:extLst>
-  </p:cSld>
-  <p:clrMapOvr>
-    <a:masterClrMapping/>
-  </p:clrMapOvr>
-</p:sld>
-</file>
-
-<file path=ppt/slides/slide5.xml><?xml version="1.0" encoding="utf-8"?>
-<p:sld xmlns:a="http://schemas.openxmlformats.org/drawingml/2006/main" xmlns:r="http://schemas.openxmlformats.org/officeDocument/2006/relationships" xmlns:p="http://schemas.openxmlformats.org/presentationml/2006/main">
-  <p:cSld>
-    <p:spTree>
-      <p:nvGrpSpPr>
-        <p:cNvPr id="1" name=""/>
-        <p:cNvGrpSpPr/>
-        <p:nvPr/>
-      </p:nvGrpSpPr>
-      <p:grpSpPr>
-        <a:xfrm>
-          <a:off x="0" y="0"/>
-          <a:ext cx="0" cy="0"/>
-          <a:chOff x="0" y="0"/>
-          <a:chExt cx="0" cy="0"/>
-        </a:xfrm>
-      </p:grpSpPr>
-      <p:sp>
-        <p:nvSpPr>
-          <p:cNvPr id="2" name="Title 1">
-            <a:extLst>
-              <a:ext uri="{FF2B5EF4-FFF2-40B4-BE49-F238E27FC236}">
-                <a16:creationId xmlns:a16="http://schemas.microsoft.com/office/drawing/2014/main" id="{51E79708-D703-9A4B-96FC-54E0D52BA807}"/>
-              </a:ext>
-            </a:extLst>
-          </p:cNvPr>
-          <p:cNvSpPr>
-            <a:spLocks noGrp="1"/>
-          </p:cNvSpPr>
-          <p:nvPr>
-            <p:ph type="title"/>
-          </p:nvPr>
-        </p:nvSpPr>
-        <p:spPr/>
-        <p:txBody>
-          <a:bodyPr/>
-          <a:lstStyle/>
-          <a:p>
-            <a:r>
-              <a:rPr lang="en-US" b="1" dirty="0" err="1"/>
-              <a:t>Dunevaud</a:t>
-            </a:r>
-            <a:r>
-              <a:rPr lang="en-US" b="1" dirty="0"/>
-              <a:t> Graph </a:t>
-            </a:r>
-            <a:r>
-              <a:rPr lang="en-US" b="1" dirty="0" err="1"/>
-              <a:t>Featurizer</a:t>
-            </a:r>
-            <a:r>
-              <a:rPr lang="en-US" b="1" dirty="0"/>
-              <a:t> (</a:t>
-            </a:r>
-            <a:r>
-              <a:rPr lang="en-US" b="1" dirty="0" err="1"/>
-              <a:t>ConvMolFeaturizer</a:t>
-            </a:r>
-            <a:r>
-              <a:rPr lang="en-US" b="1" dirty="0"/>
-              <a:t>)</a:t>
-            </a:r>
-          </a:p>
-        </p:txBody>
-      </p:sp>
-      <p:sp>
-        <p:nvSpPr>
-          <p:cNvPr id="3" name="Content Placeholder 2">
-            <a:extLst>
-              <a:ext uri="{FF2B5EF4-FFF2-40B4-BE49-F238E27FC236}">
-                <a16:creationId xmlns:a16="http://schemas.microsoft.com/office/drawing/2014/main" id="{A2B6BAF8-0E1E-C445-995A-B27A322FD6B3}"/>
-              </a:ext>
-            </a:extLst>
-          </p:cNvPr>
-          <p:cNvSpPr>
-            <a:spLocks noGrp="1"/>
-          </p:cNvSpPr>
-          <p:nvPr>
-            <p:ph idx="1"/>
-          </p:nvPr>
-        </p:nvSpPr>
-        <p:spPr>
-          <a:xfrm>
-            <a:off x="838200" y="1825625"/>
-            <a:ext cx="8932101" cy="4351338"/>
-          </a:xfrm>
-        </p:spPr>
-        <p:txBody>
-          <a:bodyPr>
-            <a:normAutofit fontScale="92500"/>
-          </a:bodyPr>
-          <a:lstStyle/>
-          <a:p>
-            <a:r>
-              <a:rPr lang="en-US" dirty="0" err="1"/>
-              <a:t>Atom_features</a:t>
-            </a:r>
-            <a:r>
-              <a:rPr lang="en-US" dirty="0"/>
-              <a:t>: </a:t>
-            </a:r>
-            <a:r>
-              <a:rPr lang="en-US" dirty="0" err="1"/>
-              <a:t>One_Host_encoding</a:t>
-            </a:r>
-            <a:r>
-              <a:rPr lang="en-US" dirty="0"/>
-              <a:t>[symbol + degree + total number of Hydrogens(if not explicit hydrogen (QM8, QM9) + implicit valence + Formal Charge + Radical Electrons + Hybridization Type + if use chirality]</a:t>
-            </a:r>
-          </a:p>
-          <a:p>
-            <a:r>
-              <a:rPr lang="en-US" dirty="0"/>
-              <a:t>Bond features: bond type (single, double, triple, aromatic), is conjugated or not, is a ring or not, Chirality</a:t>
-            </a:r>
-          </a:p>
-          <a:p>
-            <a:pPr marL="0" indent="0">
-              <a:buNone/>
-            </a:pPr>
-            <a:r>
-              <a:rPr lang="en-US" dirty="0"/>
-              <a:t>First, a graph is constructed matching the topology of the molecule being fingerprinted, in which nodes represent atoms, and edges represent bonds. At each layer, information flows between neighbors in the graph. Finally, each node in the graph turns on one bit in the fixed-length fingerprint vector.</a:t>
-            </a:r>
-          </a:p>
-          <a:p>
-            <a:endParaRPr lang="en-US" dirty="0"/>
-          </a:p>
-        </p:txBody>
-      </p:sp>
-      <p:pic>
-        <p:nvPicPr>
-          <p:cNvPr id="4" name="Picture 3">
-            <a:extLst>
-              <a:ext uri="{FF2B5EF4-FFF2-40B4-BE49-F238E27FC236}">
-                <a16:creationId xmlns:a16="http://schemas.microsoft.com/office/drawing/2014/main" id="{7CEE73B5-C44D-104E-AB44-00E70ED8E379}"/>
-              </a:ext>
-            </a:extLst>
-          </p:cNvPr>
-          <p:cNvPicPr>
-            <a:picLocks noChangeAspect="1"/>
-          </p:cNvPicPr>
-          <p:nvPr/>
-        </p:nvPicPr>
-        <p:blipFill>
-          <a:blip r:embed="rId2"/>
-          <a:stretch>
-            <a:fillRect/>
-          </a:stretch>
-        </p:blipFill>
-        <p:spPr>
-          <a:xfrm>
-            <a:off x="9867661" y="1123013"/>
-            <a:ext cx="1731440" cy="2481136"/>
-          </a:xfrm>
-          <a:prstGeom prst="rect">
-            <a:avLst/>
-          </a:prstGeom>
-        </p:spPr>
-      </p:pic>
-      <p:pic>
-        <p:nvPicPr>
-          <p:cNvPr id="6" name="Picture 5">
-            <a:extLst>
-              <a:ext uri="{FF2B5EF4-FFF2-40B4-BE49-F238E27FC236}">
-                <a16:creationId xmlns:a16="http://schemas.microsoft.com/office/drawing/2014/main" id="{4DF9FCAD-0E0F-FF44-ADAC-A65546E3EC44}"/>
-              </a:ext>
-            </a:extLst>
-          </p:cNvPr>
-          <p:cNvPicPr>
-            <a:picLocks noChangeAspect="1"/>
-          </p:cNvPicPr>
-          <p:nvPr/>
-        </p:nvPicPr>
-        <p:blipFill>
-          <a:blip r:embed="rId3"/>
-          <a:stretch>
-            <a:fillRect/>
-          </a:stretch>
-        </p:blipFill>
-        <p:spPr>
-          <a:xfrm>
-            <a:off x="9481997" y="3713248"/>
-            <a:ext cx="2423643" cy="2261667"/>
-          </a:xfrm>
-          <a:prstGeom prst="rect">
-            <a:avLst/>
-          </a:prstGeom>
-        </p:spPr>
-      </p:pic>
-    </p:spTree>
-    <p:extLst>
-      <p:ext uri="{BB962C8B-B14F-4D97-AF65-F5344CB8AC3E}">
-        <p14:creationId xmlns:p14="http://schemas.microsoft.com/office/powerpoint/2010/main" val="1184625371"/>
-      </p:ext>
-    </p:extLst>
-  </p:cSld>
-  <p:clrMapOvr>
-    <a:masterClrMapping/>
-  </p:clrMapOvr>
-</p:sld>
-</file>
-
-<file path=ppt/slides/slide6.xml><?xml version="1.0" encoding="utf-8"?>
-<p:sld xmlns:a="http://schemas.openxmlformats.org/drawingml/2006/main" xmlns:r="http://schemas.openxmlformats.org/officeDocument/2006/relationships" xmlns:p="http://schemas.openxmlformats.org/presentationml/2006/main">
-  <p:cSld>
-    <p:spTree>
-      <p:nvGrpSpPr>
-        <p:cNvPr id="1" name=""/>
-        <p:cNvGrpSpPr/>
-        <p:nvPr/>
-      </p:nvGrpSpPr>
-      <p:grpSpPr>
-        <a:xfrm>
-          <a:off x="0" y="0"/>
-          <a:ext cx="0" cy="0"/>
-          <a:chOff x="0" y="0"/>
-          <a:chExt cx="0" cy="0"/>
-        </a:xfrm>
-      </p:grpSpPr>
-      <p:pic>
-        <p:nvPicPr>
-          <p:cNvPr id="3" name="Picture 2">
-            <a:extLst>
-              <a:ext uri="{FF2B5EF4-FFF2-40B4-BE49-F238E27FC236}">
-                <a16:creationId xmlns:a16="http://schemas.microsoft.com/office/drawing/2014/main" id="{0E04FE61-04F9-8A4B-BBE7-08A02FFA6F98}"/>
-              </a:ext>
-            </a:extLst>
-          </p:cNvPr>
-          <p:cNvPicPr>
-            <a:picLocks noChangeAspect="1"/>
-          </p:cNvPicPr>
-          <p:nvPr/>
-        </p:nvPicPr>
-        <p:blipFill>
-          <a:blip r:embed="rId2"/>
-          <a:stretch>
-            <a:fillRect/>
-          </a:stretch>
-        </p:blipFill>
-        <p:spPr>
-          <a:xfrm>
-            <a:off x="275404" y="2767673"/>
-            <a:ext cx="1624800" cy="947800"/>
-          </a:xfrm>
-          <a:prstGeom prst="rect">
-            <a:avLst/>
-          </a:prstGeom>
-        </p:spPr>
-      </p:pic>
-      <p:pic>
-        <p:nvPicPr>
-          <p:cNvPr id="5" name="Picture 4">
-            <a:extLst>
-              <a:ext uri="{FF2B5EF4-FFF2-40B4-BE49-F238E27FC236}">
-                <a16:creationId xmlns:a16="http://schemas.microsoft.com/office/drawing/2014/main" id="{29D75E04-A08E-AF4B-B278-7689F91C7A66}"/>
-              </a:ext>
-            </a:extLst>
-          </p:cNvPr>
-          <p:cNvPicPr>
-            <a:picLocks noChangeAspect="1"/>
-          </p:cNvPicPr>
-          <p:nvPr/>
-        </p:nvPicPr>
-        <p:blipFill>
-          <a:blip r:embed="rId3"/>
-          <a:stretch>
-            <a:fillRect/>
-          </a:stretch>
-        </p:blipFill>
-        <p:spPr>
-          <a:xfrm>
-            <a:off x="2339376" y="2111845"/>
-            <a:ext cx="1931748" cy="1129728"/>
-          </a:xfrm>
-          <a:prstGeom prst="rect">
-            <a:avLst/>
-          </a:prstGeom>
-        </p:spPr>
-      </p:pic>
-      <p:pic>
-        <p:nvPicPr>
-          <p:cNvPr id="7" name="Picture 6">
-            <a:extLst>
-              <a:ext uri="{FF2B5EF4-FFF2-40B4-BE49-F238E27FC236}">
-                <a16:creationId xmlns:a16="http://schemas.microsoft.com/office/drawing/2014/main" id="{086AC36D-D626-DC4C-A07E-675A24044891}"/>
-              </a:ext>
-            </a:extLst>
-          </p:cNvPr>
-          <p:cNvPicPr>
-            <a:picLocks noChangeAspect="1"/>
-          </p:cNvPicPr>
-          <p:nvPr/>
-        </p:nvPicPr>
-        <p:blipFill>
-          <a:blip r:embed="rId4"/>
-          <a:stretch>
-            <a:fillRect/>
-          </a:stretch>
-        </p:blipFill>
-        <p:spPr>
-          <a:xfrm>
-            <a:off x="2417232" y="977682"/>
-            <a:ext cx="1776036" cy="1000020"/>
-          </a:xfrm>
-          <a:prstGeom prst="rect">
-            <a:avLst/>
-          </a:prstGeom>
-        </p:spPr>
-      </p:pic>
-      <p:pic>
-        <p:nvPicPr>
-          <p:cNvPr id="9" name="Picture 8">
-            <a:extLst>
-              <a:ext uri="{FF2B5EF4-FFF2-40B4-BE49-F238E27FC236}">
-                <a16:creationId xmlns:a16="http://schemas.microsoft.com/office/drawing/2014/main" id="{18E4AA23-1CC3-B34A-B741-ADD22B489A2C}"/>
-              </a:ext>
-            </a:extLst>
-          </p:cNvPr>
-          <p:cNvPicPr>
-            <a:picLocks noChangeAspect="1"/>
-          </p:cNvPicPr>
-          <p:nvPr/>
-        </p:nvPicPr>
-        <p:blipFill>
-          <a:blip r:embed="rId5"/>
-          <a:stretch>
-            <a:fillRect/>
-          </a:stretch>
-        </p:blipFill>
-        <p:spPr>
-          <a:xfrm>
-            <a:off x="2417232" y="4249696"/>
-            <a:ext cx="1853892" cy="1022239"/>
-          </a:xfrm>
-          <a:prstGeom prst="rect">
-            <a:avLst/>
-          </a:prstGeom>
-        </p:spPr>
-      </p:pic>
-      <p:sp>
-        <p:nvSpPr>
-          <p:cNvPr id="10" name="TextBox 9">
-            <a:extLst>
-              <a:ext uri="{FF2B5EF4-FFF2-40B4-BE49-F238E27FC236}">
-                <a16:creationId xmlns:a16="http://schemas.microsoft.com/office/drawing/2014/main" id="{88C18817-2061-FB4A-8F3F-2461DA954A2C}"/>
-              </a:ext>
-            </a:extLst>
-          </p:cNvPr>
-          <p:cNvSpPr txBox="1"/>
-          <p:nvPr/>
-        </p:nvSpPr>
-        <p:spPr>
-          <a:xfrm>
-            <a:off x="3163055" y="3326366"/>
-            <a:ext cx="214809" cy="923330"/>
-          </a:xfrm>
-          <a:prstGeom prst="rect">
-            <a:avLst/>
-          </a:prstGeom>
-          <a:noFill/>
-        </p:spPr>
-        <p:txBody>
-          <a:bodyPr wrap="square" rtlCol="0">
-            <a:spAutoFit/>
-          </a:bodyPr>
-          <a:lstStyle/>
-          <a:p>
-            <a:r>
-              <a:rPr lang="en-US" dirty="0"/>
-              <a:t>.</a:t>
-            </a:r>
-            <a:br>
-              <a:rPr lang="en-US" dirty="0"/>
-            </a:br>
-            <a:r>
-              <a:rPr lang="en-US" dirty="0"/>
-              <a:t>.</a:t>
-            </a:r>
-            <a:br>
-              <a:rPr lang="en-US" dirty="0"/>
-            </a:br>
-            <a:r>
-              <a:rPr lang="en-US" dirty="0"/>
-              <a:t>.</a:t>
-            </a:r>
-          </a:p>
-        </p:txBody>
-      </p:sp>
-      <p:sp>
-        <p:nvSpPr>
-          <p:cNvPr id="16" name="Rectangle 15">
-            <a:extLst>
-              <a:ext uri="{FF2B5EF4-FFF2-40B4-BE49-F238E27FC236}">
-                <a16:creationId xmlns:a16="http://schemas.microsoft.com/office/drawing/2014/main" id="{5C0C3C7B-02F7-AD49-9AFB-FE49225DF489}"/>
-              </a:ext>
-            </a:extLst>
-          </p:cNvPr>
-          <p:cNvSpPr/>
-          <p:nvPr/>
-        </p:nvSpPr>
-        <p:spPr>
-          <a:xfrm>
-            <a:off x="2164466" y="781953"/>
-            <a:ext cx="2361235" cy="4919240"/>
-          </a:xfrm>
-          <a:prstGeom prst="rect">
-            <a:avLst/>
-          </a:prstGeom>
-          <a:noFill/>
-          <a:ln w="38100">
-            <a:solidFill>
-              <a:schemeClr val="bg2">
-                <a:lumMod val="50000"/>
-              </a:schemeClr>
-            </a:solidFill>
-          </a:ln>
-        </p:spPr>
-        <p:style>
-          <a:lnRef idx="2">
-            <a:schemeClr val="accent1">
-              <a:shade val="50000"/>
-            </a:schemeClr>
-          </a:lnRef>
-          <a:fillRef idx="1">
-            <a:schemeClr val="accent1"/>
-          </a:fillRef>
-          <a:effectRef idx="0">
-            <a:schemeClr val="accent1"/>
-          </a:effectRef>
-          <a:fontRef idx="minor">
-            <a:schemeClr val="lt1"/>
-          </a:fontRef>
-        </p:style>
-        <p:txBody>
-          <a:bodyPr rtlCol="0" anchor="ctr"/>
-          <a:lstStyle/>
-          <a:p>
-            <a:pPr algn="ctr"/>
-            <a:endParaRPr lang="en-US"/>
-          </a:p>
-        </p:txBody>
-      </p:sp>
-      <p:sp>
-        <p:nvSpPr>
-          <p:cNvPr id="18" name="Rectangle 17">
-            <a:extLst>
-              <a:ext uri="{FF2B5EF4-FFF2-40B4-BE49-F238E27FC236}">
-                <a16:creationId xmlns:a16="http://schemas.microsoft.com/office/drawing/2014/main" id="{4497B947-B1CF-4748-8FAA-A75D977EF729}"/>
-              </a:ext>
-            </a:extLst>
-          </p:cNvPr>
-          <p:cNvSpPr/>
-          <p:nvPr/>
-        </p:nvSpPr>
-        <p:spPr>
-          <a:xfrm>
-            <a:off x="2290849" y="661688"/>
-            <a:ext cx="2361235" cy="4919240"/>
-          </a:xfrm>
-          <a:prstGeom prst="rect">
-            <a:avLst/>
-          </a:prstGeom>
-          <a:noFill/>
-          <a:ln w="38100">
-            <a:solidFill>
-              <a:schemeClr val="bg2">
-                <a:lumMod val="50000"/>
-              </a:schemeClr>
-            </a:solidFill>
-          </a:ln>
-        </p:spPr>
-        <p:style>
-          <a:lnRef idx="2">
-            <a:schemeClr val="accent1">
-              <a:shade val="50000"/>
-            </a:schemeClr>
-          </a:lnRef>
-          <a:fillRef idx="1">
-            <a:schemeClr val="accent1"/>
-          </a:fillRef>
-          <a:effectRef idx="0">
-            <a:schemeClr val="accent1"/>
-          </a:effectRef>
-          <a:fontRef idx="minor">
-            <a:schemeClr val="lt1"/>
-          </a:fontRef>
-        </p:style>
-        <p:txBody>
-          <a:bodyPr rtlCol="0" anchor="ctr"/>
-          <a:lstStyle/>
-          <a:p>
-            <a:pPr algn="ctr"/>
-            <a:endParaRPr lang="en-US"/>
-          </a:p>
-        </p:txBody>
-      </p:sp>
-      <p:sp>
-        <p:nvSpPr>
-          <p:cNvPr id="19" name="Rectangle 18">
-            <a:extLst>
-              <a:ext uri="{FF2B5EF4-FFF2-40B4-BE49-F238E27FC236}">
-                <a16:creationId xmlns:a16="http://schemas.microsoft.com/office/drawing/2014/main" id="{ED32E79C-652F-D84C-8E11-AF5C60EB61B5}"/>
-              </a:ext>
-            </a:extLst>
-          </p:cNvPr>
-          <p:cNvSpPr/>
-          <p:nvPr/>
-        </p:nvSpPr>
-        <p:spPr>
-          <a:xfrm>
-            <a:off x="2417232" y="547871"/>
-            <a:ext cx="2361235" cy="4919240"/>
-          </a:xfrm>
-          <a:prstGeom prst="rect">
-            <a:avLst/>
-          </a:prstGeom>
-          <a:noFill/>
-          <a:ln w="38100">
-            <a:solidFill>
-              <a:schemeClr val="bg2">
-                <a:lumMod val="50000"/>
-              </a:schemeClr>
-            </a:solidFill>
-          </a:ln>
-        </p:spPr>
-        <p:style>
-          <a:lnRef idx="2">
-            <a:schemeClr val="accent1">
-              <a:shade val="50000"/>
-            </a:schemeClr>
-          </a:lnRef>
-          <a:fillRef idx="1">
-            <a:schemeClr val="accent1"/>
-          </a:fillRef>
-          <a:effectRef idx="0">
-            <a:schemeClr val="accent1"/>
-          </a:effectRef>
-          <a:fontRef idx="minor">
-            <a:schemeClr val="lt1"/>
-          </a:fontRef>
-        </p:style>
-        <p:txBody>
-          <a:bodyPr rtlCol="0" anchor="ctr"/>
-          <a:lstStyle/>
-          <a:p>
-            <a:pPr algn="ctr"/>
-            <a:endParaRPr lang="en-US"/>
-          </a:p>
-        </p:txBody>
-      </p:sp>
-      <p:sp>
-        <p:nvSpPr>
-          <p:cNvPr id="20" name="Rectangle 19">
-            <a:extLst>
-              <a:ext uri="{FF2B5EF4-FFF2-40B4-BE49-F238E27FC236}">
-                <a16:creationId xmlns:a16="http://schemas.microsoft.com/office/drawing/2014/main" id="{BAB1232D-34C6-7E4B-ADC0-1F7D9612CBFD}"/>
-              </a:ext>
-            </a:extLst>
-          </p:cNvPr>
-          <p:cNvSpPr/>
-          <p:nvPr/>
-        </p:nvSpPr>
-        <p:spPr>
-          <a:xfrm>
-            <a:off x="2038083" y="866746"/>
-            <a:ext cx="2361235" cy="4919240"/>
-          </a:xfrm>
-          <a:prstGeom prst="rect">
-            <a:avLst/>
-          </a:prstGeom>
-          <a:noFill/>
-          <a:ln w="38100">
-            <a:solidFill>
-              <a:schemeClr val="bg2">
-                <a:lumMod val="50000"/>
-              </a:schemeClr>
-            </a:solidFill>
-          </a:ln>
-        </p:spPr>
-        <p:style>
-          <a:lnRef idx="2">
-            <a:schemeClr val="accent1">
-              <a:shade val="50000"/>
-            </a:schemeClr>
-          </a:lnRef>
-          <a:fillRef idx="1">
-            <a:schemeClr val="accent1"/>
-          </a:fillRef>
-          <a:effectRef idx="0">
-            <a:schemeClr val="accent1"/>
-          </a:effectRef>
-          <a:fontRef idx="minor">
-            <a:schemeClr val="lt1"/>
-          </a:fontRef>
-        </p:style>
-        <p:txBody>
-          <a:bodyPr rtlCol="0" anchor="ctr"/>
-          <a:lstStyle/>
-          <a:p>
-            <a:pPr algn="ctr"/>
-            <a:endParaRPr lang="en-US"/>
-          </a:p>
-        </p:txBody>
-      </p:sp>
-      <p:sp>
-        <p:nvSpPr>
-          <p:cNvPr id="21" name="TextBox 20">
-            <a:extLst>
-              <a:ext uri="{FF2B5EF4-FFF2-40B4-BE49-F238E27FC236}">
-                <a16:creationId xmlns:a16="http://schemas.microsoft.com/office/drawing/2014/main" id="{89B21C50-4FFA-DD4B-953A-D0936DC26133}"/>
-              </a:ext>
-            </a:extLst>
-          </p:cNvPr>
-          <p:cNvSpPr txBox="1"/>
-          <p:nvPr/>
-        </p:nvSpPr>
-        <p:spPr>
-          <a:xfrm>
-            <a:off x="2834749" y="228475"/>
-            <a:ext cx="1086230" cy="276999"/>
-          </a:xfrm>
-          <a:prstGeom prst="rect">
-            <a:avLst/>
-          </a:prstGeom>
-          <a:noFill/>
-        </p:spPr>
-        <p:txBody>
-          <a:bodyPr wrap="square" rtlCol="0">
-            <a:spAutoFit/>
-          </a:bodyPr>
-          <a:lstStyle/>
-          <a:p>
-            <a:r>
-              <a:rPr lang="en-US" sz="1200" dirty="0"/>
-              <a:t>Graph Conv</a:t>
-            </a:r>
-          </a:p>
-        </p:txBody>
-      </p:sp>
-      <p:sp>
-        <p:nvSpPr>
-          <p:cNvPr id="23" name="TextBox 22">
-            <a:extLst>
-              <a:ext uri="{FF2B5EF4-FFF2-40B4-BE49-F238E27FC236}">
-                <a16:creationId xmlns:a16="http://schemas.microsoft.com/office/drawing/2014/main" id="{99B40CD4-16C2-C54B-B914-51253D9B4988}"/>
-              </a:ext>
-            </a:extLst>
-          </p:cNvPr>
-          <p:cNvSpPr txBox="1"/>
-          <p:nvPr/>
-        </p:nvSpPr>
-        <p:spPr>
-          <a:xfrm rot="16200000">
-            <a:off x="3851555" y="2807436"/>
-            <a:ext cx="2575182" cy="400110"/>
-          </a:xfrm>
-          <a:prstGeom prst="rect">
-            <a:avLst/>
-          </a:prstGeom>
-          <a:noFill/>
-        </p:spPr>
-        <p:txBody>
-          <a:bodyPr wrap="square" rtlCol="0">
-            <a:spAutoFit/>
-          </a:bodyPr>
-          <a:lstStyle/>
-          <a:p>
-            <a:r>
-              <a:rPr lang="en-US" sz="2000" dirty="0"/>
-              <a:t>Batch normalization</a:t>
-            </a:r>
-          </a:p>
-        </p:txBody>
-      </p:sp>
-      <p:pic>
-        <p:nvPicPr>
-          <p:cNvPr id="59" name="Picture 58">
-            <a:extLst>
-              <a:ext uri="{FF2B5EF4-FFF2-40B4-BE49-F238E27FC236}">
-                <a16:creationId xmlns:a16="http://schemas.microsoft.com/office/drawing/2014/main" id="{BAE55331-D7EE-F54E-958D-A276D9AFE545}"/>
-              </a:ext>
-            </a:extLst>
-          </p:cNvPr>
-          <p:cNvPicPr>
-            <a:picLocks noChangeAspect="1"/>
-          </p:cNvPicPr>
-          <p:nvPr/>
-        </p:nvPicPr>
-        <p:blipFill>
-          <a:blip r:embed="rId6"/>
-          <a:stretch>
-            <a:fillRect/>
-          </a:stretch>
-        </p:blipFill>
-        <p:spPr>
-          <a:xfrm>
-            <a:off x="5499825" y="4249696"/>
-            <a:ext cx="2055253" cy="1151322"/>
-          </a:xfrm>
-          <a:prstGeom prst="rect">
-            <a:avLst/>
-          </a:prstGeom>
-        </p:spPr>
-      </p:pic>
-      <p:pic>
-        <p:nvPicPr>
-          <p:cNvPr id="61" name="Picture 60">
-            <a:extLst>
-              <a:ext uri="{FF2B5EF4-FFF2-40B4-BE49-F238E27FC236}">
-                <a16:creationId xmlns:a16="http://schemas.microsoft.com/office/drawing/2014/main" id="{755C1022-F64B-0148-A008-6761C06091EE}"/>
-              </a:ext>
-            </a:extLst>
-          </p:cNvPr>
-          <p:cNvPicPr>
-            <a:picLocks noChangeAspect="1"/>
-          </p:cNvPicPr>
-          <p:nvPr/>
-        </p:nvPicPr>
-        <p:blipFill>
-          <a:blip r:embed="rId7"/>
-          <a:stretch>
-            <a:fillRect/>
-          </a:stretch>
-        </p:blipFill>
-        <p:spPr>
-          <a:xfrm>
-            <a:off x="5491266" y="2182590"/>
-            <a:ext cx="1893654" cy="1031286"/>
-          </a:xfrm>
-          <a:prstGeom prst="rect">
-            <a:avLst/>
-          </a:prstGeom>
-        </p:spPr>
-      </p:pic>
-      <p:pic>
-        <p:nvPicPr>
-          <p:cNvPr id="63" name="Picture 62">
-            <a:extLst>
-              <a:ext uri="{FF2B5EF4-FFF2-40B4-BE49-F238E27FC236}">
-                <a16:creationId xmlns:a16="http://schemas.microsoft.com/office/drawing/2014/main" id="{66EC1989-31D6-094B-B39E-A09E6245A7E5}"/>
-              </a:ext>
-            </a:extLst>
-          </p:cNvPr>
-          <p:cNvPicPr>
-            <a:picLocks noChangeAspect="1"/>
-          </p:cNvPicPr>
-          <p:nvPr/>
-        </p:nvPicPr>
-        <p:blipFill>
-          <a:blip r:embed="rId8"/>
-          <a:stretch>
-            <a:fillRect/>
-          </a:stretch>
-        </p:blipFill>
-        <p:spPr>
-          <a:xfrm>
-            <a:off x="5481080" y="685238"/>
-            <a:ext cx="1901958" cy="1110957"/>
-          </a:xfrm>
-          <a:prstGeom prst="rect">
-            <a:avLst/>
-          </a:prstGeom>
-        </p:spPr>
-      </p:pic>
-      <p:cxnSp>
-        <p:nvCxnSpPr>
-          <p:cNvPr id="65" name="Straight Arrow Connector 64">
-            <a:extLst>
-              <a:ext uri="{FF2B5EF4-FFF2-40B4-BE49-F238E27FC236}">
-                <a16:creationId xmlns:a16="http://schemas.microsoft.com/office/drawing/2014/main" id="{F4F23EC3-201C-2647-99AC-8D7C21517351}"/>
-              </a:ext>
-            </a:extLst>
-          </p:cNvPr>
-          <p:cNvCxnSpPr>
-            <a:cxnSpLocks/>
-          </p:cNvCxnSpPr>
-          <p:nvPr/>
-        </p:nvCxnSpPr>
-        <p:spPr>
-          <a:xfrm>
-            <a:off x="5671595" y="1359273"/>
-            <a:ext cx="208345" cy="236837"/>
-          </a:xfrm>
-          <a:prstGeom prst="straightConnector1">
-            <a:avLst/>
-          </a:prstGeom>
-          <a:ln>
-            <a:solidFill>
-              <a:srgbClr val="942092"/>
-            </a:solidFill>
-            <a:prstDash val="sysDash"/>
-            <a:tailEnd type="triangle"/>
-          </a:ln>
-        </p:spPr>
-        <p:style>
-          <a:lnRef idx="2">
-            <a:schemeClr val="accent6"/>
-          </a:lnRef>
-          <a:fillRef idx="0">
-            <a:schemeClr val="accent6"/>
-          </a:fillRef>
-          <a:effectRef idx="1">
-            <a:schemeClr val="accent6"/>
-          </a:effectRef>
-          <a:fontRef idx="minor">
-            <a:schemeClr val="tx1"/>
-          </a:fontRef>
-        </p:style>
-      </p:cxnSp>
-      <p:cxnSp>
-        <p:nvCxnSpPr>
-          <p:cNvPr id="70" name="Straight Arrow Connector 69">
-            <a:extLst>
-              <a:ext uri="{FF2B5EF4-FFF2-40B4-BE49-F238E27FC236}">
-                <a16:creationId xmlns:a16="http://schemas.microsoft.com/office/drawing/2014/main" id="{DF99D847-32E2-2D44-9FEA-18F72B1D2E38}"/>
-              </a:ext>
-            </a:extLst>
-          </p:cNvPr>
-          <p:cNvCxnSpPr>
-            <a:cxnSpLocks/>
-          </p:cNvCxnSpPr>
-          <p:nvPr/>
-        </p:nvCxnSpPr>
-        <p:spPr>
-          <a:xfrm flipH="1">
-            <a:off x="6070455" y="1638966"/>
-            <a:ext cx="589377" cy="23842"/>
-          </a:xfrm>
-          <a:prstGeom prst="straightConnector1">
-            <a:avLst/>
-          </a:prstGeom>
-          <a:ln>
-            <a:solidFill>
-              <a:srgbClr val="FF9B00"/>
-            </a:solidFill>
-            <a:prstDash val="sysDash"/>
-            <a:tailEnd type="triangle"/>
-          </a:ln>
-        </p:spPr>
-        <p:style>
-          <a:lnRef idx="2">
-            <a:schemeClr val="accent6"/>
-          </a:lnRef>
-          <a:fillRef idx="0">
-            <a:schemeClr val="accent6"/>
-          </a:fillRef>
-          <a:effectRef idx="1">
-            <a:schemeClr val="accent6"/>
-          </a:effectRef>
-          <a:fontRef idx="minor">
-            <a:schemeClr val="tx1"/>
-          </a:fontRef>
-        </p:style>
-      </p:cxnSp>
-      <p:cxnSp>
-        <p:nvCxnSpPr>
-          <p:cNvPr id="71" name="Straight Arrow Connector 70">
-            <a:extLst>
-              <a:ext uri="{FF2B5EF4-FFF2-40B4-BE49-F238E27FC236}">
-                <a16:creationId xmlns:a16="http://schemas.microsoft.com/office/drawing/2014/main" id="{FE4CF27F-C5B9-6D4E-A84C-2080F9021B84}"/>
-              </a:ext>
-            </a:extLst>
-          </p:cNvPr>
-          <p:cNvCxnSpPr>
-            <a:cxnSpLocks/>
-          </p:cNvCxnSpPr>
-          <p:nvPr/>
-        </p:nvCxnSpPr>
-        <p:spPr>
-          <a:xfrm flipH="1">
-            <a:off x="6070455" y="1047657"/>
-            <a:ext cx="608137" cy="591309"/>
-          </a:xfrm>
-          <a:prstGeom prst="straightConnector1">
-            <a:avLst/>
-          </a:prstGeom>
-          <a:ln>
-            <a:solidFill>
-              <a:srgbClr val="FF9B00"/>
-            </a:solidFill>
-            <a:prstDash val="sysDash"/>
-            <a:tailEnd type="triangle"/>
-          </a:ln>
-        </p:spPr>
-        <p:style>
-          <a:lnRef idx="2">
-            <a:schemeClr val="accent6"/>
-          </a:lnRef>
-          <a:fillRef idx="0">
-            <a:schemeClr val="accent6"/>
-          </a:fillRef>
-          <a:effectRef idx="1">
-            <a:schemeClr val="accent6"/>
-          </a:effectRef>
-          <a:fontRef idx="minor">
-            <a:schemeClr val="tx1"/>
-          </a:fontRef>
-        </p:style>
-      </p:cxnSp>
-      <p:cxnSp>
-        <p:nvCxnSpPr>
-          <p:cNvPr id="80" name="Straight Arrow Connector 79">
-            <a:extLst>
-              <a:ext uri="{FF2B5EF4-FFF2-40B4-BE49-F238E27FC236}">
-                <a16:creationId xmlns:a16="http://schemas.microsoft.com/office/drawing/2014/main" id="{CC43AFB4-78A3-1E49-88CA-F5AC46B9C118}"/>
-              </a:ext>
-            </a:extLst>
-          </p:cNvPr>
-          <p:cNvCxnSpPr>
-            <a:cxnSpLocks/>
-          </p:cNvCxnSpPr>
-          <p:nvPr/>
-        </p:nvCxnSpPr>
-        <p:spPr>
-          <a:xfrm>
-            <a:off x="5671595" y="1359273"/>
-            <a:ext cx="208345" cy="236837"/>
-          </a:xfrm>
-          <a:prstGeom prst="straightConnector1">
-            <a:avLst/>
-          </a:prstGeom>
-          <a:ln>
-            <a:solidFill>
-              <a:srgbClr val="FF9B00"/>
-            </a:solidFill>
-            <a:prstDash val="sysDash"/>
-            <a:tailEnd type="triangle"/>
-          </a:ln>
-        </p:spPr>
-        <p:style>
-          <a:lnRef idx="2">
-            <a:schemeClr val="accent6"/>
-          </a:lnRef>
-          <a:fillRef idx="0">
-            <a:schemeClr val="accent6"/>
-          </a:fillRef>
-          <a:effectRef idx="1">
-            <a:schemeClr val="accent6"/>
-          </a:effectRef>
-          <a:fontRef idx="minor">
-            <a:schemeClr val="tx1"/>
-          </a:fontRef>
-        </p:style>
-      </p:cxnSp>
-      <p:cxnSp>
-        <p:nvCxnSpPr>
-          <p:cNvPr id="81" name="Straight Arrow Connector 80">
-            <a:extLst>
-              <a:ext uri="{FF2B5EF4-FFF2-40B4-BE49-F238E27FC236}">
-                <a16:creationId xmlns:a16="http://schemas.microsoft.com/office/drawing/2014/main" id="{0D699D28-6BEA-A640-9D01-2D32F02792C0}"/>
-              </a:ext>
-            </a:extLst>
-          </p:cNvPr>
-          <p:cNvCxnSpPr>
-            <a:cxnSpLocks/>
-          </p:cNvCxnSpPr>
-          <p:nvPr/>
-        </p:nvCxnSpPr>
-        <p:spPr>
-          <a:xfrm flipH="1">
-            <a:off x="6043307" y="1010267"/>
-            <a:ext cx="28642" cy="548453"/>
-          </a:xfrm>
-          <a:prstGeom prst="straightConnector1">
-            <a:avLst/>
-          </a:prstGeom>
-          <a:ln>
-            <a:solidFill>
-              <a:srgbClr val="FF9B00"/>
-            </a:solidFill>
-            <a:prstDash val="sysDash"/>
-            <a:tailEnd type="triangle"/>
-          </a:ln>
-        </p:spPr>
-        <p:style>
-          <a:lnRef idx="2">
-            <a:schemeClr val="accent6"/>
-          </a:lnRef>
-          <a:fillRef idx="0">
-            <a:schemeClr val="accent6"/>
-          </a:fillRef>
-          <a:effectRef idx="1">
-            <a:schemeClr val="accent6"/>
-          </a:effectRef>
-          <a:fontRef idx="minor">
-            <a:schemeClr val="tx1"/>
-          </a:fontRef>
-        </p:style>
-      </p:cxnSp>
-      <p:cxnSp>
-        <p:nvCxnSpPr>
-          <p:cNvPr id="83" name="Straight Arrow Connector 82">
-            <a:extLst>
-              <a:ext uri="{FF2B5EF4-FFF2-40B4-BE49-F238E27FC236}">
-                <a16:creationId xmlns:a16="http://schemas.microsoft.com/office/drawing/2014/main" id="{5440B90E-1C51-6546-9AE3-4816BD545853}"/>
-              </a:ext>
-            </a:extLst>
-          </p:cNvPr>
-          <p:cNvCxnSpPr>
-            <a:cxnSpLocks/>
-          </p:cNvCxnSpPr>
-          <p:nvPr/>
-        </p:nvCxnSpPr>
-        <p:spPr>
-          <a:xfrm flipH="1">
-            <a:off x="6070456" y="1477691"/>
-            <a:ext cx="1050063" cy="148324"/>
-          </a:xfrm>
-          <a:prstGeom prst="straightConnector1">
-            <a:avLst/>
-          </a:prstGeom>
-          <a:ln>
-            <a:solidFill>
-              <a:srgbClr val="FF9B00"/>
-            </a:solidFill>
-            <a:prstDash val="sysDash"/>
-            <a:tailEnd type="triangle"/>
-          </a:ln>
-        </p:spPr>
-        <p:style>
-          <a:lnRef idx="2">
-            <a:schemeClr val="accent6"/>
-          </a:lnRef>
-          <a:fillRef idx="0">
-            <a:schemeClr val="accent6"/>
-          </a:fillRef>
-          <a:effectRef idx="1">
-            <a:schemeClr val="accent6"/>
-          </a:effectRef>
-          <a:fontRef idx="minor">
-            <a:schemeClr val="tx1"/>
-          </a:fontRef>
-        </p:style>
-      </p:cxnSp>
-      <p:cxnSp>
-        <p:nvCxnSpPr>
-          <p:cNvPr id="91" name="Straight Arrow Connector 90">
-            <a:extLst>
-              <a:ext uri="{FF2B5EF4-FFF2-40B4-BE49-F238E27FC236}">
-                <a16:creationId xmlns:a16="http://schemas.microsoft.com/office/drawing/2014/main" id="{BDC0AE9F-C415-F84D-85C1-BE7779A5DC70}"/>
-              </a:ext>
-            </a:extLst>
-          </p:cNvPr>
-          <p:cNvCxnSpPr>
-            <a:cxnSpLocks/>
-          </p:cNvCxnSpPr>
-          <p:nvPr/>
-        </p:nvCxnSpPr>
-        <p:spPr>
-          <a:xfrm flipH="1" flipV="1">
-            <a:off x="5775767" y="2698233"/>
-            <a:ext cx="1344752" cy="185730"/>
-          </a:xfrm>
-          <a:prstGeom prst="straightConnector1">
-            <a:avLst/>
-          </a:prstGeom>
-          <a:ln>
-            <a:solidFill>
-              <a:srgbClr val="FF9B00"/>
-            </a:solidFill>
-            <a:prstDash val="sysDash"/>
-            <a:tailEnd type="triangle"/>
-          </a:ln>
-        </p:spPr>
-        <p:style>
-          <a:lnRef idx="2">
-            <a:schemeClr val="accent6"/>
-          </a:lnRef>
-          <a:fillRef idx="0">
-            <a:schemeClr val="accent6"/>
-          </a:fillRef>
-          <a:effectRef idx="1">
-            <a:schemeClr val="accent6"/>
-          </a:effectRef>
-          <a:fontRef idx="minor">
-            <a:schemeClr val="tx1"/>
-          </a:fontRef>
-        </p:style>
-      </p:cxnSp>
-      <p:cxnSp>
-        <p:nvCxnSpPr>
-          <p:cNvPr id="96" name="Straight Arrow Connector 95">
-            <a:extLst>
-              <a:ext uri="{FF2B5EF4-FFF2-40B4-BE49-F238E27FC236}">
-                <a16:creationId xmlns:a16="http://schemas.microsoft.com/office/drawing/2014/main" id="{BBCF27D2-CF68-654F-AD6E-7E0ED76BCFF5}"/>
-              </a:ext>
-            </a:extLst>
-          </p:cNvPr>
-          <p:cNvCxnSpPr>
-            <a:cxnSpLocks/>
-          </p:cNvCxnSpPr>
-          <p:nvPr/>
-        </p:nvCxnSpPr>
-        <p:spPr>
-          <a:xfrm flipH="1">
-            <a:off x="5764192" y="2431419"/>
-            <a:ext cx="884065" cy="230416"/>
-          </a:xfrm>
-          <a:prstGeom prst="straightConnector1">
-            <a:avLst/>
-          </a:prstGeom>
-          <a:ln>
-            <a:solidFill>
-              <a:srgbClr val="FF9B00"/>
-            </a:solidFill>
-            <a:prstDash val="sysDash"/>
-            <a:tailEnd type="triangle"/>
-          </a:ln>
-        </p:spPr>
-        <p:style>
-          <a:lnRef idx="2">
-            <a:schemeClr val="accent6"/>
-          </a:lnRef>
-          <a:fillRef idx="0">
-            <a:schemeClr val="accent6"/>
-          </a:fillRef>
-          <a:effectRef idx="1">
-            <a:schemeClr val="accent6"/>
-          </a:effectRef>
-          <a:fontRef idx="minor">
-            <a:schemeClr val="tx1"/>
-          </a:fontRef>
-        </p:style>
-      </p:cxnSp>
-      <p:cxnSp>
-        <p:nvCxnSpPr>
-          <p:cNvPr id="100" name="Straight Arrow Connector 99">
-            <a:extLst>
-              <a:ext uri="{FF2B5EF4-FFF2-40B4-BE49-F238E27FC236}">
-                <a16:creationId xmlns:a16="http://schemas.microsoft.com/office/drawing/2014/main" id="{FFFBDE81-506E-E94E-91A4-F95B4EB8032F}"/>
-              </a:ext>
-            </a:extLst>
-          </p:cNvPr>
-          <p:cNvCxnSpPr>
-            <a:cxnSpLocks/>
-          </p:cNvCxnSpPr>
-          <p:nvPr/>
-        </p:nvCxnSpPr>
-        <p:spPr>
-          <a:xfrm flipH="1">
-            <a:off x="5628528" y="2418468"/>
-            <a:ext cx="251412" cy="170180"/>
-          </a:xfrm>
-          <a:prstGeom prst="straightConnector1">
-            <a:avLst/>
-          </a:prstGeom>
-          <a:ln>
-            <a:solidFill>
-              <a:srgbClr val="FF9B00"/>
-            </a:solidFill>
-            <a:prstDash val="sysDash"/>
-            <a:tailEnd type="triangle"/>
-          </a:ln>
-        </p:spPr>
-        <p:style>
-          <a:lnRef idx="2">
-            <a:schemeClr val="accent6"/>
-          </a:lnRef>
-          <a:fillRef idx="0">
-            <a:schemeClr val="accent6"/>
-          </a:fillRef>
-          <a:effectRef idx="1">
-            <a:schemeClr val="accent6"/>
-          </a:effectRef>
-          <a:fontRef idx="minor">
-            <a:schemeClr val="tx1"/>
-          </a:fontRef>
-        </p:style>
-      </p:cxnSp>
-      <p:cxnSp>
-        <p:nvCxnSpPr>
-          <p:cNvPr id="103" name="Straight Arrow Connector 102">
-            <a:extLst>
-              <a:ext uri="{FF2B5EF4-FFF2-40B4-BE49-F238E27FC236}">
-                <a16:creationId xmlns:a16="http://schemas.microsoft.com/office/drawing/2014/main" id="{25103BE1-AD2B-6E43-9343-900D5C2FA2CE}"/>
-              </a:ext>
-            </a:extLst>
-          </p:cNvPr>
-          <p:cNvCxnSpPr>
-            <a:cxnSpLocks/>
-          </p:cNvCxnSpPr>
-          <p:nvPr/>
-        </p:nvCxnSpPr>
-        <p:spPr>
-          <a:xfrm flipH="1" flipV="1">
-            <a:off x="5764192" y="2698233"/>
-            <a:ext cx="221240" cy="259702"/>
-          </a:xfrm>
-          <a:prstGeom prst="straightConnector1">
-            <a:avLst/>
-          </a:prstGeom>
-          <a:ln>
-            <a:solidFill>
-              <a:srgbClr val="FF9B00"/>
-            </a:solidFill>
-            <a:prstDash val="sysDash"/>
-            <a:tailEnd type="triangle"/>
-          </a:ln>
-        </p:spPr>
-        <p:style>
-          <a:lnRef idx="2">
-            <a:schemeClr val="accent6"/>
-          </a:lnRef>
-          <a:fillRef idx="0">
-            <a:schemeClr val="accent6"/>
-          </a:fillRef>
-          <a:effectRef idx="1">
-            <a:schemeClr val="accent6"/>
-          </a:effectRef>
-          <a:fontRef idx="minor">
-            <a:schemeClr val="tx1"/>
-          </a:fontRef>
-        </p:style>
-      </p:cxnSp>
-      <p:cxnSp>
-        <p:nvCxnSpPr>
-          <p:cNvPr id="109" name="Straight Arrow Connector 108">
-            <a:extLst>
-              <a:ext uri="{FF2B5EF4-FFF2-40B4-BE49-F238E27FC236}">
-                <a16:creationId xmlns:a16="http://schemas.microsoft.com/office/drawing/2014/main" id="{E12FB379-F449-EA42-BF8A-9ED0FA81F9D7}"/>
-              </a:ext>
-            </a:extLst>
-          </p:cNvPr>
-          <p:cNvCxnSpPr>
-            <a:cxnSpLocks/>
-          </p:cNvCxnSpPr>
-          <p:nvPr/>
-        </p:nvCxnSpPr>
-        <p:spPr>
-          <a:xfrm flipH="1" flipV="1">
-            <a:off x="5775767" y="2714048"/>
-            <a:ext cx="819721" cy="390243"/>
-          </a:xfrm>
-          <a:prstGeom prst="straightConnector1">
-            <a:avLst/>
-          </a:prstGeom>
-          <a:ln>
-            <a:solidFill>
-              <a:srgbClr val="FF9B00"/>
-            </a:solidFill>
-            <a:prstDash val="sysDash"/>
-            <a:tailEnd type="triangle"/>
-          </a:ln>
-        </p:spPr>
-        <p:style>
-          <a:lnRef idx="2">
-            <a:schemeClr val="accent6"/>
-          </a:lnRef>
-          <a:fillRef idx="0">
-            <a:schemeClr val="accent6"/>
-          </a:fillRef>
-          <a:effectRef idx="1">
-            <a:schemeClr val="accent6"/>
-          </a:effectRef>
-          <a:fontRef idx="minor">
-            <a:schemeClr val="tx1"/>
-          </a:fontRef>
-        </p:style>
-      </p:cxnSp>
-      <p:cxnSp>
-        <p:nvCxnSpPr>
-          <p:cNvPr id="112" name="Straight Arrow Connector 111">
-            <a:extLst>
-              <a:ext uri="{FF2B5EF4-FFF2-40B4-BE49-F238E27FC236}">
-                <a16:creationId xmlns:a16="http://schemas.microsoft.com/office/drawing/2014/main" id="{C8757E9D-6280-A741-BD8E-5EF5E641D0C7}"/>
-              </a:ext>
-            </a:extLst>
-          </p:cNvPr>
-          <p:cNvCxnSpPr>
-            <a:cxnSpLocks/>
-          </p:cNvCxnSpPr>
-          <p:nvPr/>
-        </p:nvCxnSpPr>
-        <p:spPr>
-          <a:xfrm>
-            <a:off x="6185627" y="4537277"/>
-            <a:ext cx="1083274" cy="462986"/>
-          </a:xfrm>
-          <a:prstGeom prst="straightConnector1">
-            <a:avLst/>
-          </a:prstGeom>
-          <a:ln>
-            <a:solidFill>
-              <a:srgbClr val="FF9B00"/>
-            </a:solidFill>
-            <a:prstDash val="sysDash"/>
-            <a:tailEnd type="triangle"/>
-          </a:ln>
-        </p:spPr>
-        <p:style>
-          <a:lnRef idx="2">
-            <a:schemeClr val="accent6"/>
-          </a:lnRef>
-          <a:fillRef idx="0">
-            <a:schemeClr val="accent6"/>
-          </a:fillRef>
-          <a:effectRef idx="1">
-            <a:schemeClr val="accent6"/>
-          </a:effectRef>
-          <a:fontRef idx="minor">
-            <a:schemeClr val="tx1"/>
-          </a:fontRef>
-        </p:style>
-      </p:cxnSp>
-      <p:cxnSp>
-        <p:nvCxnSpPr>
-          <p:cNvPr id="115" name="Straight Arrow Connector 114">
-            <a:extLst>
-              <a:ext uri="{FF2B5EF4-FFF2-40B4-BE49-F238E27FC236}">
-                <a16:creationId xmlns:a16="http://schemas.microsoft.com/office/drawing/2014/main" id="{A2F7927B-908B-0C4B-A878-165F5529D480}"/>
-              </a:ext>
-            </a:extLst>
-          </p:cNvPr>
-          <p:cNvCxnSpPr>
-            <a:cxnSpLocks/>
-          </p:cNvCxnSpPr>
-          <p:nvPr/>
-        </p:nvCxnSpPr>
-        <p:spPr>
-          <a:xfrm>
-            <a:off x="6870353" y="4537277"/>
-            <a:ext cx="400474" cy="430186"/>
-          </a:xfrm>
-          <a:prstGeom prst="straightConnector1">
-            <a:avLst/>
-          </a:prstGeom>
-          <a:ln>
-            <a:solidFill>
-              <a:srgbClr val="FF9B00"/>
-            </a:solidFill>
-            <a:prstDash val="sysDash"/>
-            <a:tailEnd type="triangle"/>
-          </a:ln>
-        </p:spPr>
-        <p:style>
-          <a:lnRef idx="2">
-            <a:schemeClr val="accent6"/>
-          </a:lnRef>
-          <a:fillRef idx="0">
-            <a:schemeClr val="accent6"/>
-          </a:fillRef>
-          <a:effectRef idx="1">
-            <a:schemeClr val="accent6"/>
-          </a:effectRef>
-          <a:fontRef idx="minor">
-            <a:schemeClr val="tx1"/>
-          </a:fontRef>
-        </p:style>
-      </p:cxnSp>
-      <p:cxnSp>
-        <p:nvCxnSpPr>
-          <p:cNvPr id="117" name="Straight Arrow Connector 116">
-            <a:extLst>
-              <a:ext uri="{FF2B5EF4-FFF2-40B4-BE49-F238E27FC236}">
-                <a16:creationId xmlns:a16="http://schemas.microsoft.com/office/drawing/2014/main" id="{E6D0E025-2E25-8B47-9AA8-64D3AD546F0D}"/>
-              </a:ext>
-            </a:extLst>
-          </p:cNvPr>
-          <p:cNvCxnSpPr>
-            <a:cxnSpLocks/>
-          </p:cNvCxnSpPr>
-          <p:nvPr/>
-        </p:nvCxnSpPr>
-        <p:spPr>
-          <a:xfrm>
-            <a:off x="5775767" y="4800117"/>
-            <a:ext cx="1493134" cy="240650"/>
-          </a:xfrm>
-          <a:prstGeom prst="straightConnector1">
-            <a:avLst/>
-          </a:prstGeom>
-          <a:ln>
-            <a:solidFill>
-              <a:srgbClr val="FF9B00"/>
-            </a:solidFill>
-            <a:prstDash val="sysDash"/>
-            <a:tailEnd type="triangle"/>
-          </a:ln>
-        </p:spPr>
-        <p:style>
-          <a:lnRef idx="2">
-            <a:schemeClr val="accent6"/>
-          </a:lnRef>
-          <a:fillRef idx="0">
-            <a:schemeClr val="accent6"/>
-          </a:fillRef>
-          <a:effectRef idx="1">
-            <a:schemeClr val="accent6"/>
-          </a:effectRef>
-          <a:fontRef idx="minor">
-            <a:schemeClr val="tx1"/>
-          </a:fontRef>
-        </p:style>
-      </p:cxnSp>
-      <p:cxnSp>
-        <p:nvCxnSpPr>
-          <p:cNvPr id="121" name="Straight Arrow Connector 120">
-            <a:extLst>
-              <a:ext uri="{FF2B5EF4-FFF2-40B4-BE49-F238E27FC236}">
-                <a16:creationId xmlns:a16="http://schemas.microsoft.com/office/drawing/2014/main" id="{64D3848C-888E-654D-B45A-DAB9B9A76D9E}"/>
-              </a:ext>
-            </a:extLst>
-          </p:cNvPr>
-          <p:cNvCxnSpPr>
-            <a:cxnSpLocks/>
-          </p:cNvCxnSpPr>
-          <p:nvPr/>
-        </p:nvCxnSpPr>
-        <p:spPr>
-          <a:xfrm flipV="1">
-            <a:off x="6183701" y="5040767"/>
-            <a:ext cx="1085200" cy="74569"/>
-          </a:xfrm>
-          <a:prstGeom prst="straightConnector1">
-            <a:avLst/>
-          </a:prstGeom>
-          <a:ln>
-            <a:solidFill>
-              <a:srgbClr val="FF9B00"/>
-            </a:solidFill>
-            <a:prstDash val="sysDash"/>
-            <a:tailEnd type="triangle"/>
-          </a:ln>
-        </p:spPr>
-        <p:style>
-          <a:lnRef idx="2">
-            <a:schemeClr val="accent6"/>
-          </a:lnRef>
-          <a:fillRef idx="0">
-            <a:schemeClr val="accent6"/>
-          </a:fillRef>
-          <a:effectRef idx="1">
-            <a:schemeClr val="accent6"/>
-          </a:effectRef>
-          <a:fontRef idx="minor">
-            <a:schemeClr val="tx1"/>
-          </a:fontRef>
-        </p:style>
-      </p:cxnSp>
-      <p:cxnSp>
-        <p:nvCxnSpPr>
-          <p:cNvPr id="124" name="Straight Arrow Connector 123">
-            <a:extLst>
-              <a:ext uri="{FF2B5EF4-FFF2-40B4-BE49-F238E27FC236}">
-                <a16:creationId xmlns:a16="http://schemas.microsoft.com/office/drawing/2014/main" id="{BCBE6E5F-4815-8340-BB52-C6A82EA5E19C}"/>
-              </a:ext>
-            </a:extLst>
-          </p:cNvPr>
-          <p:cNvCxnSpPr>
-            <a:cxnSpLocks/>
-          </p:cNvCxnSpPr>
-          <p:nvPr/>
-        </p:nvCxnSpPr>
-        <p:spPr>
-          <a:xfrm flipV="1">
-            <a:off x="6991254" y="5075492"/>
-            <a:ext cx="254497" cy="111896"/>
-          </a:xfrm>
-          <a:prstGeom prst="straightConnector1">
-            <a:avLst/>
-          </a:prstGeom>
-          <a:ln>
-            <a:solidFill>
-              <a:srgbClr val="FF9B00"/>
-            </a:solidFill>
-            <a:prstDash val="sysDash"/>
-            <a:tailEnd type="triangle"/>
-          </a:ln>
-        </p:spPr>
-        <p:style>
-          <a:lnRef idx="2">
-            <a:schemeClr val="accent6"/>
-          </a:lnRef>
-          <a:fillRef idx="0">
-            <a:schemeClr val="accent6"/>
-          </a:fillRef>
-          <a:effectRef idx="1">
-            <a:schemeClr val="accent6"/>
-          </a:effectRef>
-          <a:fontRef idx="minor">
-            <a:schemeClr val="tx1"/>
-          </a:fontRef>
-        </p:style>
-      </p:cxnSp>
-      <p:sp>
-        <p:nvSpPr>
-          <p:cNvPr id="127" name="TextBox 126">
-            <a:extLst>
-              <a:ext uri="{FF2B5EF4-FFF2-40B4-BE49-F238E27FC236}">
-                <a16:creationId xmlns:a16="http://schemas.microsoft.com/office/drawing/2014/main" id="{CAB1B90E-A775-E34F-9A24-28A6271C9F27}"/>
-              </a:ext>
-            </a:extLst>
-          </p:cNvPr>
-          <p:cNvSpPr txBox="1"/>
-          <p:nvPr/>
-        </p:nvSpPr>
-        <p:spPr>
-          <a:xfrm>
-            <a:off x="6365143" y="3250274"/>
-            <a:ext cx="214809" cy="923330"/>
-          </a:xfrm>
-          <a:prstGeom prst="rect">
-            <a:avLst/>
-          </a:prstGeom>
-          <a:noFill/>
-        </p:spPr>
-        <p:txBody>
-          <a:bodyPr wrap="square" rtlCol="0">
-            <a:spAutoFit/>
-          </a:bodyPr>
-          <a:lstStyle/>
-          <a:p>
-            <a:r>
-              <a:rPr lang="en-US" dirty="0"/>
-              <a:t>.</a:t>
-            </a:r>
-            <a:br>
-              <a:rPr lang="en-US" dirty="0"/>
-            </a:br>
-            <a:r>
-              <a:rPr lang="en-US" dirty="0"/>
-              <a:t>.</a:t>
-            </a:r>
-            <a:br>
-              <a:rPr lang="en-US" dirty="0"/>
-            </a:br>
-            <a:r>
-              <a:rPr lang="en-US" dirty="0"/>
-              <a:t>.</a:t>
-            </a:r>
-          </a:p>
-        </p:txBody>
-      </p:sp>
-      <p:sp>
-        <p:nvSpPr>
-          <p:cNvPr id="128" name="Rectangle 127">
-            <a:extLst>
-              <a:ext uri="{FF2B5EF4-FFF2-40B4-BE49-F238E27FC236}">
-                <a16:creationId xmlns:a16="http://schemas.microsoft.com/office/drawing/2014/main" id="{90E16E16-1823-0A4B-86D8-AC737515AE6C}"/>
-              </a:ext>
-            </a:extLst>
-          </p:cNvPr>
-          <p:cNvSpPr/>
-          <p:nvPr/>
-        </p:nvSpPr>
-        <p:spPr>
-          <a:xfrm>
-            <a:off x="5341716" y="547871"/>
-            <a:ext cx="2361235" cy="5238115"/>
-          </a:xfrm>
-          <a:prstGeom prst="rect">
-            <a:avLst/>
-          </a:prstGeom>
-          <a:noFill/>
-          <a:ln w="38100">
-            <a:solidFill>
-              <a:schemeClr val="bg2">
-                <a:lumMod val="50000"/>
-              </a:schemeClr>
-            </a:solidFill>
-          </a:ln>
-        </p:spPr>
-        <p:style>
-          <a:lnRef idx="2">
-            <a:schemeClr val="accent1">
-              <a:shade val="50000"/>
-            </a:schemeClr>
-          </a:lnRef>
-          <a:fillRef idx="1">
-            <a:schemeClr val="accent1"/>
-          </a:fillRef>
-          <a:effectRef idx="0">
-            <a:schemeClr val="accent1"/>
-          </a:effectRef>
-          <a:fontRef idx="minor">
-            <a:schemeClr val="lt1"/>
-          </a:fontRef>
-        </p:style>
-        <p:txBody>
-          <a:bodyPr rtlCol="0" anchor="ctr"/>
-          <a:lstStyle/>
-          <a:p>
-            <a:pPr algn="ctr"/>
-            <a:endParaRPr lang="en-US"/>
-          </a:p>
-        </p:txBody>
-      </p:sp>
-      <p:sp>
-        <p:nvSpPr>
-          <p:cNvPr id="129" name="TextBox 128">
-            <a:extLst>
-              <a:ext uri="{FF2B5EF4-FFF2-40B4-BE49-F238E27FC236}">
-                <a16:creationId xmlns:a16="http://schemas.microsoft.com/office/drawing/2014/main" id="{359C0C3A-27AE-B74D-A593-CD3F15BA1898}"/>
-              </a:ext>
-            </a:extLst>
-          </p:cNvPr>
-          <p:cNvSpPr txBox="1"/>
-          <p:nvPr/>
-        </p:nvSpPr>
-        <p:spPr>
-          <a:xfrm>
-            <a:off x="5979218" y="228475"/>
-            <a:ext cx="1086230" cy="276999"/>
-          </a:xfrm>
-          <a:prstGeom prst="rect">
-            <a:avLst/>
-          </a:prstGeom>
-          <a:noFill/>
-        </p:spPr>
-        <p:txBody>
-          <a:bodyPr wrap="square" rtlCol="0">
-            <a:spAutoFit/>
-          </a:bodyPr>
-          <a:lstStyle/>
-          <a:p>
-            <a:r>
-              <a:rPr lang="en-US" sz="1200" dirty="0"/>
-              <a:t>Graph pool</a:t>
-            </a:r>
-          </a:p>
-        </p:txBody>
-      </p:sp>
-      <p:sp>
-        <p:nvSpPr>
-          <p:cNvPr id="130" name="TextBox 129">
-            <a:extLst>
-              <a:ext uri="{FF2B5EF4-FFF2-40B4-BE49-F238E27FC236}">
-                <a16:creationId xmlns:a16="http://schemas.microsoft.com/office/drawing/2014/main" id="{7DDA8364-80B2-1C43-8159-EA53DBA3D7C0}"/>
-              </a:ext>
-            </a:extLst>
-          </p:cNvPr>
-          <p:cNvSpPr txBox="1"/>
-          <p:nvPr/>
-        </p:nvSpPr>
-        <p:spPr>
-          <a:xfrm>
-            <a:off x="2545491" y="1748124"/>
-            <a:ext cx="925975" cy="230832"/>
-          </a:xfrm>
-          <a:prstGeom prst="rect">
-            <a:avLst/>
-          </a:prstGeom>
-          <a:noFill/>
-        </p:spPr>
-        <p:txBody>
-          <a:bodyPr wrap="square" rtlCol="0">
-            <a:spAutoFit/>
-          </a:bodyPr>
-          <a:lstStyle/>
-          <a:p>
-            <a:r>
-              <a:rPr lang="en-US" sz="900" dirty="0"/>
-              <a:t>[N</a:t>
-            </a:r>
-            <a:r>
-              <a:rPr lang="en-US" sz="900" baseline="-25000" dirty="0"/>
-              <a:t>1</a:t>
-            </a:r>
-            <a:r>
-              <a:rPr lang="en-US" sz="900" dirty="0"/>
-              <a:t>N</a:t>
-            </a:r>
-            <a:r>
-              <a:rPr lang="en-US" sz="900" baseline="-25000" dirty="0"/>
-              <a:t>2</a:t>
-            </a:r>
-            <a:r>
-              <a:rPr lang="en-US" sz="900" dirty="0"/>
-              <a:t>…N</a:t>
-            </a:r>
-            <a:r>
-              <a:rPr lang="en-US" sz="900" baseline="-25000" dirty="0"/>
-              <a:t>30</a:t>
-            </a:r>
-            <a:r>
-              <a:rPr lang="en-US" sz="900" dirty="0"/>
-              <a:t>]</a:t>
-            </a:r>
-          </a:p>
-        </p:txBody>
-      </p:sp>
-      <p:sp>
-        <p:nvSpPr>
-          <p:cNvPr id="137" name="TextBox 136">
-            <a:extLst>
-              <a:ext uri="{FF2B5EF4-FFF2-40B4-BE49-F238E27FC236}">
-                <a16:creationId xmlns:a16="http://schemas.microsoft.com/office/drawing/2014/main" id="{EF592A67-8164-5D4D-8FA0-8155E185F149}"/>
-              </a:ext>
-            </a:extLst>
-          </p:cNvPr>
-          <p:cNvSpPr txBox="1"/>
-          <p:nvPr/>
-        </p:nvSpPr>
-        <p:spPr>
-          <a:xfrm>
-            <a:off x="3208025" y="959442"/>
-            <a:ext cx="836323" cy="230832"/>
-          </a:xfrm>
-          <a:prstGeom prst="rect">
-            <a:avLst/>
-          </a:prstGeom>
-          <a:noFill/>
-        </p:spPr>
-        <p:txBody>
-          <a:bodyPr wrap="square" rtlCol="0">
-            <a:spAutoFit/>
-          </a:bodyPr>
-          <a:lstStyle/>
-          <a:p>
-            <a:r>
-              <a:rPr lang="en-US" sz="900" dirty="0"/>
-              <a:t>[N</a:t>
-            </a:r>
-            <a:r>
-              <a:rPr lang="en-US" sz="900" baseline="-25000" dirty="0"/>
-              <a:t>1</a:t>
-            </a:r>
-            <a:r>
-              <a:rPr lang="en-US" sz="900" dirty="0"/>
-              <a:t>N</a:t>
-            </a:r>
-            <a:r>
-              <a:rPr lang="en-US" sz="900" baseline="-25000" dirty="0"/>
-              <a:t>2</a:t>
-            </a:r>
-            <a:r>
-              <a:rPr lang="en-US" sz="900" dirty="0"/>
-              <a:t>…N</a:t>
-            </a:r>
-            <a:r>
-              <a:rPr lang="en-US" sz="900" baseline="-25000" dirty="0"/>
-              <a:t>30</a:t>
-            </a:r>
-            <a:r>
-              <a:rPr lang="en-US" sz="900" dirty="0"/>
-              <a:t>]</a:t>
-            </a:r>
-          </a:p>
-        </p:txBody>
-      </p:sp>
-      <p:sp>
-        <p:nvSpPr>
-          <p:cNvPr id="138" name="TextBox 137">
-            <a:extLst>
-              <a:ext uri="{FF2B5EF4-FFF2-40B4-BE49-F238E27FC236}">
-                <a16:creationId xmlns:a16="http://schemas.microsoft.com/office/drawing/2014/main" id="{82A8BFC6-530C-D942-A1D0-11E3C661FFB0}"/>
-              </a:ext>
-            </a:extLst>
-          </p:cNvPr>
-          <p:cNvSpPr txBox="1"/>
-          <p:nvPr/>
-        </p:nvSpPr>
-        <p:spPr>
-          <a:xfrm>
-            <a:off x="2545491" y="947872"/>
-            <a:ext cx="836323" cy="230832"/>
-          </a:xfrm>
-          <a:prstGeom prst="rect">
-            <a:avLst/>
-          </a:prstGeom>
-          <a:noFill/>
-        </p:spPr>
-        <p:txBody>
-          <a:bodyPr wrap="square" rtlCol="0">
-            <a:spAutoFit/>
-          </a:bodyPr>
-          <a:lstStyle/>
-          <a:p>
-            <a:r>
-              <a:rPr lang="en-US" sz="900" dirty="0"/>
-              <a:t>[N</a:t>
-            </a:r>
-            <a:r>
-              <a:rPr lang="en-US" sz="900" baseline="-25000" dirty="0"/>
-              <a:t>1</a:t>
-            </a:r>
-            <a:r>
-              <a:rPr lang="en-US" sz="900" dirty="0"/>
-              <a:t>N</a:t>
-            </a:r>
-            <a:r>
-              <a:rPr lang="en-US" sz="900" baseline="-25000" dirty="0"/>
-              <a:t>2</a:t>
-            </a:r>
-            <a:r>
-              <a:rPr lang="en-US" sz="900" dirty="0"/>
-              <a:t>…N</a:t>
-            </a:r>
-            <a:r>
-              <a:rPr lang="en-US" sz="900" baseline="-25000" dirty="0"/>
-              <a:t>30</a:t>
-            </a:r>
-            <a:r>
-              <a:rPr lang="en-US" sz="900" dirty="0"/>
-              <a:t>]</a:t>
-            </a:r>
-          </a:p>
-        </p:txBody>
-      </p:sp>
-      <p:sp>
-        <p:nvSpPr>
-          <p:cNvPr id="139" name="TextBox 138">
-            <a:extLst>
-              <a:ext uri="{FF2B5EF4-FFF2-40B4-BE49-F238E27FC236}">
-                <a16:creationId xmlns:a16="http://schemas.microsoft.com/office/drawing/2014/main" id="{8ECCDEE5-3D26-474A-AEEA-2B954F29B7AC}"/>
-              </a:ext>
-            </a:extLst>
-          </p:cNvPr>
-          <p:cNvSpPr txBox="1"/>
-          <p:nvPr/>
-        </p:nvSpPr>
-        <p:spPr>
-          <a:xfrm>
-            <a:off x="2424477" y="1410864"/>
-            <a:ext cx="836323" cy="230832"/>
-          </a:xfrm>
-          <a:prstGeom prst="rect">
-            <a:avLst/>
-          </a:prstGeom>
-          <a:noFill/>
-        </p:spPr>
-        <p:txBody>
-          <a:bodyPr wrap="square" rtlCol="0">
-            <a:spAutoFit/>
-          </a:bodyPr>
-          <a:lstStyle/>
-          <a:p>
-            <a:r>
-              <a:rPr lang="en-US" sz="900" dirty="0"/>
-              <a:t>[N</a:t>
-            </a:r>
-            <a:r>
-              <a:rPr lang="en-US" sz="900" baseline="-25000" dirty="0"/>
-              <a:t>1</a:t>
-            </a:r>
-            <a:r>
-              <a:rPr lang="en-US" sz="900" dirty="0"/>
-              <a:t>N</a:t>
-            </a:r>
-            <a:r>
-              <a:rPr lang="en-US" sz="900" baseline="-25000" dirty="0"/>
-              <a:t>2</a:t>
-            </a:r>
-            <a:r>
-              <a:rPr lang="en-US" sz="900" dirty="0"/>
-              <a:t>…N</a:t>
-            </a:r>
-            <a:r>
-              <a:rPr lang="en-US" sz="900" baseline="-25000" dirty="0"/>
-              <a:t>30</a:t>
-            </a:r>
-            <a:r>
-              <a:rPr lang="en-US" sz="900" dirty="0"/>
-              <a:t>]</a:t>
-            </a:r>
-          </a:p>
-        </p:txBody>
-      </p:sp>
-      <p:sp>
-        <p:nvSpPr>
-          <p:cNvPr id="140" name="TextBox 139">
-            <a:extLst>
-              <a:ext uri="{FF2B5EF4-FFF2-40B4-BE49-F238E27FC236}">
-                <a16:creationId xmlns:a16="http://schemas.microsoft.com/office/drawing/2014/main" id="{990E3AD3-5302-1147-94C9-BB9EEF680764}"/>
-              </a:ext>
-            </a:extLst>
-          </p:cNvPr>
-          <p:cNvSpPr txBox="1"/>
-          <p:nvPr/>
-        </p:nvSpPr>
-        <p:spPr>
-          <a:xfrm>
-            <a:off x="3649545" y="1431976"/>
-            <a:ext cx="836323" cy="230832"/>
-          </a:xfrm>
-          <a:prstGeom prst="rect">
-            <a:avLst/>
-          </a:prstGeom>
-          <a:noFill/>
-        </p:spPr>
-        <p:txBody>
-          <a:bodyPr wrap="square" rtlCol="0">
-            <a:spAutoFit/>
-          </a:bodyPr>
-          <a:lstStyle/>
-          <a:p>
-            <a:r>
-              <a:rPr lang="en-US" sz="900" dirty="0"/>
-              <a:t>[N</a:t>
-            </a:r>
-            <a:r>
-              <a:rPr lang="en-US" sz="900" baseline="-25000" dirty="0"/>
-              <a:t>1</a:t>
-            </a:r>
-            <a:r>
-              <a:rPr lang="en-US" sz="900" dirty="0"/>
-              <a:t>N</a:t>
-            </a:r>
-            <a:r>
-              <a:rPr lang="en-US" sz="900" baseline="-25000" dirty="0"/>
-              <a:t>2</a:t>
-            </a:r>
-            <a:r>
-              <a:rPr lang="en-US" sz="900" dirty="0"/>
-              <a:t>…N</a:t>
-            </a:r>
-            <a:r>
-              <a:rPr lang="en-US" sz="900" baseline="-25000" dirty="0"/>
-              <a:t>30</a:t>
-            </a:r>
-            <a:r>
-              <a:rPr lang="en-US" sz="900" dirty="0"/>
-              <a:t>]</a:t>
-            </a:r>
-          </a:p>
-        </p:txBody>
-      </p:sp>
-      <p:sp>
-        <p:nvSpPr>
-          <p:cNvPr id="141" name="TextBox 140">
-            <a:extLst>
-              <a:ext uri="{FF2B5EF4-FFF2-40B4-BE49-F238E27FC236}">
-                <a16:creationId xmlns:a16="http://schemas.microsoft.com/office/drawing/2014/main" id="{CEC6548E-840E-CD40-B88F-AE70C0213103}"/>
-              </a:ext>
-            </a:extLst>
-          </p:cNvPr>
-          <p:cNvSpPr txBox="1"/>
-          <p:nvPr/>
-        </p:nvSpPr>
-        <p:spPr>
-          <a:xfrm>
-            <a:off x="3231383" y="1756880"/>
-            <a:ext cx="836323" cy="230832"/>
-          </a:xfrm>
-          <a:prstGeom prst="rect">
-            <a:avLst/>
-          </a:prstGeom>
-          <a:noFill/>
-        </p:spPr>
-        <p:txBody>
-          <a:bodyPr wrap="square" rtlCol="0">
-            <a:spAutoFit/>
-          </a:bodyPr>
-          <a:lstStyle/>
-          <a:p>
-            <a:r>
-              <a:rPr lang="en-US" sz="900" dirty="0"/>
-              <a:t>[N</a:t>
-            </a:r>
-            <a:r>
-              <a:rPr lang="en-US" sz="900" baseline="-25000" dirty="0"/>
-              <a:t>1</a:t>
-            </a:r>
-            <a:r>
-              <a:rPr lang="en-US" sz="900" dirty="0"/>
-              <a:t>N</a:t>
-            </a:r>
-            <a:r>
-              <a:rPr lang="en-US" sz="900" baseline="-25000" dirty="0"/>
-              <a:t>2</a:t>
-            </a:r>
-            <a:r>
-              <a:rPr lang="en-US" sz="900" dirty="0"/>
-              <a:t>…N</a:t>
-            </a:r>
-            <a:r>
-              <a:rPr lang="en-US" sz="900" baseline="-25000" dirty="0"/>
-              <a:t>30</a:t>
-            </a:r>
-            <a:r>
-              <a:rPr lang="en-US" sz="900" dirty="0"/>
-              <a:t>]</a:t>
-            </a:r>
-          </a:p>
-        </p:txBody>
-      </p:sp>
-      <p:sp>
-        <p:nvSpPr>
-          <p:cNvPr id="142" name="TextBox 141">
-            <a:extLst>
-              <a:ext uri="{FF2B5EF4-FFF2-40B4-BE49-F238E27FC236}">
-                <a16:creationId xmlns:a16="http://schemas.microsoft.com/office/drawing/2014/main" id="{0DD13DE6-4811-C640-9022-D71B78345510}"/>
-              </a:ext>
-            </a:extLst>
-          </p:cNvPr>
-          <p:cNvSpPr txBox="1"/>
-          <p:nvPr/>
-        </p:nvSpPr>
-        <p:spPr>
-          <a:xfrm>
-            <a:off x="2229089" y="2408217"/>
-            <a:ext cx="836323" cy="230832"/>
-          </a:xfrm>
-          <a:prstGeom prst="rect">
-            <a:avLst/>
-          </a:prstGeom>
-          <a:noFill/>
-        </p:spPr>
-        <p:txBody>
-          <a:bodyPr wrap="square" rtlCol="0">
-            <a:spAutoFit/>
-          </a:bodyPr>
-          <a:lstStyle/>
-          <a:p>
-            <a:r>
-              <a:rPr lang="en-US" sz="900" dirty="0"/>
-              <a:t>[N</a:t>
-            </a:r>
-            <a:r>
-              <a:rPr lang="en-US" sz="900" baseline="-25000" dirty="0"/>
-              <a:t>1</a:t>
-            </a:r>
-            <a:r>
-              <a:rPr lang="en-US" sz="900" dirty="0"/>
-              <a:t>N</a:t>
-            </a:r>
-            <a:r>
-              <a:rPr lang="en-US" sz="900" baseline="-25000" dirty="0"/>
-              <a:t>2</a:t>
-            </a:r>
-            <a:r>
-              <a:rPr lang="en-US" sz="900" dirty="0"/>
-              <a:t>…N</a:t>
-            </a:r>
-            <a:r>
-              <a:rPr lang="en-US" sz="900" baseline="-25000" dirty="0"/>
-              <a:t>30</a:t>
-            </a:r>
-            <a:r>
-              <a:rPr lang="en-US" sz="900" dirty="0"/>
-              <a:t>]</a:t>
-            </a:r>
-          </a:p>
-        </p:txBody>
-      </p:sp>
-      <p:sp>
-        <p:nvSpPr>
-          <p:cNvPr id="143" name="TextBox 142">
-            <a:extLst>
-              <a:ext uri="{FF2B5EF4-FFF2-40B4-BE49-F238E27FC236}">
-                <a16:creationId xmlns:a16="http://schemas.microsoft.com/office/drawing/2014/main" id="{94ED7725-DCEF-F548-95E1-340F1BFE9691}"/>
-              </a:ext>
-            </a:extLst>
-          </p:cNvPr>
-          <p:cNvSpPr txBox="1"/>
-          <p:nvPr/>
-        </p:nvSpPr>
-        <p:spPr>
-          <a:xfrm>
-            <a:off x="2553214" y="2138478"/>
-            <a:ext cx="836323" cy="230832"/>
-          </a:xfrm>
-          <a:prstGeom prst="rect">
-            <a:avLst/>
-          </a:prstGeom>
-          <a:noFill/>
-        </p:spPr>
-        <p:txBody>
-          <a:bodyPr wrap="square" rtlCol="0">
-            <a:spAutoFit/>
-          </a:bodyPr>
-          <a:lstStyle/>
-          <a:p>
-            <a:r>
-              <a:rPr lang="en-US" sz="900" dirty="0"/>
-              <a:t>[N</a:t>
-            </a:r>
-            <a:r>
-              <a:rPr lang="en-US" sz="900" baseline="-25000" dirty="0"/>
-              <a:t>1</a:t>
-            </a:r>
-            <a:r>
-              <a:rPr lang="en-US" sz="900" dirty="0"/>
-              <a:t>N</a:t>
-            </a:r>
-            <a:r>
-              <a:rPr lang="en-US" sz="900" baseline="-25000" dirty="0"/>
-              <a:t>2</a:t>
-            </a:r>
-            <a:r>
-              <a:rPr lang="en-US" sz="900" dirty="0"/>
-              <a:t>…N</a:t>
-            </a:r>
-            <a:r>
-              <a:rPr lang="en-US" sz="900" baseline="-25000" dirty="0"/>
-              <a:t>30</a:t>
-            </a:r>
-            <a:r>
-              <a:rPr lang="en-US" sz="900" dirty="0"/>
-              <a:t>]</a:t>
-            </a:r>
-          </a:p>
-        </p:txBody>
-      </p:sp>
-      <p:sp>
-        <p:nvSpPr>
-          <p:cNvPr id="144" name="TextBox 143">
-            <a:extLst>
-              <a:ext uri="{FF2B5EF4-FFF2-40B4-BE49-F238E27FC236}">
-                <a16:creationId xmlns:a16="http://schemas.microsoft.com/office/drawing/2014/main" id="{60E56F93-9693-3D48-BCE7-774B83989D76}"/>
-              </a:ext>
-            </a:extLst>
-          </p:cNvPr>
-          <p:cNvSpPr txBox="1"/>
-          <p:nvPr/>
-        </p:nvSpPr>
-        <p:spPr>
-          <a:xfrm>
-            <a:off x="3270459" y="2138478"/>
-            <a:ext cx="836323" cy="230832"/>
-          </a:xfrm>
-          <a:prstGeom prst="rect">
-            <a:avLst/>
-          </a:prstGeom>
-          <a:noFill/>
-        </p:spPr>
-        <p:txBody>
-          <a:bodyPr wrap="square" rtlCol="0">
-            <a:spAutoFit/>
-          </a:bodyPr>
-          <a:lstStyle/>
-          <a:p>
-            <a:r>
-              <a:rPr lang="en-US" sz="900" dirty="0"/>
-              <a:t>[N</a:t>
-            </a:r>
-            <a:r>
-              <a:rPr lang="en-US" sz="900" baseline="-25000" dirty="0"/>
-              <a:t>1</a:t>
-            </a:r>
-            <a:r>
-              <a:rPr lang="en-US" sz="900" dirty="0"/>
-              <a:t>N</a:t>
-            </a:r>
-            <a:r>
-              <a:rPr lang="en-US" sz="900" baseline="-25000" dirty="0"/>
-              <a:t>2</a:t>
-            </a:r>
-            <a:r>
-              <a:rPr lang="en-US" sz="900" dirty="0"/>
-              <a:t>…N</a:t>
-            </a:r>
-            <a:r>
-              <a:rPr lang="en-US" sz="900" baseline="-25000" dirty="0"/>
-              <a:t>30</a:t>
-            </a:r>
-            <a:r>
-              <a:rPr lang="en-US" sz="900" dirty="0"/>
-              <a:t>]</a:t>
-            </a:r>
-          </a:p>
-        </p:txBody>
-      </p:sp>
-      <p:sp>
-        <p:nvSpPr>
-          <p:cNvPr id="145" name="TextBox 144">
-            <a:extLst>
-              <a:ext uri="{FF2B5EF4-FFF2-40B4-BE49-F238E27FC236}">
-                <a16:creationId xmlns:a16="http://schemas.microsoft.com/office/drawing/2014/main" id="{F616ECB6-D2E0-8043-840B-20F5016CE2C8}"/>
-              </a:ext>
-            </a:extLst>
-          </p:cNvPr>
-          <p:cNvSpPr txBox="1"/>
-          <p:nvPr/>
-        </p:nvSpPr>
-        <p:spPr>
-          <a:xfrm>
-            <a:off x="2541541" y="2995069"/>
-            <a:ext cx="836323" cy="230832"/>
-          </a:xfrm>
-          <a:prstGeom prst="rect">
-            <a:avLst/>
-          </a:prstGeom>
-          <a:noFill/>
-        </p:spPr>
-        <p:txBody>
-          <a:bodyPr wrap="square" rtlCol="0">
-            <a:spAutoFit/>
-          </a:bodyPr>
-          <a:lstStyle/>
-          <a:p>
-            <a:r>
-              <a:rPr lang="en-US" sz="900" dirty="0"/>
-              <a:t>[N</a:t>
-            </a:r>
-            <a:r>
-              <a:rPr lang="en-US" sz="900" baseline="-25000" dirty="0"/>
-              <a:t>1</a:t>
-            </a:r>
-            <a:r>
-              <a:rPr lang="en-US" sz="900" dirty="0"/>
-              <a:t>N</a:t>
-            </a:r>
-            <a:r>
-              <a:rPr lang="en-US" sz="900" baseline="-25000" dirty="0"/>
-              <a:t>2</a:t>
-            </a:r>
-            <a:r>
-              <a:rPr lang="en-US" sz="900" dirty="0"/>
-              <a:t>…N</a:t>
-            </a:r>
-            <a:r>
-              <a:rPr lang="en-US" sz="900" baseline="-25000" dirty="0"/>
-              <a:t>30</a:t>
-            </a:r>
-            <a:r>
-              <a:rPr lang="en-US" sz="900" dirty="0"/>
-              <a:t>]</a:t>
-            </a:r>
-          </a:p>
-        </p:txBody>
-      </p:sp>
-      <p:sp>
-        <p:nvSpPr>
-          <p:cNvPr id="146" name="TextBox 145">
-            <a:extLst>
-              <a:ext uri="{FF2B5EF4-FFF2-40B4-BE49-F238E27FC236}">
-                <a16:creationId xmlns:a16="http://schemas.microsoft.com/office/drawing/2014/main" id="{32340A75-FFE1-BE4C-A279-7B3ADC594EDC}"/>
-              </a:ext>
-            </a:extLst>
-          </p:cNvPr>
-          <p:cNvSpPr txBox="1"/>
-          <p:nvPr/>
-        </p:nvSpPr>
-        <p:spPr>
-          <a:xfrm>
-            <a:off x="3193915" y="2994303"/>
-            <a:ext cx="836323" cy="230832"/>
-          </a:xfrm>
-          <a:prstGeom prst="rect">
-            <a:avLst/>
-          </a:prstGeom>
-          <a:noFill/>
-        </p:spPr>
-        <p:txBody>
-          <a:bodyPr wrap="square" rtlCol="0">
-            <a:spAutoFit/>
-          </a:bodyPr>
-          <a:lstStyle/>
-          <a:p>
-            <a:r>
-              <a:rPr lang="en-US" sz="900" dirty="0"/>
-              <a:t>[N</a:t>
-            </a:r>
-            <a:r>
-              <a:rPr lang="en-US" sz="900" baseline="-25000" dirty="0"/>
-              <a:t>1</a:t>
-            </a:r>
-            <a:r>
-              <a:rPr lang="en-US" sz="900" dirty="0"/>
-              <a:t>N</a:t>
-            </a:r>
-            <a:r>
-              <a:rPr lang="en-US" sz="900" baseline="-25000" dirty="0"/>
-              <a:t>2</a:t>
-            </a:r>
-            <a:r>
-              <a:rPr lang="en-US" sz="900" dirty="0"/>
-              <a:t>…N</a:t>
-            </a:r>
-            <a:r>
-              <a:rPr lang="en-US" sz="900" baseline="-25000" dirty="0"/>
-              <a:t>30</a:t>
-            </a:r>
-            <a:r>
-              <a:rPr lang="en-US" sz="900" dirty="0"/>
-              <a:t>]</a:t>
-            </a:r>
-          </a:p>
-        </p:txBody>
-      </p:sp>
-      <p:sp>
-        <p:nvSpPr>
-          <p:cNvPr id="147" name="TextBox 146">
-            <a:extLst>
-              <a:ext uri="{FF2B5EF4-FFF2-40B4-BE49-F238E27FC236}">
-                <a16:creationId xmlns:a16="http://schemas.microsoft.com/office/drawing/2014/main" id="{35459083-D3F7-A44B-9C0E-FF98954AAF6A}"/>
-              </a:ext>
-            </a:extLst>
-          </p:cNvPr>
-          <p:cNvSpPr txBox="1"/>
-          <p:nvPr/>
-        </p:nvSpPr>
-        <p:spPr>
-          <a:xfrm>
-            <a:off x="3731497" y="2661069"/>
-            <a:ext cx="836323" cy="230832"/>
-          </a:xfrm>
-          <a:prstGeom prst="rect">
-            <a:avLst/>
-          </a:prstGeom>
-          <a:noFill/>
-        </p:spPr>
-        <p:txBody>
-          <a:bodyPr wrap="square" rtlCol="0">
-            <a:spAutoFit/>
-          </a:bodyPr>
-          <a:lstStyle/>
-          <a:p>
-            <a:r>
-              <a:rPr lang="en-US" sz="900" dirty="0"/>
-              <a:t>[N</a:t>
-            </a:r>
-            <a:r>
-              <a:rPr lang="en-US" sz="900" baseline="-25000" dirty="0"/>
-              <a:t>1</a:t>
-            </a:r>
-            <a:r>
-              <a:rPr lang="en-US" sz="900" dirty="0"/>
-              <a:t>N</a:t>
-            </a:r>
-            <a:r>
-              <a:rPr lang="en-US" sz="900" baseline="-25000" dirty="0"/>
-              <a:t>2</a:t>
-            </a:r>
-            <a:r>
-              <a:rPr lang="en-US" sz="900" dirty="0"/>
-              <a:t>…N</a:t>
-            </a:r>
-            <a:r>
-              <a:rPr lang="en-US" sz="900" baseline="-25000" dirty="0"/>
-              <a:t>30</a:t>
-            </a:r>
-            <a:r>
-              <a:rPr lang="en-US" sz="900" dirty="0"/>
-              <a:t>]</a:t>
-            </a:r>
-          </a:p>
-        </p:txBody>
-      </p:sp>
-      <p:sp>
-        <p:nvSpPr>
-          <p:cNvPr id="148" name="TextBox 147">
-            <a:extLst>
-              <a:ext uri="{FF2B5EF4-FFF2-40B4-BE49-F238E27FC236}">
-                <a16:creationId xmlns:a16="http://schemas.microsoft.com/office/drawing/2014/main" id="{89D66613-FB98-FB47-8A46-9EDD4EC170DB}"/>
-              </a:ext>
-            </a:extLst>
-          </p:cNvPr>
-          <p:cNvSpPr txBox="1"/>
-          <p:nvPr/>
-        </p:nvSpPr>
-        <p:spPr>
-          <a:xfrm>
-            <a:off x="2594211" y="4194152"/>
-            <a:ext cx="836323" cy="230832"/>
-          </a:xfrm>
-          <a:prstGeom prst="rect">
-            <a:avLst/>
-          </a:prstGeom>
-          <a:noFill/>
-        </p:spPr>
-        <p:txBody>
-          <a:bodyPr wrap="square" rtlCol="0">
-            <a:spAutoFit/>
-          </a:bodyPr>
-          <a:lstStyle/>
-          <a:p>
-            <a:r>
-              <a:rPr lang="en-US" sz="900" dirty="0"/>
-              <a:t>[N</a:t>
-            </a:r>
-            <a:r>
-              <a:rPr lang="en-US" sz="900" baseline="-25000" dirty="0"/>
-              <a:t>1</a:t>
-            </a:r>
-            <a:r>
-              <a:rPr lang="en-US" sz="900" dirty="0"/>
-              <a:t>N</a:t>
-            </a:r>
-            <a:r>
-              <a:rPr lang="en-US" sz="900" baseline="-25000" dirty="0"/>
-              <a:t>2</a:t>
-            </a:r>
-            <a:r>
-              <a:rPr lang="en-US" sz="900" dirty="0"/>
-              <a:t>…N</a:t>
-            </a:r>
-            <a:r>
-              <a:rPr lang="en-US" sz="900" baseline="-25000" dirty="0"/>
-              <a:t>30</a:t>
-            </a:r>
-            <a:r>
-              <a:rPr lang="en-US" sz="900" dirty="0"/>
-              <a:t>]</a:t>
-            </a:r>
-          </a:p>
-        </p:txBody>
-      </p:sp>
-      <p:sp>
-        <p:nvSpPr>
-          <p:cNvPr id="149" name="TextBox 148">
-            <a:extLst>
-              <a:ext uri="{FF2B5EF4-FFF2-40B4-BE49-F238E27FC236}">
-                <a16:creationId xmlns:a16="http://schemas.microsoft.com/office/drawing/2014/main" id="{C0D9D141-6F27-1445-8443-C03BEF4360A6}"/>
-              </a:ext>
-            </a:extLst>
-          </p:cNvPr>
-          <p:cNvSpPr txBox="1"/>
-          <p:nvPr/>
-        </p:nvSpPr>
-        <p:spPr>
-          <a:xfrm>
-            <a:off x="2215524" y="4521538"/>
-            <a:ext cx="836323" cy="230832"/>
-          </a:xfrm>
-          <a:prstGeom prst="rect">
-            <a:avLst/>
-          </a:prstGeom>
-          <a:noFill/>
-        </p:spPr>
-        <p:txBody>
-          <a:bodyPr wrap="square" rtlCol="0">
-            <a:spAutoFit/>
-          </a:bodyPr>
-          <a:lstStyle/>
-          <a:p>
-            <a:r>
-              <a:rPr lang="en-US" sz="900" dirty="0"/>
-              <a:t>[N</a:t>
-            </a:r>
-            <a:r>
-              <a:rPr lang="en-US" sz="900" baseline="-25000" dirty="0"/>
-              <a:t>1</a:t>
-            </a:r>
-            <a:r>
-              <a:rPr lang="en-US" sz="900" dirty="0"/>
-              <a:t>N</a:t>
-            </a:r>
-            <a:r>
-              <a:rPr lang="en-US" sz="900" baseline="-25000" dirty="0"/>
-              <a:t>2</a:t>
-            </a:r>
-            <a:r>
-              <a:rPr lang="en-US" sz="900" dirty="0"/>
-              <a:t>…N</a:t>
-            </a:r>
-            <a:r>
-              <a:rPr lang="en-US" sz="900" baseline="-25000" dirty="0"/>
-              <a:t>30</a:t>
-            </a:r>
-            <a:r>
-              <a:rPr lang="en-US" sz="900" dirty="0"/>
-              <a:t>]</a:t>
-            </a:r>
-          </a:p>
-        </p:txBody>
-      </p:sp>
-      <p:sp>
-        <p:nvSpPr>
-          <p:cNvPr id="150" name="TextBox 149">
-            <a:extLst>
-              <a:ext uri="{FF2B5EF4-FFF2-40B4-BE49-F238E27FC236}">
-                <a16:creationId xmlns:a16="http://schemas.microsoft.com/office/drawing/2014/main" id="{C67E62DA-E5B1-5247-A137-7BAD7CFA2919}"/>
-              </a:ext>
-            </a:extLst>
-          </p:cNvPr>
-          <p:cNvSpPr txBox="1"/>
-          <p:nvPr/>
-        </p:nvSpPr>
-        <p:spPr>
-          <a:xfrm>
-            <a:off x="2557977" y="5041103"/>
-            <a:ext cx="836323" cy="230832"/>
-          </a:xfrm>
-          <a:prstGeom prst="rect">
-            <a:avLst/>
-          </a:prstGeom>
-          <a:noFill/>
-        </p:spPr>
-        <p:txBody>
-          <a:bodyPr wrap="square" rtlCol="0">
-            <a:spAutoFit/>
-          </a:bodyPr>
-          <a:lstStyle/>
-          <a:p>
-            <a:r>
-              <a:rPr lang="en-US" sz="900" dirty="0"/>
-              <a:t>[N</a:t>
-            </a:r>
-            <a:r>
-              <a:rPr lang="en-US" sz="900" baseline="-25000" dirty="0"/>
-              <a:t>1</a:t>
-            </a:r>
-            <a:r>
-              <a:rPr lang="en-US" sz="900" dirty="0"/>
-              <a:t>N</a:t>
-            </a:r>
-            <a:r>
-              <a:rPr lang="en-US" sz="900" baseline="-25000" dirty="0"/>
-              <a:t>2</a:t>
-            </a:r>
-            <a:r>
-              <a:rPr lang="en-US" sz="900" dirty="0"/>
-              <a:t>…N</a:t>
-            </a:r>
-            <a:r>
-              <a:rPr lang="en-US" sz="900" baseline="-25000" dirty="0"/>
-              <a:t>30</a:t>
-            </a:r>
-            <a:r>
-              <a:rPr lang="en-US" sz="900" dirty="0"/>
-              <a:t>]</a:t>
-            </a:r>
-          </a:p>
-        </p:txBody>
-      </p:sp>
-      <p:sp>
-        <p:nvSpPr>
-          <p:cNvPr id="151" name="TextBox 150">
-            <a:extLst>
-              <a:ext uri="{FF2B5EF4-FFF2-40B4-BE49-F238E27FC236}">
-                <a16:creationId xmlns:a16="http://schemas.microsoft.com/office/drawing/2014/main" id="{323EDF83-71E0-7842-920A-86F8FA604C5E}"/>
-              </a:ext>
-            </a:extLst>
-          </p:cNvPr>
-          <p:cNvSpPr txBox="1"/>
-          <p:nvPr/>
-        </p:nvSpPr>
-        <p:spPr>
-          <a:xfrm>
-            <a:off x="3282792" y="5052080"/>
-            <a:ext cx="836323" cy="230832"/>
-          </a:xfrm>
-          <a:prstGeom prst="rect">
-            <a:avLst/>
-          </a:prstGeom>
-          <a:noFill/>
-        </p:spPr>
-        <p:txBody>
-          <a:bodyPr wrap="square" rtlCol="0">
-            <a:spAutoFit/>
-          </a:bodyPr>
-          <a:lstStyle/>
-          <a:p>
-            <a:r>
-              <a:rPr lang="en-US" sz="900" dirty="0"/>
-              <a:t>[N</a:t>
-            </a:r>
-            <a:r>
-              <a:rPr lang="en-US" sz="900" baseline="-25000" dirty="0"/>
-              <a:t>1</a:t>
-            </a:r>
-            <a:r>
-              <a:rPr lang="en-US" sz="900" dirty="0"/>
-              <a:t>N</a:t>
-            </a:r>
-            <a:r>
-              <a:rPr lang="en-US" sz="900" baseline="-25000" dirty="0"/>
-              <a:t>2</a:t>
-            </a:r>
-            <a:r>
-              <a:rPr lang="en-US" sz="900" dirty="0"/>
-              <a:t>…N</a:t>
-            </a:r>
-            <a:r>
-              <a:rPr lang="en-US" sz="900" baseline="-25000" dirty="0"/>
-              <a:t>30</a:t>
-            </a:r>
-            <a:r>
-              <a:rPr lang="en-US" sz="900" dirty="0"/>
-              <a:t>]</a:t>
-            </a:r>
-          </a:p>
-        </p:txBody>
-      </p:sp>
-      <p:sp>
-        <p:nvSpPr>
-          <p:cNvPr id="152" name="TextBox 151">
-            <a:extLst>
-              <a:ext uri="{FF2B5EF4-FFF2-40B4-BE49-F238E27FC236}">
-                <a16:creationId xmlns:a16="http://schemas.microsoft.com/office/drawing/2014/main" id="{9214FDD2-C936-3444-8A3E-4472C354C891}"/>
-              </a:ext>
-            </a:extLst>
-          </p:cNvPr>
-          <p:cNvSpPr txBox="1"/>
-          <p:nvPr/>
-        </p:nvSpPr>
-        <p:spPr>
-          <a:xfrm>
-            <a:off x="3267485" y="4185893"/>
-            <a:ext cx="836323" cy="230832"/>
-          </a:xfrm>
-          <a:prstGeom prst="rect">
-            <a:avLst/>
-          </a:prstGeom>
-          <a:noFill/>
-        </p:spPr>
-        <p:txBody>
-          <a:bodyPr wrap="square" rtlCol="0">
-            <a:spAutoFit/>
-          </a:bodyPr>
-          <a:lstStyle/>
-          <a:p>
-            <a:r>
-              <a:rPr lang="en-US" sz="900" dirty="0"/>
-              <a:t>[N</a:t>
-            </a:r>
-            <a:r>
-              <a:rPr lang="en-US" sz="900" baseline="-25000" dirty="0"/>
-              <a:t>1</a:t>
-            </a:r>
-            <a:r>
-              <a:rPr lang="en-US" sz="900" dirty="0"/>
-              <a:t>N</a:t>
-            </a:r>
-            <a:r>
-              <a:rPr lang="en-US" sz="900" baseline="-25000" dirty="0"/>
-              <a:t>2</a:t>
-            </a:r>
-            <a:r>
-              <a:rPr lang="en-US" sz="900" dirty="0"/>
-              <a:t>…N</a:t>
-            </a:r>
-            <a:r>
-              <a:rPr lang="en-US" sz="900" baseline="-25000" dirty="0"/>
-              <a:t>30</a:t>
-            </a:r>
-            <a:r>
-              <a:rPr lang="en-US" sz="900" dirty="0"/>
-              <a:t>]</a:t>
-            </a:r>
-          </a:p>
-        </p:txBody>
-      </p:sp>
-      <p:sp>
-        <p:nvSpPr>
-          <p:cNvPr id="153" name="TextBox 152">
-            <a:extLst>
-              <a:ext uri="{FF2B5EF4-FFF2-40B4-BE49-F238E27FC236}">
-                <a16:creationId xmlns:a16="http://schemas.microsoft.com/office/drawing/2014/main" id="{C9D9DB5C-A23D-D245-9CFD-4760919BE75D}"/>
-              </a:ext>
-            </a:extLst>
-          </p:cNvPr>
-          <p:cNvSpPr txBox="1"/>
-          <p:nvPr/>
-        </p:nvSpPr>
-        <p:spPr>
-          <a:xfrm>
-            <a:off x="3779617" y="4709941"/>
-            <a:ext cx="836323" cy="230832"/>
-          </a:xfrm>
-          <a:prstGeom prst="rect">
-            <a:avLst/>
-          </a:prstGeom>
-          <a:noFill/>
-        </p:spPr>
-        <p:txBody>
-          <a:bodyPr wrap="square" rtlCol="0">
-            <a:spAutoFit/>
-          </a:bodyPr>
-          <a:lstStyle/>
-          <a:p>
-            <a:r>
-              <a:rPr lang="en-US" sz="900" dirty="0"/>
-              <a:t>[N</a:t>
-            </a:r>
-            <a:r>
-              <a:rPr lang="en-US" sz="900" baseline="-25000" dirty="0"/>
-              <a:t>1</a:t>
-            </a:r>
-            <a:r>
-              <a:rPr lang="en-US" sz="900" dirty="0"/>
-              <a:t>N</a:t>
-            </a:r>
-            <a:r>
-              <a:rPr lang="en-US" sz="900" baseline="-25000" dirty="0"/>
-              <a:t>2</a:t>
-            </a:r>
-            <a:r>
-              <a:rPr lang="en-US" sz="900" dirty="0"/>
-              <a:t>…N</a:t>
-            </a:r>
-            <a:r>
-              <a:rPr lang="en-US" sz="900" baseline="-25000" dirty="0"/>
-              <a:t>30</a:t>
-            </a:r>
-            <a:r>
-              <a:rPr lang="en-US" sz="900" dirty="0"/>
-              <a:t>]</a:t>
-            </a:r>
-          </a:p>
-        </p:txBody>
-      </p:sp>
-      <p:sp>
-        <p:nvSpPr>
-          <p:cNvPr id="154" name="TextBox 153">
-            <a:extLst>
-              <a:ext uri="{FF2B5EF4-FFF2-40B4-BE49-F238E27FC236}">
-                <a16:creationId xmlns:a16="http://schemas.microsoft.com/office/drawing/2014/main" id="{542A9EE8-C25B-E34A-9F2D-27CF41B26164}"/>
-              </a:ext>
-            </a:extLst>
-          </p:cNvPr>
-          <p:cNvSpPr txBox="1"/>
-          <p:nvPr/>
-        </p:nvSpPr>
-        <p:spPr>
-          <a:xfrm>
-            <a:off x="5671595" y="1695732"/>
-            <a:ext cx="836323" cy="230832"/>
-          </a:xfrm>
-          <a:prstGeom prst="rect">
-            <a:avLst/>
-          </a:prstGeom>
-          <a:noFill/>
-        </p:spPr>
-        <p:txBody>
-          <a:bodyPr wrap="square" rtlCol="0">
-            <a:spAutoFit/>
-          </a:bodyPr>
-          <a:lstStyle/>
-          <a:p>
-            <a:r>
-              <a:rPr lang="en-US" sz="900" dirty="0"/>
-              <a:t>[K</a:t>
-            </a:r>
-            <a:r>
-              <a:rPr lang="en-US" sz="900" baseline="-25000" dirty="0"/>
-              <a:t>1</a:t>
-            </a:r>
-            <a:r>
-              <a:rPr lang="en-US" sz="900" dirty="0"/>
-              <a:t>K</a:t>
-            </a:r>
-            <a:r>
-              <a:rPr lang="en-US" sz="900" baseline="-25000" dirty="0"/>
-              <a:t>2</a:t>
-            </a:r>
-            <a:r>
-              <a:rPr lang="en-US" sz="900" dirty="0"/>
-              <a:t>…K</a:t>
-            </a:r>
-            <a:r>
-              <a:rPr lang="en-US" sz="900" baseline="-25000" dirty="0"/>
-              <a:t>30</a:t>
-            </a:r>
-            <a:r>
-              <a:rPr lang="en-US" sz="900" dirty="0"/>
-              <a:t>]</a:t>
-            </a:r>
-          </a:p>
-        </p:txBody>
-      </p:sp>
-      <p:sp>
-        <p:nvSpPr>
-          <p:cNvPr id="156" name="TextBox 155">
-            <a:extLst>
-              <a:ext uri="{FF2B5EF4-FFF2-40B4-BE49-F238E27FC236}">
-                <a16:creationId xmlns:a16="http://schemas.microsoft.com/office/drawing/2014/main" id="{02BC7506-03C9-C04D-99D0-D82675B45801}"/>
-              </a:ext>
-            </a:extLst>
-          </p:cNvPr>
-          <p:cNvSpPr txBox="1"/>
-          <p:nvPr/>
-        </p:nvSpPr>
-        <p:spPr>
-          <a:xfrm>
-            <a:off x="5271256" y="2401098"/>
-            <a:ext cx="836323" cy="230832"/>
-          </a:xfrm>
-          <a:prstGeom prst="rect">
-            <a:avLst/>
-          </a:prstGeom>
-          <a:noFill/>
-        </p:spPr>
-        <p:txBody>
-          <a:bodyPr wrap="square" rtlCol="0">
-            <a:spAutoFit/>
-          </a:bodyPr>
-          <a:lstStyle/>
-          <a:p>
-            <a:r>
-              <a:rPr lang="en-US" sz="900" dirty="0"/>
-              <a:t>[K</a:t>
-            </a:r>
-            <a:r>
-              <a:rPr lang="en-US" sz="900" baseline="-25000" dirty="0"/>
-              <a:t>1</a:t>
-            </a:r>
-            <a:r>
-              <a:rPr lang="en-US" sz="900" dirty="0"/>
-              <a:t>K</a:t>
-            </a:r>
-            <a:r>
-              <a:rPr lang="en-US" sz="900" baseline="-25000" dirty="0"/>
-              <a:t>2</a:t>
-            </a:r>
-            <a:r>
-              <a:rPr lang="en-US" sz="900" dirty="0"/>
-              <a:t>…K</a:t>
-            </a:r>
-            <a:r>
-              <a:rPr lang="en-US" sz="900" baseline="-25000" dirty="0"/>
-              <a:t>30</a:t>
-            </a:r>
-            <a:r>
-              <a:rPr lang="en-US" sz="900" dirty="0"/>
-              <a:t>]</a:t>
-            </a:r>
-          </a:p>
-        </p:txBody>
-      </p:sp>
-      <p:sp>
-        <p:nvSpPr>
-          <p:cNvPr id="157" name="TextBox 156">
-            <a:extLst>
-              <a:ext uri="{FF2B5EF4-FFF2-40B4-BE49-F238E27FC236}">
-                <a16:creationId xmlns:a16="http://schemas.microsoft.com/office/drawing/2014/main" id="{01AF3C9F-E0A8-2B4E-8775-F6F2899A307D}"/>
-              </a:ext>
-            </a:extLst>
-          </p:cNvPr>
-          <p:cNvSpPr txBox="1"/>
-          <p:nvPr/>
-        </p:nvSpPr>
-        <p:spPr>
-          <a:xfrm>
-            <a:off x="7085825" y="4684701"/>
-            <a:ext cx="836323" cy="230832"/>
-          </a:xfrm>
-          <a:prstGeom prst="rect">
-            <a:avLst/>
-          </a:prstGeom>
-          <a:noFill/>
-        </p:spPr>
-        <p:txBody>
-          <a:bodyPr wrap="square" rtlCol="0">
-            <a:spAutoFit/>
-          </a:bodyPr>
-          <a:lstStyle/>
-          <a:p>
-            <a:r>
-              <a:rPr lang="en-US" sz="900" dirty="0"/>
-              <a:t>[K</a:t>
-            </a:r>
-            <a:r>
-              <a:rPr lang="en-US" sz="900" baseline="-25000" dirty="0"/>
-              <a:t>1</a:t>
-            </a:r>
-            <a:r>
-              <a:rPr lang="en-US" sz="900" dirty="0"/>
-              <a:t>K</a:t>
-            </a:r>
-            <a:r>
-              <a:rPr lang="en-US" sz="900" baseline="-25000" dirty="0"/>
-              <a:t>2</a:t>
-            </a:r>
-            <a:r>
-              <a:rPr lang="en-US" sz="900" dirty="0"/>
-              <a:t>…K</a:t>
-            </a:r>
-            <a:r>
-              <a:rPr lang="en-US" sz="900" baseline="-25000" dirty="0"/>
-              <a:t>30</a:t>
-            </a:r>
-            <a:r>
-              <a:rPr lang="en-US" sz="900" dirty="0"/>
-              <a:t>]</a:t>
-            </a:r>
-          </a:p>
-        </p:txBody>
-      </p:sp>
-      <p:pic>
-        <p:nvPicPr>
-          <p:cNvPr id="161" name="Picture 160">
-            <a:extLst>
-              <a:ext uri="{FF2B5EF4-FFF2-40B4-BE49-F238E27FC236}">
-                <a16:creationId xmlns:a16="http://schemas.microsoft.com/office/drawing/2014/main" id="{6AA34233-E8B0-E340-AB46-2EF4981E2A3A}"/>
-              </a:ext>
-            </a:extLst>
-          </p:cNvPr>
-          <p:cNvPicPr>
-            <a:picLocks noChangeAspect="1"/>
-          </p:cNvPicPr>
-          <p:nvPr/>
-        </p:nvPicPr>
-        <p:blipFill>
-          <a:blip r:embed="rId9"/>
-          <a:stretch>
-            <a:fillRect/>
-          </a:stretch>
-        </p:blipFill>
-        <p:spPr>
-          <a:xfrm>
-            <a:off x="8815685" y="2196440"/>
-            <a:ext cx="2409446" cy="1696250"/>
-          </a:xfrm>
-          <a:prstGeom prst="rect">
-            <a:avLst/>
-          </a:prstGeom>
-        </p:spPr>
-      </p:pic>
-      <p:cxnSp>
-        <p:nvCxnSpPr>
-          <p:cNvPr id="163" name="Straight Arrow Connector 162">
-            <a:extLst>
-              <a:ext uri="{FF2B5EF4-FFF2-40B4-BE49-F238E27FC236}">
-                <a16:creationId xmlns:a16="http://schemas.microsoft.com/office/drawing/2014/main" id="{AF72ADB3-2635-C44C-BF1B-0BA3FA7AE3E1}"/>
-              </a:ext>
-            </a:extLst>
-          </p:cNvPr>
-          <p:cNvCxnSpPr>
-            <a:cxnSpLocks/>
-            <a:stCxn id="63" idx="3"/>
-          </p:cNvCxnSpPr>
-          <p:nvPr/>
-        </p:nvCxnSpPr>
-        <p:spPr>
-          <a:xfrm>
-            <a:off x="7383038" y="1240717"/>
-            <a:ext cx="1432647" cy="1643246"/>
-          </a:xfrm>
-          <a:prstGeom prst="straightConnector1">
-            <a:avLst/>
-          </a:prstGeom>
-          <a:ln>
-            <a:tailEnd type="triangle"/>
-          </a:ln>
-        </p:spPr>
-        <p:style>
-          <a:lnRef idx="1">
-            <a:schemeClr val="accent1"/>
-          </a:lnRef>
-          <a:fillRef idx="0">
-            <a:schemeClr val="accent1"/>
-          </a:fillRef>
-          <a:effectRef idx="0">
-            <a:schemeClr val="accent1"/>
-          </a:effectRef>
-          <a:fontRef idx="minor">
-            <a:schemeClr val="tx1"/>
-          </a:fontRef>
-        </p:style>
-      </p:cxnSp>
-      <p:cxnSp>
-        <p:nvCxnSpPr>
-          <p:cNvPr id="164" name="Straight Arrow Connector 163">
-            <a:extLst>
-              <a:ext uri="{FF2B5EF4-FFF2-40B4-BE49-F238E27FC236}">
-                <a16:creationId xmlns:a16="http://schemas.microsoft.com/office/drawing/2014/main" id="{0483F1E9-0644-0E46-A988-7549E8529130}"/>
-              </a:ext>
-            </a:extLst>
-          </p:cNvPr>
-          <p:cNvCxnSpPr>
-            <a:cxnSpLocks/>
-          </p:cNvCxnSpPr>
-          <p:nvPr/>
-        </p:nvCxnSpPr>
-        <p:spPr>
-          <a:xfrm>
-            <a:off x="7470608" y="2956055"/>
-            <a:ext cx="1345077" cy="0"/>
-          </a:xfrm>
-          <a:prstGeom prst="straightConnector1">
-            <a:avLst/>
-          </a:prstGeom>
-          <a:ln>
-            <a:tailEnd type="triangle"/>
-          </a:ln>
-        </p:spPr>
-        <p:style>
-          <a:lnRef idx="1">
-            <a:schemeClr val="accent1"/>
-          </a:lnRef>
-          <a:fillRef idx="0">
-            <a:schemeClr val="accent1"/>
-          </a:fillRef>
-          <a:effectRef idx="0">
-            <a:schemeClr val="accent1"/>
-          </a:effectRef>
-          <a:fontRef idx="minor">
-            <a:schemeClr val="tx1"/>
-          </a:fontRef>
-        </p:style>
-      </p:cxnSp>
-      <p:cxnSp>
-        <p:nvCxnSpPr>
-          <p:cNvPr id="170" name="Straight Arrow Connector 169">
-            <a:extLst>
-              <a:ext uri="{FF2B5EF4-FFF2-40B4-BE49-F238E27FC236}">
-                <a16:creationId xmlns:a16="http://schemas.microsoft.com/office/drawing/2014/main" id="{5A67BA0C-9058-7E46-9F20-B929A64EAE32}"/>
-              </a:ext>
-            </a:extLst>
-          </p:cNvPr>
-          <p:cNvCxnSpPr>
-            <a:cxnSpLocks/>
-          </p:cNvCxnSpPr>
-          <p:nvPr/>
-        </p:nvCxnSpPr>
-        <p:spPr>
-          <a:xfrm flipV="1">
-            <a:off x="7642172" y="3044565"/>
-            <a:ext cx="1173513" cy="1955698"/>
-          </a:xfrm>
-          <a:prstGeom prst="straightConnector1">
-            <a:avLst/>
-          </a:prstGeom>
-          <a:ln>
-            <a:tailEnd type="triangle"/>
-          </a:ln>
-        </p:spPr>
-        <p:style>
-          <a:lnRef idx="1">
-            <a:schemeClr val="accent1"/>
-          </a:lnRef>
-          <a:fillRef idx="0">
-            <a:schemeClr val="accent1"/>
-          </a:fillRef>
-          <a:effectRef idx="0">
-            <a:schemeClr val="accent1"/>
-          </a:effectRef>
-          <a:fontRef idx="minor">
-            <a:schemeClr val="tx1"/>
-          </a:fontRef>
-        </p:style>
-      </p:cxnSp>
-      <p:sp>
-        <p:nvSpPr>
-          <p:cNvPr id="172" name="Rectangle 171">
-            <a:extLst>
-              <a:ext uri="{FF2B5EF4-FFF2-40B4-BE49-F238E27FC236}">
-                <a16:creationId xmlns:a16="http://schemas.microsoft.com/office/drawing/2014/main" id="{CC349396-A5FF-9641-87D0-B934C5F41E6A}"/>
-              </a:ext>
-            </a:extLst>
-          </p:cNvPr>
-          <p:cNvSpPr/>
-          <p:nvPr/>
-        </p:nvSpPr>
-        <p:spPr>
-          <a:xfrm>
-            <a:off x="8960126" y="1987712"/>
-            <a:ext cx="2156015" cy="2051854"/>
-          </a:xfrm>
-          <a:prstGeom prst="rect">
-            <a:avLst/>
-          </a:prstGeom>
-          <a:noFill/>
-          <a:ln w="38100">
-            <a:solidFill>
-              <a:schemeClr val="bg2">
-                <a:lumMod val="50000"/>
-              </a:schemeClr>
-            </a:solidFill>
-          </a:ln>
-        </p:spPr>
-        <p:style>
-          <a:lnRef idx="2">
-            <a:schemeClr val="accent1">
-              <a:shade val="50000"/>
-            </a:schemeClr>
-          </a:lnRef>
-          <a:fillRef idx="1">
-            <a:schemeClr val="accent1"/>
-          </a:fillRef>
-          <a:effectRef idx="0">
-            <a:schemeClr val="accent1"/>
-          </a:effectRef>
-          <a:fontRef idx="minor">
-            <a:schemeClr val="lt1"/>
-          </a:fontRef>
-        </p:style>
-        <p:txBody>
-          <a:bodyPr rtlCol="0" anchor="ctr"/>
-          <a:lstStyle/>
-          <a:p>
-            <a:pPr algn="ctr"/>
-            <a:endParaRPr lang="en-US"/>
-          </a:p>
-        </p:txBody>
-      </p:sp>
-      <p:sp>
-        <p:nvSpPr>
-          <p:cNvPr id="173" name="TextBox 172">
-            <a:extLst>
-              <a:ext uri="{FF2B5EF4-FFF2-40B4-BE49-F238E27FC236}">
-                <a16:creationId xmlns:a16="http://schemas.microsoft.com/office/drawing/2014/main" id="{40EEDF4F-3879-A640-B036-2D1A29869F44}"/>
-              </a:ext>
-            </a:extLst>
-          </p:cNvPr>
-          <p:cNvSpPr txBox="1"/>
-          <p:nvPr/>
-        </p:nvSpPr>
-        <p:spPr>
-          <a:xfrm>
-            <a:off x="9477293" y="1586541"/>
-            <a:ext cx="1086230" cy="276999"/>
-          </a:xfrm>
-          <a:prstGeom prst="rect">
-            <a:avLst/>
-          </a:prstGeom>
-          <a:noFill/>
-        </p:spPr>
-        <p:txBody>
-          <a:bodyPr wrap="square" rtlCol="0">
-            <a:spAutoFit/>
-          </a:bodyPr>
-          <a:lstStyle/>
-          <a:p>
-            <a:r>
-              <a:rPr lang="en-US" sz="1200" dirty="0"/>
-              <a:t>Graph Gather</a:t>
-            </a:r>
-          </a:p>
-        </p:txBody>
-      </p:sp>
-    </p:spTree>
-    <p:extLst>
-      <p:ext uri="{BB962C8B-B14F-4D97-AF65-F5344CB8AC3E}">
-        <p14:creationId xmlns:p14="http://schemas.microsoft.com/office/powerpoint/2010/main" val="3114888094"/>
       </p:ext>
     </p:extLst>
   </p:cSld>
